--- a/Flujograma (2).pptx
+++ b/Flujograma (2).pptx
@@ -3599,7 +3599,7 @@
           <p:cNvPr id="205" name="Conector: angular 204">
             <a:extLst>
               <a:ext uri="{FF2B5EF4-FFF2-40B4-BE49-F238E27FC236}">
-                <a16:creationId xmlns:a16="http://schemas.microsoft.com/office/drawing/2014/main" xmlns="" id="{B59F39F5-9225-4D7F-A220-DAD9684BB731}"/>
+                <a16:creationId xmlns:a16="http://schemas.microsoft.com/office/drawing/2014/main" id="{B59F39F5-9225-4D7F-A220-DAD9684BB731}"/>
               </a:ext>
             </a:extLst>
           </p:cNvPr>
@@ -3813,7 +3813,7 @@
           <p:cNvPr id="32" name="7 Proceso">
             <a:extLst>
               <a:ext uri="{FF2B5EF4-FFF2-40B4-BE49-F238E27FC236}">
-                <a16:creationId xmlns:a16="http://schemas.microsoft.com/office/drawing/2014/main" xmlns="" id="{D5095488-B6E4-42D1-8BDB-A6F77EDB308A}"/>
+                <a16:creationId xmlns:a16="http://schemas.microsoft.com/office/drawing/2014/main" id="{D5095488-B6E4-42D1-8BDB-A6F77EDB308A}"/>
               </a:ext>
             </a:extLst>
           </p:cNvPr>
@@ -3865,7 +3865,7 @@
           <p:cNvPr id="18" name="Conector recto 17">
             <a:extLst>
               <a:ext uri="{FF2B5EF4-FFF2-40B4-BE49-F238E27FC236}">
-                <a16:creationId xmlns:a16="http://schemas.microsoft.com/office/drawing/2014/main" xmlns="" id="{9A8B42E2-795D-4CA2-9C17-4A5B76794D0D}"/>
+                <a16:creationId xmlns:a16="http://schemas.microsoft.com/office/drawing/2014/main" id="{9A8B42E2-795D-4CA2-9C17-4A5B76794D0D}"/>
               </a:ext>
             </a:extLst>
           </p:cNvPr>
@@ -3905,7 +3905,7 @@
           <p:cNvPr id="51" name="7 Proceso">
             <a:extLst>
               <a:ext uri="{FF2B5EF4-FFF2-40B4-BE49-F238E27FC236}">
-                <a16:creationId xmlns:a16="http://schemas.microsoft.com/office/drawing/2014/main" xmlns="" id="{B972719C-F61D-4153-9A55-1D4A080A2453}"/>
+                <a16:creationId xmlns:a16="http://schemas.microsoft.com/office/drawing/2014/main" id="{B972719C-F61D-4153-9A55-1D4A080A2453}"/>
               </a:ext>
             </a:extLst>
           </p:cNvPr>
@@ -3957,7 +3957,7 @@
           <p:cNvPr id="40" name="Conector recto 39">
             <a:extLst>
               <a:ext uri="{FF2B5EF4-FFF2-40B4-BE49-F238E27FC236}">
-                <a16:creationId xmlns:a16="http://schemas.microsoft.com/office/drawing/2014/main" xmlns="" id="{97C7A2B9-258F-4C33-95B5-4A3DA0E5A470}"/>
+                <a16:creationId xmlns:a16="http://schemas.microsoft.com/office/drawing/2014/main" id="{97C7A2B9-258F-4C33-95B5-4A3DA0E5A470}"/>
               </a:ext>
             </a:extLst>
           </p:cNvPr>
@@ -3997,7 +3997,7 @@
           <p:cNvPr id="62" name="32 Preparación">
             <a:extLst>
               <a:ext uri="{FF2B5EF4-FFF2-40B4-BE49-F238E27FC236}">
-                <a16:creationId xmlns:a16="http://schemas.microsoft.com/office/drawing/2014/main" xmlns="" id="{C3113788-5262-445A-A98C-F51FDFC00FE7}"/>
+                <a16:creationId xmlns:a16="http://schemas.microsoft.com/office/drawing/2014/main" id="{C3113788-5262-445A-A98C-F51FDFC00FE7}"/>
               </a:ext>
             </a:extLst>
           </p:cNvPr>
@@ -4056,7 +4056,7 @@
           <p:cNvPr id="71" name="7 Proceso">
             <a:extLst>
               <a:ext uri="{FF2B5EF4-FFF2-40B4-BE49-F238E27FC236}">
-                <a16:creationId xmlns:a16="http://schemas.microsoft.com/office/drawing/2014/main" xmlns="" id="{47E6F42A-D4D7-4BD1-8580-B585A0E86286}"/>
+                <a16:creationId xmlns:a16="http://schemas.microsoft.com/office/drawing/2014/main" id="{47E6F42A-D4D7-4BD1-8580-B585A0E86286}"/>
               </a:ext>
             </a:extLst>
           </p:cNvPr>
@@ -4108,7 +4108,7 @@
           <p:cNvPr id="54" name="Conector recto 53">
             <a:extLst>
               <a:ext uri="{FF2B5EF4-FFF2-40B4-BE49-F238E27FC236}">
-                <a16:creationId xmlns:a16="http://schemas.microsoft.com/office/drawing/2014/main" xmlns="" id="{5E93D98C-5854-461F-94F0-ABCA9C4BB813}"/>
+                <a16:creationId xmlns:a16="http://schemas.microsoft.com/office/drawing/2014/main" id="{5E93D98C-5854-461F-94F0-ABCA9C4BB813}"/>
               </a:ext>
             </a:extLst>
           </p:cNvPr>
@@ -4148,7 +4148,7 @@
           <p:cNvPr id="73" name="7 Proceso">
             <a:extLst>
               <a:ext uri="{FF2B5EF4-FFF2-40B4-BE49-F238E27FC236}">
-                <a16:creationId xmlns:a16="http://schemas.microsoft.com/office/drawing/2014/main" xmlns="" id="{8EF54440-4430-40AB-A469-A30BD6CE50DB}"/>
+                <a16:creationId xmlns:a16="http://schemas.microsoft.com/office/drawing/2014/main" id="{8EF54440-4430-40AB-A469-A30BD6CE50DB}"/>
               </a:ext>
             </a:extLst>
           </p:cNvPr>
@@ -4205,7 +4205,7 @@
           <p:cNvPr id="61" name="Conector: angular 60">
             <a:extLst>
               <a:ext uri="{FF2B5EF4-FFF2-40B4-BE49-F238E27FC236}">
-                <a16:creationId xmlns:a16="http://schemas.microsoft.com/office/drawing/2014/main" xmlns="" id="{16D80F8C-7AA7-446E-BCE0-DD61D1A33AD2}"/>
+                <a16:creationId xmlns:a16="http://schemas.microsoft.com/office/drawing/2014/main" id="{16D80F8C-7AA7-446E-BCE0-DD61D1A33AD2}"/>
               </a:ext>
             </a:extLst>
           </p:cNvPr>
@@ -4249,7 +4249,7 @@
           <p:cNvPr id="81" name="7 Proceso">
             <a:extLst>
               <a:ext uri="{FF2B5EF4-FFF2-40B4-BE49-F238E27FC236}">
-                <a16:creationId xmlns:a16="http://schemas.microsoft.com/office/drawing/2014/main" xmlns="" id="{19E20FE5-BC2C-4556-9FAB-D07D04A88C5F}"/>
+                <a16:creationId xmlns:a16="http://schemas.microsoft.com/office/drawing/2014/main" id="{19E20FE5-BC2C-4556-9FAB-D07D04A88C5F}"/>
               </a:ext>
             </a:extLst>
           </p:cNvPr>
@@ -4301,7 +4301,7 @@
           <p:cNvPr id="83" name="Conector recto 82">
             <a:extLst>
               <a:ext uri="{FF2B5EF4-FFF2-40B4-BE49-F238E27FC236}">
-                <a16:creationId xmlns:a16="http://schemas.microsoft.com/office/drawing/2014/main" xmlns="" id="{C576AC8D-4690-4132-9C1D-3E419DF3AB6F}"/>
+                <a16:creationId xmlns:a16="http://schemas.microsoft.com/office/drawing/2014/main" id="{C576AC8D-4690-4132-9C1D-3E419DF3AB6F}"/>
               </a:ext>
             </a:extLst>
           </p:cNvPr>
@@ -4341,7 +4341,7 @@
           <p:cNvPr id="86" name="7 Proceso">
             <a:extLst>
               <a:ext uri="{FF2B5EF4-FFF2-40B4-BE49-F238E27FC236}">
-                <a16:creationId xmlns:a16="http://schemas.microsoft.com/office/drawing/2014/main" xmlns="" id="{F16CF793-D820-4EB4-A7E4-A708453B839A}"/>
+                <a16:creationId xmlns:a16="http://schemas.microsoft.com/office/drawing/2014/main" id="{F16CF793-D820-4EB4-A7E4-A708453B839A}"/>
               </a:ext>
             </a:extLst>
           </p:cNvPr>
@@ -4393,7 +4393,7 @@
           <p:cNvPr id="88" name="Conector recto 87">
             <a:extLst>
               <a:ext uri="{FF2B5EF4-FFF2-40B4-BE49-F238E27FC236}">
-                <a16:creationId xmlns:a16="http://schemas.microsoft.com/office/drawing/2014/main" xmlns="" id="{166BFE9F-9416-41B7-B031-B17FA4948139}"/>
+                <a16:creationId xmlns:a16="http://schemas.microsoft.com/office/drawing/2014/main" id="{166BFE9F-9416-41B7-B031-B17FA4948139}"/>
               </a:ext>
             </a:extLst>
           </p:cNvPr>
@@ -4433,7 +4433,7 @@
           <p:cNvPr id="95" name="7 Proceso">
             <a:extLst>
               <a:ext uri="{FF2B5EF4-FFF2-40B4-BE49-F238E27FC236}">
-                <a16:creationId xmlns:a16="http://schemas.microsoft.com/office/drawing/2014/main" xmlns="" id="{BBA3A8DF-BA4D-4515-AE99-277FAABC5451}"/>
+                <a16:creationId xmlns:a16="http://schemas.microsoft.com/office/drawing/2014/main" id="{BBA3A8DF-BA4D-4515-AE99-277FAABC5451}"/>
               </a:ext>
             </a:extLst>
           </p:cNvPr>
@@ -4485,7 +4485,7 @@
           <p:cNvPr id="96" name="Conector recto 95">
             <a:extLst>
               <a:ext uri="{FF2B5EF4-FFF2-40B4-BE49-F238E27FC236}">
-                <a16:creationId xmlns:a16="http://schemas.microsoft.com/office/drawing/2014/main" xmlns="" id="{944497A4-D5DA-4BD1-923D-9F18A6CC1374}"/>
+                <a16:creationId xmlns:a16="http://schemas.microsoft.com/office/drawing/2014/main" id="{944497A4-D5DA-4BD1-923D-9F18A6CC1374}"/>
               </a:ext>
             </a:extLst>
           </p:cNvPr>
@@ -4525,7 +4525,7 @@
           <p:cNvPr id="98" name="7 Proceso">
             <a:extLst>
               <a:ext uri="{FF2B5EF4-FFF2-40B4-BE49-F238E27FC236}">
-                <a16:creationId xmlns:a16="http://schemas.microsoft.com/office/drawing/2014/main" xmlns="" id="{7C7F24A2-90E7-4975-80B6-8720FE4D6AE6}"/>
+                <a16:creationId xmlns:a16="http://schemas.microsoft.com/office/drawing/2014/main" id="{7C7F24A2-90E7-4975-80B6-8720FE4D6AE6}"/>
               </a:ext>
             </a:extLst>
           </p:cNvPr>
@@ -4577,7 +4577,7 @@
           <p:cNvPr id="99" name="Conector recto 98">
             <a:extLst>
               <a:ext uri="{FF2B5EF4-FFF2-40B4-BE49-F238E27FC236}">
-                <a16:creationId xmlns:a16="http://schemas.microsoft.com/office/drawing/2014/main" xmlns="" id="{C7A23614-BBC3-49F9-A945-815870F73A7A}"/>
+                <a16:creationId xmlns:a16="http://schemas.microsoft.com/office/drawing/2014/main" id="{C7A23614-BBC3-49F9-A945-815870F73A7A}"/>
               </a:ext>
             </a:extLst>
           </p:cNvPr>
@@ -4617,7 +4617,7 @@
           <p:cNvPr id="101" name="7 Proceso">
             <a:extLst>
               <a:ext uri="{FF2B5EF4-FFF2-40B4-BE49-F238E27FC236}">
-                <a16:creationId xmlns:a16="http://schemas.microsoft.com/office/drawing/2014/main" xmlns="" id="{60BA32C1-CE9E-46A0-9853-2B7285372D02}"/>
+                <a16:creationId xmlns:a16="http://schemas.microsoft.com/office/drawing/2014/main" id="{60BA32C1-CE9E-46A0-9853-2B7285372D02}"/>
               </a:ext>
             </a:extLst>
           </p:cNvPr>
@@ -4669,7 +4669,7 @@
           <p:cNvPr id="102" name="Conector recto 101">
             <a:extLst>
               <a:ext uri="{FF2B5EF4-FFF2-40B4-BE49-F238E27FC236}">
-                <a16:creationId xmlns:a16="http://schemas.microsoft.com/office/drawing/2014/main" xmlns="" id="{B0E0F316-8C0E-400F-9505-496D0411D907}"/>
+                <a16:creationId xmlns:a16="http://schemas.microsoft.com/office/drawing/2014/main" id="{B0E0F316-8C0E-400F-9505-496D0411D907}"/>
               </a:ext>
             </a:extLst>
           </p:cNvPr>
@@ -4708,7 +4708,7 @@
           <p:cNvPr id="104" name="7 Proceso">
             <a:extLst>
               <a:ext uri="{FF2B5EF4-FFF2-40B4-BE49-F238E27FC236}">
-                <a16:creationId xmlns:a16="http://schemas.microsoft.com/office/drawing/2014/main" xmlns="" id="{0A54572F-9574-40A3-B7B2-6C60815FE544}"/>
+                <a16:creationId xmlns:a16="http://schemas.microsoft.com/office/drawing/2014/main" id="{0A54572F-9574-40A3-B7B2-6C60815FE544}"/>
               </a:ext>
             </a:extLst>
           </p:cNvPr>
@@ -4760,7 +4760,7 @@
           <p:cNvPr id="105" name="Conector recto 104">
             <a:extLst>
               <a:ext uri="{FF2B5EF4-FFF2-40B4-BE49-F238E27FC236}">
-                <a16:creationId xmlns:a16="http://schemas.microsoft.com/office/drawing/2014/main" xmlns="" id="{746C5B51-5553-4B9B-A53A-CE3AAA1A78B8}"/>
+                <a16:creationId xmlns:a16="http://schemas.microsoft.com/office/drawing/2014/main" id="{746C5B51-5553-4B9B-A53A-CE3AAA1A78B8}"/>
               </a:ext>
             </a:extLst>
           </p:cNvPr>
@@ -4800,7 +4800,7 @@
           <p:cNvPr id="110" name="7 Proceso">
             <a:extLst>
               <a:ext uri="{FF2B5EF4-FFF2-40B4-BE49-F238E27FC236}">
-                <a16:creationId xmlns:a16="http://schemas.microsoft.com/office/drawing/2014/main" xmlns="" id="{921D195D-433F-4D80-93EC-499B11D7DDDE}"/>
+                <a16:creationId xmlns:a16="http://schemas.microsoft.com/office/drawing/2014/main" id="{921D195D-433F-4D80-93EC-499B11D7DDDE}"/>
               </a:ext>
             </a:extLst>
           </p:cNvPr>
@@ -4852,7 +4852,7 @@
           <p:cNvPr id="111" name="Conector recto 110">
             <a:extLst>
               <a:ext uri="{FF2B5EF4-FFF2-40B4-BE49-F238E27FC236}">
-                <a16:creationId xmlns:a16="http://schemas.microsoft.com/office/drawing/2014/main" xmlns="" id="{CC923BA5-AFC8-4EF8-97DA-2C6FE7B0C87E}"/>
+                <a16:creationId xmlns:a16="http://schemas.microsoft.com/office/drawing/2014/main" id="{CC923BA5-AFC8-4EF8-97DA-2C6FE7B0C87E}"/>
               </a:ext>
             </a:extLst>
           </p:cNvPr>
@@ -4892,7 +4892,7 @@
           <p:cNvPr id="118" name="175 CuadroTexto">
             <a:extLst>
               <a:ext uri="{FF2B5EF4-FFF2-40B4-BE49-F238E27FC236}">
-                <a16:creationId xmlns:a16="http://schemas.microsoft.com/office/drawing/2014/main" xmlns="" id="{CB075141-875B-4CC9-9728-80AC4FA1DD27}"/>
+                <a16:creationId xmlns:a16="http://schemas.microsoft.com/office/drawing/2014/main" id="{CB075141-875B-4CC9-9728-80AC4FA1DD27}"/>
               </a:ext>
             </a:extLst>
           </p:cNvPr>
@@ -4927,7 +4927,7 @@
           <p:cNvPr id="122" name="Conector: angular 121">
             <a:extLst>
               <a:ext uri="{FF2B5EF4-FFF2-40B4-BE49-F238E27FC236}">
-                <a16:creationId xmlns:a16="http://schemas.microsoft.com/office/drawing/2014/main" xmlns="" id="{A1CEE9AD-E408-4D38-B5CC-B4707678293F}"/>
+                <a16:creationId xmlns:a16="http://schemas.microsoft.com/office/drawing/2014/main" id="{A1CEE9AD-E408-4D38-B5CC-B4707678293F}"/>
               </a:ext>
             </a:extLst>
           </p:cNvPr>
@@ -4971,7 +4971,7 @@
           <p:cNvPr id="130" name="175 CuadroTexto">
             <a:extLst>
               <a:ext uri="{FF2B5EF4-FFF2-40B4-BE49-F238E27FC236}">
-                <a16:creationId xmlns:a16="http://schemas.microsoft.com/office/drawing/2014/main" xmlns="" id="{AB690B61-7C20-467F-845A-B1B37F98CC5A}"/>
+                <a16:creationId xmlns:a16="http://schemas.microsoft.com/office/drawing/2014/main" id="{AB690B61-7C20-467F-845A-B1B37F98CC5A}"/>
               </a:ext>
             </a:extLst>
           </p:cNvPr>
@@ -5006,7 +5006,7 @@
           <p:cNvPr id="134" name="Conector: angular 133">
             <a:extLst>
               <a:ext uri="{FF2B5EF4-FFF2-40B4-BE49-F238E27FC236}">
-                <a16:creationId xmlns:a16="http://schemas.microsoft.com/office/drawing/2014/main" xmlns="" id="{EC64A691-6582-4A26-934D-FC7AA66E697D}"/>
+                <a16:creationId xmlns:a16="http://schemas.microsoft.com/office/drawing/2014/main" id="{EC64A691-6582-4A26-934D-FC7AA66E697D}"/>
               </a:ext>
             </a:extLst>
           </p:cNvPr>
@@ -5050,7 +5050,7 @@
           <p:cNvPr id="137" name="Conector: angular 136">
             <a:extLst>
               <a:ext uri="{FF2B5EF4-FFF2-40B4-BE49-F238E27FC236}">
-                <a16:creationId xmlns:a16="http://schemas.microsoft.com/office/drawing/2014/main" xmlns="" id="{ED8CA726-DFBE-4B85-98B7-8229576AD6C2}"/>
+                <a16:creationId xmlns:a16="http://schemas.microsoft.com/office/drawing/2014/main" id="{ED8CA726-DFBE-4B85-98B7-8229576AD6C2}"/>
               </a:ext>
             </a:extLst>
           </p:cNvPr>
@@ -5095,7 +5095,7 @@
           <p:cNvPr id="144" name="175 CuadroTexto">
             <a:extLst>
               <a:ext uri="{FF2B5EF4-FFF2-40B4-BE49-F238E27FC236}">
-                <a16:creationId xmlns:a16="http://schemas.microsoft.com/office/drawing/2014/main" xmlns="" id="{31822DB5-8191-48AA-8429-9CE3DF2CDAD2}"/>
+                <a16:creationId xmlns:a16="http://schemas.microsoft.com/office/drawing/2014/main" id="{31822DB5-8191-48AA-8429-9CE3DF2CDAD2}"/>
               </a:ext>
             </a:extLst>
           </p:cNvPr>
@@ -5130,7 +5130,7 @@
           <p:cNvPr id="145" name="175 CuadroTexto">
             <a:extLst>
               <a:ext uri="{FF2B5EF4-FFF2-40B4-BE49-F238E27FC236}">
-                <a16:creationId xmlns:a16="http://schemas.microsoft.com/office/drawing/2014/main" xmlns="" id="{90A4D8B2-B06A-4247-B9AA-4F33655EF8E4}"/>
+                <a16:creationId xmlns:a16="http://schemas.microsoft.com/office/drawing/2014/main" id="{90A4D8B2-B06A-4247-B9AA-4F33655EF8E4}"/>
               </a:ext>
             </a:extLst>
           </p:cNvPr>
@@ -5165,7 +5165,7 @@
           <p:cNvPr id="153" name="Conector recto 152">
             <a:extLst>
               <a:ext uri="{FF2B5EF4-FFF2-40B4-BE49-F238E27FC236}">
-                <a16:creationId xmlns:a16="http://schemas.microsoft.com/office/drawing/2014/main" xmlns="" id="{BEDEA13A-E2FC-4348-A26E-B9C601C5FCE1}"/>
+                <a16:creationId xmlns:a16="http://schemas.microsoft.com/office/drawing/2014/main" id="{BEDEA13A-E2FC-4348-A26E-B9C601C5FCE1}"/>
               </a:ext>
             </a:extLst>
           </p:cNvPr>
@@ -5203,7 +5203,7 @@
           <p:cNvPr id="159" name="Conector recto 158">
             <a:extLst>
               <a:ext uri="{FF2B5EF4-FFF2-40B4-BE49-F238E27FC236}">
-                <a16:creationId xmlns:a16="http://schemas.microsoft.com/office/drawing/2014/main" xmlns="" id="{969FFE8B-B4FB-428C-9EC6-12578292CC9F}"/>
+                <a16:creationId xmlns:a16="http://schemas.microsoft.com/office/drawing/2014/main" id="{969FFE8B-B4FB-428C-9EC6-12578292CC9F}"/>
               </a:ext>
             </a:extLst>
           </p:cNvPr>
@@ -5242,7 +5242,7 @@
           <p:cNvPr id="161" name="Conector: angular 160">
             <a:extLst>
               <a:ext uri="{FF2B5EF4-FFF2-40B4-BE49-F238E27FC236}">
-                <a16:creationId xmlns:a16="http://schemas.microsoft.com/office/drawing/2014/main" xmlns="" id="{DD4801D1-047F-4091-8A78-89EC28289D75}"/>
+                <a16:creationId xmlns:a16="http://schemas.microsoft.com/office/drawing/2014/main" id="{DD4801D1-047F-4091-8A78-89EC28289D75}"/>
               </a:ext>
             </a:extLst>
           </p:cNvPr>
@@ -5283,7 +5283,7 @@
           <p:cNvPr id="163" name="Conector: angular 162">
             <a:extLst>
               <a:ext uri="{FF2B5EF4-FFF2-40B4-BE49-F238E27FC236}">
-                <a16:creationId xmlns:a16="http://schemas.microsoft.com/office/drawing/2014/main" xmlns="" id="{0367ABA7-F358-42A9-9E91-9B4D78E25D5C}"/>
+                <a16:creationId xmlns:a16="http://schemas.microsoft.com/office/drawing/2014/main" id="{0367ABA7-F358-42A9-9E91-9B4D78E25D5C}"/>
               </a:ext>
             </a:extLst>
           </p:cNvPr>
@@ -5325,7 +5325,7 @@
           <p:cNvPr id="165" name="Conector: angular 164">
             <a:extLst>
               <a:ext uri="{FF2B5EF4-FFF2-40B4-BE49-F238E27FC236}">
-                <a16:creationId xmlns:a16="http://schemas.microsoft.com/office/drawing/2014/main" xmlns="" id="{B0C85432-13E5-4A77-A9DA-0880B48968CB}"/>
+                <a16:creationId xmlns:a16="http://schemas.microsoft.com/office/drawing/2014/main" id="{B0C85432-13E5-4A77-A9DA-0880B48968CB}"/>
               </a:ext>
             </a:extLst>
           </p:cNvPr>
@@ -5366,7 +5366,7 @@
           <p:cNvPr id="174" name="Conector recto 173">
             <a:extLst>
               <a:ext uri="{FF2B5EF4-FFF2-40B4-BE49-F238E27FC236}">
-                <a16:creationId xmlns:a16="http://schemas.microsoft.com/office/drawing/2014/main" xmlns="" id="{929F73AF-486F-45E2-90CA-D013C574FBF3}"/>
+                <a16:creationId xmlns:a16="http://schemas.microsoft.com/office/drawing/2014/main" id="{929F73AF-486F-45E2-90CA-D013C574FBF3}"/>
               </a:ext>
             </a:extLst>
           </p:cNvPr>
@@ -5404,7 +5404,7 @@
           <p:cNvPr id="177" name="Conector: angular 176">
             <a:extLst>
               <a:ext uri="{FF2B5EF4-FFF2-40B4-BE49-F238E27FC236}">
-                <a16:creationId xmlns:a16="http://schemas.microsoft.com/office/drawing/2014/main" xmlns="" id="{E5923340-1A82-4F17-81E5-AFEF9D6C686D}"/>
+                <a16:creationId xmlns:a16="http://schemas.microsoft.com/office/drawing/2014/main" id="{E5923340-1A82-4F17-81E5-AFEF9D6C686D}"/>
               </a:ext>
             </a:extLst>
           </p:cNvPr>
@@ -5445,7 +5445,7 @@
           <p:cNvPr id="194" name="175 CuadroTexto">
             <a:extLst>
               <a:ext uri="{FF2B5EF4-FFF2-40B4-BE49-F238E27FC236}">
-                <a16:creationId xmlns:a16="http://schemas.microsoft.com/office/drawing/2014/main" xmlns="" id="{7EC97272-B27C-41F9-91FE-493062A9291E}"/>
+                <a16:creationId xmlns:a16="http://schemas.microsoft.com/office/drawing/2014/main" id="{7EC97272-B27C-41F9-91FE-493062A9291E}"/>
               </a:ext>
             </a:extLst>
           </p:cNvPr>
@@ -5480,7 +5480,7 @@
           <p:cNvPr id="195" name="175 CuadroTexto">
             <a:extLst>
               <a:ext uri="{FF2B5EF4-FFF2-40B4-BE49-F238E27FC236}">
-                <a16:creationId xmlns:a16="http://schemas.microsoft.com/office/drawing/2014/main" xmlns="" id="{9213B773-9210-437D-B2A2-1B37A954D31F}"/>
+                <a16:creationId xmlns:a16="http://schemas.microsoft.com/office/drawing/2014/main" id="{9213B773-9210-437D-B2A2-1B37A954D31F}"/>
               </a:ext>
             </a:extLst>
           </p:cNvPr>
@@ -5515,7 +5515,7 @@
           <p:cNvPr id="196" name="175 CuadroTexto">
             <a:extLst>
               <a:ext uri="{FF2B5EF4-FFF2-40B4-BE49-F238E27FC236}">
-                <a16:creationId xmlns:a16="http://schemas.microsoft.com/office/drawing/2014/main" xmlns="" id="{E2BEB07C-4BCA-4F78-BB09-53757AA3B13C}"/>
+                <a16:creationId xmlns:a16="http://schemas.microsoft.com/office/drawing/2014/main" id="{E2BEB07C-4BCA-4F78-BB09-53757AA3B13C}"/>
               </a:ext>
             </a:extLst>
           </p:cNvPr>
@@ -5550,7 +5550,7 @@
           <p:cNvPr id="197" name="175 CuadroTexto">
             <a:extLst>
               <a:ext uri="{FF2B5EF4-FFF2-40B4-BE49-F238E27FC236}">
-                <a16:creationId xmlns:a16="http://schemas.microsoft.com/office/drawing/2014/main" xmlns="" id="{C44F39B8-5149-42AF-82B3-7611B04BFF40}"/>
+                <a16:creationId xmlns:a16="http://schemas.microsoft.com/office/drawing/2014/main" id="{C44F39B8-5149-42AF-82B3-7611B04BFF40}"/>
               </a:ext>
             </a:extLst>
           </p:cNvPr>
@@ -5585,7 +5585,7 @@
           <p:cNvPr id="201" name="31 Decisión">
             <a:extLst>
               <a:ext uri="{FF2B5EF4-FFF2-40B4-BE49-F238E27FC236}">
-                <a16:creationId xmlns:a16="http://schemas.microsoft.com/office/drawing/2014/main" xmlns="" id="{60ABF8F6-8F62-41B1-BC0D-48D486AF3059}"/>
+                <a16:creationId xmlns:a16="http://schemas.microsoft.com/office/drawing/2014/main" id="{60ABF8F6-8F62-41B1-BC0D-48D486AF3059}"/>
               </a:ext>
             </a:extLst>
           </p:cNvPr>
@@ -5641,7 +5641,7 @@
           <p:cNvPr id="208" name="Conector: angular 207">
             <a:extLst>
               <a:ext uri="{FF2B5EF4-FFF2-40B4-BE49-F238E27FC236}">
-                <a16:creationId xmlns:a16="http://schemas.microsoft.com/office/drawing/2014/main" xmlns="" id="{3CCED7F7-0BE2-4735-823D-366C51321C0D}"/>
+                <a16:creationId xmlns:a16="http://schemas.microsoft.com/office/drawing/2014/main" id="{3CCED7F7-0BE2-4735-823D-366C51321C0D}"/>
               </a:ext>
             </a:extLst>
           </p:cNvPr>
@@ -5691,7 +5691,7 @@
           <p:cNvPr id="213" name="Conector: angular 212">
             <a:extLst>
               <a:ext uri="{FF2B5EF4-FFF2-40B4-BE49-F238E27FC236}">
-                <a16:creationId xmlns:a16="http://schemas.microsoft.com/office/drawing/2014/main" xmlns="" id="{3A1EEC49-9729-440D-AC8E-DC779DF16D36}"/>
+                <a16:creationId xmlns:a16="http://schemas.microsoft.com/office/drawing/2014/main" id="{3A1EEC49-9729-440D-AC8E-DC779DF16D36}"/>
               </a:ext>
             </a:extLst>
           </p:cNvPr>
@@ -5740,7 +5740,7 @@
           <p:cNvPr id="217" name="Conector: angular 216">
             <a:extLst>
               <a:ext uri="{FF2B5EF4-FFF2-40B4-BE49-F238E27FC236}">
-                <a16:creationId xmlns:a16="http://schemas.microsoft.com/office/drawing/2014/main" xmlns="" id="{EE913D21-F63D-4BFD-8E0C-38C76A1778C5}"/>
+                <a16:creationId xmlns:a16="http://schemas.microsoft.com/office/drawing/2014/main" id="{EE913D21-F63D-4BFD-8E0C-38C76A1778C5}"/>
               </a:ext>
             </a:extLst>
           </p:cNvPr>
@@ -5790,7 +5790,7 @@
           <p:cNvPr id="225" name="Conector: angular 224">
             <a:extLst>
               <a:ext uri="{FF2B5EF4-FFF2-40B4-BE49-F238E27FC236}">
-                <a16:creationId xmlns:a16="http://schemas.microsoft.com/office/drawing/2014/main" xmlns="" id="{26C94E2A-B364-4C3D-9FAB-423A671A6B52}"/>
+                <a16:creationId xmlns:a16="http://schemas.microsoft.com/office/drawing/2014/main" id="{26C94E2A-B364-4C3D-9FAB-423A671A6B52}"/>
               </a:ext>
             </a:extLst>
           </p:cNvPr>
@@ -5841,7 +5841,7 @@
           <p:cNvPr id="221" name="Conector: angular 220">
             <a:extLst>
               <a:ext uri="{FF2B5EF4-FFF2-40B4-BE49-F238E27FC236}">
-                <a16:creationId xmlns:a16="http://schemas.microsoft.com/office/drawing/2014/main" xmlns="" id="{2FDBD4DE-ADD6-4204-AD92-352107B849C3}"/>
+                <a16:creationId xmlns:a16="http://schemas.microsoft.com/office/drawing/2014/main" id="{2FDBD4DE-ADD6-4204-AD92-352107B849C3}"/>
               </a:ext>
             </a:extLst>
           </p:cNvPr>
@@ -5891,7 +5891,7 @@
           <p:cNvPr id="230" name="Conector: angular 229">
             <a:extLst>
               <a:ext uri="{FF2B5EF4-FFF2-40B4-BE49-F238E27FC236}">
-                <a16:creationId xmlns:a16="http://schemas.microsoft.com/office/drawing/2014/main" xmlns="" id="{834A7EF9-B883-4BB3-9439-22DE9070DF06}"/>
+                <a16:creationId xmlns:a16="http://schemas.microsoft.com/office/drawing/2014/main" id="{834A7EF9-B883-4BB3-9439-22DE9070DF06}"/>
               </a:ext>
             </a:extLst>
           </p:cNvPr>
@@ -5941,7 +5941,7 @@
           <p:cNvPr id="233" name="Conector: angular 232">
             <a:extLst>
               <a:ext uri="{FF2B5EF4-FFF2-40B4-BE49-F238E27FC236}">
-                <a16:creationId xmlns:a16="http://schemas.microsoft.com/office/drawing/2014/main" xmlns="" id="{CCEC9E3F-AF1C-45A1-89DA-96FDC46493EC}"/>
+                <a16:creationId xmlns:a16="http://schemas.microsoft.com/office/drawing/2014/main" id="{CCEC9E3F-AF1C-45A1-89DA-96FDC46493EC}"/>
               </a:ext>
             </a:extLst>
           </p:cNvPr>
@@ -5992,7 +5992,7 @@
           <p:cNvPr id="97" name="7 Proceso">
             <a:extLst>
               <a:ext uri="{FF2B5EF4-FFF2-40B4-BE49-F238E27FC236}">
-                <a16:creationId xmlns:a16="http://schemas.microsoft.com/office/drawing/2014/main" xmlns="" id="{D9C2C512-290D-4D78-9155-BA2AC87C0AEE}"/>
+                <a16:creationId xmlns:a16="http://schemas.microsoft.com/office/drawing/2014/main" id="{D9C2C512-290D-4D78-9155-BA2AC87C0AEE}"/>
               </a:ext>
             </a:extLst>
           </p:cNvPr>
@@ -6049,7 +6049,7 @@
           <p:cNvPr id="89" name="7 Proceso">
             <a:extLst>
               <a:ext uri="{FF2B5EF4-FFF2-40B4-BE49-F238E27FC236}">
-                <a16:creationId xmlns:a16="http://schemas.microsoft.com/office/drawing/2014/main" xmlns="" id="{6141AEA9-5D4F-4044-BDE3-AC85958E0B8F}"/>
+                <a16:creationId xmlns:a16="http://schemas.microsoft.com/office/drawing/2014/main" id="{6141AEA9-5D4F-4044-BDE3-AC85958E0B8F}"/>
               </a:ext>
             </a:extLst>
           </p:cNvPr>
@@ -6106,7 +6106,7 @@
           <p:cNvPr id="85" name="7 Proceso">
             <a:extLst>
               <a:ext uri="{FF2B5EF4-FFF2-40B4-BE49-F238E27FC236}">
-                <a16:creationId xmlns:a16="http://schemas.microsoft.com/office/drawing/2014/main" xmlns="" id="{165D7C7B-01EC-4985-885D-131C8A170832}"/>
+                <a16:creationId xmlns:a16="http://schemas.microsoft.com/office/drawing/2014/main" id="{165D7C7B-01EC-4985-885D-131C8A170832}"/>
               </a:ext>
             </a:extLst>
           </p:cNvPr>
@@ -6163,7 +6163,7 @@
           <p:cNvPr id="112" name="7 Proceso">
             <a:extLst>
               <a:ext uri="{FF2B5EF4-FFF2-40B4-BE49-F238E27FC236}">
-                <a16:creationId xmlns:a16="http://schemas.microsoft.com/office/drawing/2014/main" xmlns="" id="{0419C9B3-2D9A-424E-B857-49DAEF5AE7A4}"/>
+                <a16:creationId xmlns:a16="http://schemas.microsoft.com/office/drawing/2014/main" id="{0419C9B3-2D9A-424E-B857-49DAEF5AE7A4}"/>
               </a:ext>
             </a:extLst>
           </p:cNvPr>
@@ -6206,7 +6206,7 @@
             </a:r>
             <a:r>
               <a:rPr lang="es-ES" sz="1400" i="1" dirty="0"/>
-              <a:t>ordenar</a:t>
+              <a:t>recomienda</a:t>
             </a:r>
             <a:r>
               <a:rPr lang="es-ES" sz="1400" dirty="0"/>
@@ -6220,7 +6220,7 @@
           <p:cNvPr id="180" name="7 Proceso">
             <a:extLst>
               <a:ext uri="{FF2B5EF4-FFF2-40B4-BE49-F238E27FC236}">
-                <a16:creationId xmlns:a16="http://schemas.microsoft.com/office/drawing/2014/main" xmlns="" id="{531BEAA3-3C3E-4BF5-9113-6A39E592295B}"/>
+                <a16:creationId xmlns:a16="http://schemas.microsoft.com/office/drawing/2014/main" id="{531BEAA3-3C3E-4BF5-9113-6A39E592295B}"/>
               </a:ext>
             </a:extLst>
           </p:cNvPr>
@@ -6272,7 +6272,7 @@
           <p:cNvPr id="106" name="7 Proceso">
             <a:extLst>
               <a:ext uri="{FF2B5EF4-FFF2-40B4-BE49-F238E27FC236}">
-                <a16:creationId xmlns:a16="http://schemas.microsoft.com/office/drawing/2014/main" xmlns="" id="{41EB4011-33F4-452E-ABA0-6590081029DD}"/>
+                <a16:creationId xmlns:a16="http://schemas.microsoft.com/office/drawing/2014/main" id="{41EB4011-33F4-452E-ABA0-6590081029DD}"/>
               </a:ext>
             </a:extLst>
           </p:cNvPr>
@@ -6329,7 +6329,7 @@
           <p:cNvPr id="103" name="7 Proceso">
             <a:extLst>
               <a:ext uri="{FF2B5EF4-FFF2-40B4-BE49-F238E27FC236}">
-                <a16:creationId xmlns:a16="http://schemas.microsoft.com/office/drawing/2014/main" xmlns="" id="{94ED0AD6-104B-4116-9C12-FC84F9F8117B}"/>
+                <a16:creationId xmlns:a16="http://schemas.microsoft.com/office/drawing/2014/main" id="{94ED0AD6-104B-4116-9C12-FC84F9F8117B}"/>
               </a:ext>
             </a:extLst>
           </p:cNvPr>
@@ -6377,148 +6377,6 @@
             <a:r>
               <a:rPr lang="es-ES" sz="1400" dirty="0"/>
               <a:t>)</a:t>
-            </a:r>
-          </a:p>
-        </p:txBody>
-      </p:sp>
-      <p:sp>
-        <p:nvSpPr>
-          <p:cNvPr id="238" name="62 Rectángulo">
-            <a:extLst>
-              <a:ext uri="{FF2B5EF4-FFF2-40B4-BE49-F238E27FC236}">
-                <a16:creationId xmlns:a16="http://schemas.microsoft.com/office/drawing/2014/main" xmlns="" id="{006F7448-7AD3-43FE-9042-62D8C150B769}"/>
-              </a:ext>
-            </a:extLst>
-          </p:cNvPr>
-          <p:cNvSpPr/>
-          <p:nvPr/>
-        </p:nvSpPr>
-        <p:spPr>
-          <a:xfrm>
-            <a:off x="459362" y="44624"/>
-            <a:ext cx="1848584" cy="769441"/>
-          </a:xfrm>
-          <a:prstGeom prst="rect">
-            <a:avLst/>
-          </a:prstGeom>
-          <a:noFill/>
-        </p:spPr>
-        <p:txBody>
-          <a:bodyPr wrap="none" lIns="91440" tIns="45720" rIns="91440" bIns="45720">
-            <a:spAutoFit/>
-          </a:bodyPr>
-          <a:lstStyle/>
-          <a:p>
-            <a:pPr algn="ctr"/>
-            <a:r>
-              <a:rPr lang="es-ES" sz="4400" b="1" cap="none" spc="0" dirty="0" err="1">
-                <a:ln w="17780" cmpd="sng">
-                  <a:solidFill>
-                    <a:srgbClr val="FFFFFF"/>
-                  </a:solidFill>
-                  <a:prstDash val="solid"/>
-                  <a:miter lim="800000"/>
-                </a:ln>
-                <a:gradFill rotWithShape="1">
-                  <a:gsLst>
-                    <a:gs pos="0">
-                      <a:srgbClr val="000000">
-                        <a:tint val="92000"/>
-                        <a:shade val="100000"/>
-                        <a:satMod val="150000"/>
-                      </a:srgbClr>
-                    </a:gs>
-                    <a:gs pos="49000">
-                      <a:srgbClr val="000000">
-                        <a:tint val="89000"/>
-                        <a:shade val="90000"/>
-                        <a:satMod val="150000"/>
-                      </a:srgbClr>
-                    </a:gs>
-                    <a:gs pos="50000">
-                      <a:srgbClr val="000000">
-                        <a:tint val="100000"/>
-                        <a:shade val="75000"/>
-                        <a:satMod val="150000"/>
-                      </a:srgbClr>
-                    </a:gs>
-                    <a:gs pos="95000">
-                      <a:srgbClr val="000000">
-                        <a:shade val="47000"/>
-                        <a:satMod val="150000"/>
-                      </a:srgbClr>
-                    </a:gs>
-                    <a:gs pos="100000">
-                      <a:srgbClr val="000000">
-                        <a:shade val="39000"/>
-                        <a:satMod val="150000"/>
-                      </a:srgbClr>
-                    </a:gs>
-                  </a:gsLst>
-                  <a:lin ang="5400000"/>
-                </a:gradFill>
-                <a:effectLst>
-                  <a:outerShdw blurRad="50800" algn="tl" rotWithShape="0">
-                    <a:srgbClr val="000000"/>
-                  </a:outerShdw>
-                </a:effectLst>
-              </a:rPr>
-              <a:t>Menu</a:t>
-            </a:r>
-            <a:r>
-              <a:rPr lang="es-ES" sz="4400" b="1" cap="none" spc="0" dirty="0">
-                <a:ln w="17780" cmpd="sng">
-                  <a:solidFill>
-                    <a:srgbClr val="FFFFFF"/>
-                  </a:solidFill>
-                  <a:prstDash val="solid"/>
-                  <a:miter lim="800000"/>
-                </a:ln>
-                <a:gradFill rotWithShape="1">
-                  <a:gsLst>
-                    <a:gs pos="0">
-                      <a:srgbClr val="000000">
-                        <a:tint val="92000"/>
-                        <a:shade val="100000"/>
-                        <a:satMod val="150000"/>
-                      </a:srgbClr>
-                    </a:gs>
-                    <a:gs pos="49000">
-                      <a:srgbClr val="000000">
-                        <a:tint val="89000"/>
-                        <a:shade val="90000"/>
-                        <a:satMod val="150000"/>
-                      </a:srgbClr>
-                    </a:gs>
-                    <a:gs pos="50000">
-                      <a:srgbClr val="000000">
-                        <a:tint val="100000"/>
-                        <a:shade val="75000"/>
-                        <a:satMod val="150000"/>
-                      </a:srgbClr>
-                    </a:gs>
-                    <a:gs pos="95000">
-                      <a:srgbClr val="000000">
-                        <a:shade val="47000"/>
-                        <a:satMod val="150000"/>
-                      </a:srgbClr>
-                    </a:gs>
-                    <a:gs pos="100000">
-                      <a:srgbClr val="000000">
-                        <a:shade val="39000"/>
-                        <a:satMod val="150000"/>
-                      </a:srgbClr>
-                    </a:gs>
-                  </a:gsLst>
-                  <a:lin ang="5400000"/>
-                </a:gradFill>
-                <a:effectLst>
-                  <a:outerShdw blurRad="50800" algn="tl" rotWithShape="0">
-                    <a:srgbClr val="000000"/>
-                  </a:outerShdw>
-                </a:effectLst>
-              </a:rPr>
-              <a:t>*</a:t>
             </a:r>
           </a:p>
         </p:txBody>
@@ -6558,7 +6416,7 @@
           <p:cNvPr id="6" name="31 Decisión">
             <a:extLst>
               <a:ext uri="{FF2B5EF4-FFF2-40B4-BE49-F238E27FC236}">
-                <a16:creationId xmlns:a16="http://schemas.microsoft.com/office/drawing/2014/main" xmlns="" id="{B39432B3-D822-436D-995B-328980DA7E8E}"/>
+                <a16:creationId xmlns:a16="http://schemas.microsoft.com/office/drawing/2014/main" id="{B39432B3-D822-436D-995B-328980DA7E8E}"/>
               </a:ext>
             </a:extLst>
           </p:cNvPr>
@@ -6614,7 +6472,7 @@
           <p:cNvPr id="7" name="32 Preparación">
             <a:extLst>
               <a:ext uri="{FF2B5EF4-FFF2-40B4-BE49-F238E27FC236}">
-                <a16:creationId xmlns:a16="http://schemas.microsoft.com/office/drawing/2014/main" xmlns="" id="{F7165433-8FE5-4949-8C59-F6CC5B9E1D7F}"/>
+                <a16:creationId xmlns:a16="http://schemas.microsoft.com/office/drawing/2014/main" id="{F7165433-8FE5-4949-8C59-F6CC5B9E1D7F}"/>
               </a:ext>
             </a:extLst>
           </p:cNvPr>
@@ -6673,7 +6531,7 @@
           <p:cNvPr id="5" name="Imagen 4">
             <a:extLst>
               <a:ext uri="{FF2B5EF4-FFF2-40B4-BE49-F238E27FC236}">
-                <a16:creationId xmlns:a16="http://schemas.microsoft.com/office/drawing/2014/main" xmlns="" id="{C3061DD9-6080-4CAF-B4D2-C967C450D583}"/>
+                <a16:creationId xmlns:a16="http://schemas.microsoft.com/office/drawing/2014/main" id="{C3061DD9-6080-4CAF-B4D2-C967C450D583}"/>
               </a:ext>
             </a:extLst>
           </p:cNvPr>
@@ -6702,7 +6560,7 @@
           <p:cNvPr id="12" name="3 Conector">
             <a:extLst>
               <a:ext uri="{FF2B5EF4-FFF2-40B4-BE49-F238E27FC236}">
-                <a16:creationId xmlns:a16="http://schemas.microsoft.com/office/drawing/2014/main" xmlns="" id="{80525C14-D4CA-42E5-8A39-D43F2D5CC5BB}"/>
+                <a16:creationId xmlns:a16="http://schemas.microsoft.com/office/drawing/2014/main" id="{80525C14-D4CA-42E5-8A39-D43F2D5CC5BB}"/>
               </a:ext>
             </a:extLst>
           </p:cNvPr>
@@ -6758,7 +6616,7 @@
           <p:cNvPr id="14" name="Conector recto de flecha 13">
             <a:extLst>
               <a:ext uri="{FF2B5EF4-FFF2-40B4-BE49-F238E27FC236}">
-                <a16:creationId xmlns:a16="http://schemas.microsoft.com/office/drawing/2014/main" xmlns="" id="{77F74748-C203-473A-96C6-A7FD9533BCB5}"/>
+                <a16:creationId xmlns:a16="http://schemas.microsoft.com/office/drawing/2014/main" id="{77F74748-C203-473A-96C6-A7FD9533BCB5}"/>
               </a:ext>
             </a:extLst>
           </p:cNvPr>
@@ -6800,7 +6658,7 @@
           <p:cNvPr id="9" name="Conector: angular 8">
             <a:extLst>
               <a:ext uri="{FF2B5EF4-FFF2-40B4-BE49-F238E27FC236}">
-                <a16:creationId xmlns:a16="http://schemas.microsoft.com/office/drawing/2014/main" xmlns="" id="{4CCBB884-A80C-45DD-9A38-BCA3CE440D95}"/>
+                <a16:creationId xmlns:a16="http://schemas.microsoft.com/office/drawing/2014/main" id="{4CCBB884-A80C-45DD-9A38-BCA3CE440D95}"/>
               </a:ext>
             </a:extLst>
           </p:cNvPr>
@@ -6845,7 +6703,7 @@
           <p:cNvPr id="17" name="175 CuadroTexto">
             <a:extLst>
               <a:ext uri="{FF2B5EF4-FFF2-40B4-BE49-F238E27FC236}">
-                <a16:creationId xmlns:a16="http://schemas.microsoft.com/office/drawing/2014/main" xmlns="" id="{EC925446-0228-46C8-8604-E0A11BF06C78}"/>
+                <a16:creationId xmlns:a16="http://schemas.microsoft.com/office/drawing/2014/main" id="{EC925446-0228-46C8-8604-E0A11BF06C78}"/>
               </a:ext>
             </a:extLst>
           </p:cNvPr>
@@ -6880,7 +6738,7 @@
           <p:cNvPr id="18" name="175 CuadroTexto">
             <a:extLst>
               <a:ext uri="{FF2B5EF4-FFF2-40B4-BE49-F238E27FC236}">
-                <a16:creationId xmlns:a16="http://schemas.microsoft.com/office/drawing/2014/main" xmlns="" id="{EECBDCF9-9EEE-44F4-8939-B4AFBFD7C1BF}"/>
+                <a16:creationId xmlns:a16="http://schemas.microsoft.com/office/drawing/2014/main" id="{EECBDCF9-9EEE-44F4-8939-B4AFBFD7C1BF}"/>
               </a:ext>
             </a:extLst>
           </p:cNvPr>
@@ -6915,7 +6773,7 @@
           <p:cNvPr id="19" name="62 Rectángulo">
             <a:extLst>
               <a:ext uri="{FF2B5EF4-FFF2-40B4-BE49-F238E27FC236}">
-                <a16:creationId xmlns:a16="http://schemas.microsoft.com/office/drawing/2014/main" xmlns="" id="{7020EBE3-4327-40D5-B243-D11F97E3F170}"/>
+                <a16:creationId xmlns:a16="http://schemas.microsoft.com/office/drawing/2014/main" id="{7020EBE3-4327-40D5-B243-D11F97E3F170}"/>
               </a:ext>
             </a:extLst>
           </p:cNvPr>
@@ -7049,6 +6907,63 @@
           </a:p>
         </p:txBody>
       </p:sp>
+      <p:sp>
+        <p:nvSpPr>
+          <p:cNvPr id="13" name="7 Proceso">
+            <a:extLst>
+              <a:ext uri="{FF2B5EF4-FFF2-40B4-BE49-F238E27FC236}">
+                <a16:creationId xmlns:a16="http://schemas.microsoft.com/office/drawing/2014/main" id="{C73C06A8-6545-478A-887F-969067FDE7D8}"/>
+              </a:ext>
+            </a:extLst>
+          </p:cNvPr>
+          <p:cNvSpPr/>
+          <p:nvPr/>
+        </p:nvSpPr>
+        <p:spPr>
+          <a:xfrm>
+            <a:off x="5004048" y="4586157"/>
+            <a:ext cx="1512168" cy="355011"/>
+          </a:xfrm>
+          <a:prstGeom prst="flowChartProcess">
+            <a:avLst/>
+          </a:prstGeom>
+        </p:spPr>
+        <p:style>
+          <a:lnRef idx="2">
+            <a:schemeClr val="accent6">
+              <a:shade val="50000"/>
+            </a:schemeClr>
+          </a:lnRef>
+          <a:fillRef idx="1">
+            <a:schemeClr val="accent6"/>
+          </a:fillRef>
+          <a:effectRef idx="0">
+            <a:schemeClr val="accent6"/>
+          </a:effectRef>
+          <a:fontRef idx="minor">
+            <a:schemeClr val="lt1"/>
+          </a:fontRef>
+        </p:style>
+        <p:txBody>
+          <a:bodyPr rtlCol="0" anchor="ctr"/>
+          <a:lstStyle/>
+          <a:p>
+            <a:pPr algn="ctr"/>
+            <a:r>
+              <a:rPr lang="es-ES" sz="1200" dirty="0"/>
+              <a:t>Llama a la función (</a:t>
+            </a:r>
+            <a:r>
+              <a:rPr lang="es-ES" sz="1200" i="1" dirty="0"/>
+              <a:t>recomienda</a:t>
+            </a:r>
+            <a:r>
+              <a:rPr lang="es-ES" sz="1200" dirty="0"/>
+              <a:t>)</a:t>
+            </a:r>
+          </a:p>
+        </p:txBody>
+      </p:sp>
     </p:spTree>
     <p:extLst>
       <p:ext uri="{BB962C8B-B14F-4D97-AF65-F5344CB8AC3E}">
@@ -7794,7 +7709,7 @@
           <p:cNvPr id="4" name="3 Conector">
             <a:extLst>
               <a:ext uri="{FF2B5EF4-FFF2-40B4-BE49-F238E27FC236}">
-                <a16:creationId xmlns:a16="http://schemas.microsoft.com/office/drawing/2014/main" xmlns="" id="{8049DCD1-86D9-4082-89C4-92ADC3B6F010}"/>
+                <a16:creationId xmlns:a16="http://schemas.microsoft.com/office/drawing/2014/main" id="{8049DCD1-86D9-4082-89C4-92ADC3B6F010}"/>
               </a:ext>
             </a:extLst>
           </p:cNvPr>
@@ -7850,7 +7765,7 @@
           <p:cNvPr id="5" name="5 Proceso">
             <a:extLst>
               <a:ext uri="{FF2B5EF4-FFF2-40B4-BE49-F238E27FC236}">
-                <a16:creationId xmlns:a16="http://schemas.microsoft.com/office/drawing/2014/main" xmlns="" id="{2BBD12E4-18CC-40ED-B8D8-689468FB42C2}"/>
+                <a16:creationId xmlns:a16="http://schemas.microsoft.com/office/drawing/2014/main" id="{2BBD12E4-18CC-40ED-B8D8-689468FB42C2}"/>
               </a:ext>
             </a:extLst>
           </p:cNvPr>
@@ -7926,7 +7841,7 @@
           <p:cNvPr id="6" name="8 Conector recto">
             <a:extLst>
               <a:ext uri="{FF2B5EF4-FFF2-40B4-BE49-F238E27FC236}">
-                <a16:creationId xmlns:a16="http://schemas.microsoft.com/office/drawing/2014/main" xmlns="" id="{727C0365-1DB0-4CF1-9D5F-F77116958828}"/>
+                <a16:creationId xmlns:a16="http://schemas.microsoft.com/office/drawing/2014/main" id="{727C0365-1DB0-4CF1-9D5F-F77116958828}"/>
               </a:ext>
             </a:extLst>
           </p:cNvPr>
@@ -7966,7 +7881,7 @@
           <p:cNvPr id="13" name="18 Proceso">
             <a:extLst>
               <a:ext uri="{FF2B5EF4-FFF2-40B4-BE49-F238E27FC236}">
-                <a16:creationId xmlns:a16="http://schemas.microsoft.com/office/drawing/2014/main" xmlns="" id="{0D9AFC99-BD23-40FB-BC07-88C2F939EBD9}"/>
+                <a16:creationId xmlns:a16="http://schemas.microsoft.com/office/drawing/2014/main" id="{0D9AFC99-BD23-40FB-BC07-88C2F939EBD9}"/>
               </a:ext>
             </a:extLst>
           </p:cNvPr>
@@ -8022,7 +7937,7 @@
           <p:cNvPr id="15" name="18 Proceso">
             <a:extLst>
               <a:ext uri="{FF2B5EF4-FFF2-40B4-BE49-F238E27FC236}">
-                <a16:creationId xmlns:a16="http://schemas.microsoft.com/office/drawing/2014/main" xmlns="" id="{FC30BD99-85E6-4AB8-8921-21737CCAC8F2}"/>
+                <a16:creationId xmlns:a16="http://schemas.microsoft.com/office/drawing/2014/main" id="{FC30BD99-85E6-4AB8-8921-21737CCAC8F2}"/>
               </a:ext>
             </a:extLst>
           </p:cNvPr>
@@ -8074,7 +7989,7 @@
           <p:cNvPr id="17" name="Conector recto de flecha 16">
             <a:extLst>
               <a:ext uri="{FF2B5EF4-FFF2-40B4-BE49-F238E27FC236}">
-                <a16:creationId xmlns:a16="http://schemas.microsoft.com/office/drawing/2014/main" xmlns="" id="{869B742F-E233-4CF7-9427-ACD67B2C9625}"/>
+                <a16:creationId xmlns:a16="http://schemas.microsoft.com/office/drawing/2014/main" id="{869B742F-E233-4CF7-9427-ACD67B2C9625}"/>
               </a:ext>
             </a:extLst>
           </p:cNvPr>
@@ -8117,7 +8032,7 @@
           <p:cNvPr id="21" name="18 Proceso">
             <a:extLst>
               <a:ext uri="{FF2B5EF4-FFF2-40B4-BE49-F238E27FC236}">
-                <a16:creationId xmlns:a16="http://schemas.microsoft.com/office/drawing/2014/main" xmlns="" id="{1D7EA22B-DF71-43C4-8CBB-B146BCAD8F5D}"/>
+                <a16:creationId xmlns:a16="http://schemas.microsoft.com/office/drawing/2014/main" id="{1D7EA22B-DF71-43C4-8CBB-B146BCAD8F5D}"/>
               </a:ext>
             </a:extLst>
           </p:cNvPr>
@@ -8173,7 +8088,7 @@
           <p:cNvPr id="22" name="18 Proceso">
             <a:extLst>
               <a:ext uri="{FF2B5EF4-FFF2-40B4-BE49-F238E27FC236}">
-                <a16:creationId xmlns:a16="http://schemas.microsoft.com/office/drawing/2014/main" xmlns="" id="{95C7C69D-CCC4-45A9-93FD-5B50DB27A23D}"/>
+                <a16:creationId xmlns:a16="http://schemas.microsoft.com/office/drawing/2014/main" id="{95C7C69D-CCC4-45A9-93FD-5B50DB27A23D}"/>
               </a:ext>
             </a:extLst>
           </p:cNvPr>
@@ -8225,7 +8140,7 @@
           <p:cNvPr id="24" name="Conector recto 23">
             <a:extLst>
               <a:ext uri="{FF2B5EF4-FFF2-40B4-BE49-F238E27FC236}">
-                <a16:creationId xmlns:a16="http://schemas.microsoft.com/office/drawing/2014/main" xmlns="" id="{DFE5421C-5370-449A-ABD6-76DEF3ED39E2}"/>
+                <a16:creationId xmlns:a16="http://schemas.microsoft.com/office/drawing/2014/main" id="{DFE5421C-5370-449A-ABD6-76DEF3ED39E2}"/>
               </a:ext>
             </a:extLst>
           </p:cNvPr>
@@ -8265,7 +8180,7 @@
           <p:cNvPr id="26" name="Conector recto 25">
             <a:extLst>
               <a:ext uri="{FF2B5EF4-FFF2-40B4-BE49-F238E27FC236}">
-                <a16:creationId xmlns:a16="http://schemas.microsoft.com/office/drawing/2014/main" xmlns="" id="{E259EBD5-9196-473B-AABA-23DA0D7E187F}"/>
+                <a16:creationId xmlns:a16="http://schemas.microsoft.com/office/drawing/2014/main" id="{E259EBD5-9196-473B-AABA-23DA0D7E187F}"/>
               </a:ext>
             </a:extLst>
           </p:cNvPr>
@@ -8305,7 +8220,7 @@
           <p:cNvPr id="28" name="Conector recto 27">
             <a:extLst>
               <a:ext uri="{FF2B5EF4-FFF2-40B4-BE49-F238E27FC236}">
-                <a16:creationId xmlns:a16="http://schemas.microsoft.com/office/drawing/2014/main" xmlns="" id="{16AB5AC7-1B9C-4295-83F9-8DE8C24A5518}"/>
+                <a16:creationId xmlns:a16="http://schemas.microsoft.com/office/drawing/2014/main" id="{16AB5AC7-1B9C-4295-83F9-8DE8C24A5518}"/>
               </a:ext>
             </a:extLst>
           </p:cNvPr>
@@ -8345,7 +8260,7 @@
           <p:cNvPr id="47" name="31 Decisión">
             <a:extLst>
               <a:ext uri="{FF2B5EF4-FFF2-40B4-BE49-F238E27FC236}">
-                <a16:creationId xmlns:a16="http://schemas.microsoft.com/office/drawing/2014/main" xmlns="" id="{84D209CB-B32E-4707-B4A4-2FA9782EA58F}"/>
+                <a16:creationId xmlns:a16="http://schemas.microsoft.com/office/drawing/2014/main" id="{84D209CB-B32E-4707-B4A4-2FA9782EA58F}"/>
               </a:ext>
             </a:extLst>
           </p:cNvPr>
@@ -8417,7 +8332,7 @@
           <p:cNvPr id="49" name="Conector recto 48">
             <a:extLst>
               <a:ext uri="{FF2B5EF4-FFF2-40B4-BE49-F238E27FC236}">
-                <a16:creationId xmlns:a16="http://schemas.microsoft.com/office/drawing/2014/main" xmlns="" id="{3BCF3CC7-E684-4E99-9D1E-525AF1AFAAAC}"/>
+                <a16:creationId xmlns:a16="http://schemas.microsoft.com/office/drawing/2014/main" id="{3BCF3CC7-E684-4E99-9D1E-525AF1AFAAAC}"/>
               </a:ext>
             </a:extLst>
           </p:cNvPr>
@@ -8457,7 +8372,7 @@
           <p:cNvPr id="51" name="Conector: angular 50">
             <a:extLst>
               <a:ext uri="{FF2B5EF4-FFF2-40B4-BE49-F238E27FC236}">
-                <a16:creationId xmlns:a16="http://schemas.microsoft.com/office/drawing/2014/main" xmlns="" id="{FDEB2ED1-6A43-4AC5-85BF-95478641B8FA}"/>
+                <a16:creationId xmlns:a16="http://schemas.microsoft.com/office/drawing/2014/main" id="{FDEB2ED1-6A43-4AC5-85BF-95478641B8FA}"/>
               </a:ext>
             </a:extLst>
           </p:cNvPr>
@@ -8502,7 +8417,7 @@
           <p:cNvPr id="59" name="175 CuadroTexto">
             <a:extLst>
               <a:ext uri="{FF2B5EF4-FFF2-40B4-BE49-F238E27FC236}">
-                <a16:creationId xmlns:a16="http://schemas.microsoft.com/office/drawing/2014/main" xmlns="" id="{BC2594B3-3F59-49AD-AFD2-E62B011BD1A6}"/>
+                <a16:creationId xmlns:a16="http://schemas.microsoft.com/office/drawing/2014/main" id="{BC2594B3-3F59-49AD-AFD2-E62B011BD1A6}"/>
               </a:ext>
             </a:extLst>
           </p:cNvPr>
@@ -8537,7 +8452,7 @@
           <p:cNvPr id="60" name="3 Decisión">
             <a:extLst>
               <a:ext uri="{FF2B5EF4-FFF2-40B4-BE49-F238E27FC236}">
-                <a16:creationId xmlns:a16="http://schemas.microsoft.com/office/drawing/2014/main" xmlns="" id="{0D6AE52A-7768-4E3E-BF3C-8EAE68926978}"/>
+                <a16:creationId xmlns:a16="http://schemas.microsoft.com/office/drawing/2014/main" id="{0D6AE52A-7768-4E3E-BF3C-8EAE68926978}"/>
               </a:ext>
             </a:extLst>
           </p:cNvPr>
@@ -8610,7 +8525,7 @@
           <p:cNvPr id="62" name="Conector recto de flecha 61">
             <a:extLst>
               <a:ext uri="{FF2B5EF4-FFF2-40B4-BE49-F238E27FC236}">
-                <a16:creationId xmlns:a16="http://schemas.microsoft.com/office/drawing/2014/main" xmlns="" id="{9247AC1A-8D28-42F0-8743-B9D6438D4548}"/>
+                <a16:creationId xmlns:a16="http://schemas.microsoft.com/office/drawing/2014/main" id="{9247AC1A-8D28-42F0-8743-B9D6438D4548}"/>
               </a:ext>
             </a:extLst>
           </p:cNvPr>
@@ -8652,7 +8567,7 @@
           <p:cNvPr id="93" name="18 Proceso">
             <a:extLst>
               <a:ext uri="{FF2B5EF4-FFF2-40B4-BE49-F238E27FC236}">
-                <a16:creationId xmlns:a16="http://schemas.microsoft.com/office/drawing/2014/main" xmlns="" id="{3BE4695E-1724-46F9-9FD1-29252B02A361}"/>
+                <a16:creationId xmlns:a16="http://schemas.microsoft.com/office/drawing/2014/main" id="{3BE4695E-1724-46F9-9FD1-29252B02A361}"/>
               </a:ext>
             </a:extLst>
           </p:cNvPr>
@@ -8704,7 +8619,7 @@
           <p:cNvPr id="94" name="18 Proceso">
             <a:extLst>
               <a:ext uri="{FF2B5EF4-FFF2-40B4-BE49-F238E27FC236}">
-                <a16:creationId xmlns:a16="http://schemas.microsoft.com/office/drawing/2014/main" xmlns="" id="{39AAB048-B9D7-4BA2-BAF4-F66EFD655665}"/>
+                <a16:creationId xmlns:a16="http://schemas.microsoft.com/office/drawing/2014/main" id="{39AAB048-B9D7-4BA2-BAF4-F66EFD655665}"/>
               </a:ext>
             </a:extLst>
           </p:cNvPr>
@@ -8756,7 +8671,7 @@
           <p:cNvPr id="96" name="Conector recto de flecha 95">
             <a:extLst>
               <a:ext uri="{FF2B5EF4-FFF2-40B4-BE49-F238E27FC236}">
-                <a16:creationId xmlns:a16="http://schemas.microsoft.com/office/drawing/2014/main" xmlns="" id="{FEE1C5C9-7A95-46E6-8F97-F21E09C03793}"/>
+                <a16:creationId xmlns:a16="http://schemas.microsoft.com/office/drawing/2014/main" id="{FEE1C5C9-7A95-46E6-8F97-F21E09C03793}"/>
               </a:ext>
             </a:extLst>
           </p:cNvPr>
@@ -8798,7 +8713,7 @@
           <p:cNvPr id="98" name="Conector recto de flecha 97">
             <a:extLst>
               <a:ext uri="{FF2B5EF4-FFF2-40B4-BE49-F238E27FC236}">
-                <a16:creationId xmlns:a16="http://schemas.microsoft.com/office/drawing/2014/main" xmlns="" id="{3B3DC348-EFAA-4B36-8D9A-570457A408D5}"/>
+                <a16:creationId xmlns:a16="http://schemas.microsoft.com/office/drawing/2014/main" id="{3B3DC348-EFAA-4B36-8D9A-570457A408D5}"/>
               </a:ext>
             </a:extLst>
           </p:cNvPr>
@@ -8840,7 +8755,7 @@
           <p:cNvPr id="106" name="175 CuadroTexto">
             <a:extLst>
               <a:ext uri="{FF2B5EF4-FFF2-40B4-BE49-F238E27FC236}">
-                <a16:creationId xmlns:a16="http://schemas.microsoft.com/office/drawing/2014/main" xmlns="" id="{ACB66E92-82E6-442A-A085-15095B8FA640}"/>
+                <a16:creationId xmlns:a16="http://schemas.microsoft.com/office/drawing/2014/main" id="{ACB66E92-82E6-442A-A085-15095B8FA640}"/>
               </a:ext>
             </a:extLst>
           </p:cNvPr>
@@ -8875,7 +8790,7 @@
           <p:cNvPr id="107" name="175 CuadroTexto">
             <a:extLst>
               <a:ext uri="{FF2B5EF4-FFF2-40B4-BE49-F238E27FC236}">
-                <a16:creationId xmlns:a16="http://schemas.microsoft.com/office/drawing/2014/main" xmlns="" id="{B2A8759A-9C07-444B-992B-FD05014AEB03}"/>
+                <a16:creationId xmlns:a16="http://schemas.microsoft.com/office/drawing/2014/main" id="{B2A8759A-9C07-444B-992B-FD05014AEB03}"/>
               </a:ext>
             </a:extLst>
           </p:cNvPr>
@@ -8910,7 +8825,7 @@
           <p:cNvPr id="108" name="175 CuadroTexto">
             <a:extLst>
               <a:ext uri="{FF2B5EF4-FFF2-40B4-BE49-F238E27FC236}">
-                <a16:creationId xmlns:a16="http://schemas.microsoft.com/office/drawing/2014/main" xmlns="" id="{32FF6BE6-D1DF-46E5-9C79-1ED662C539CF}"/>
+                <a16:creationId xmlns:a16="http://schemas.microsoft.com/office/drawing/2014/main" id="{32FF6BE6-D1DF-46E5-9C79-1ED662C539CF}"/>
               </a:ext>
             </a:extLst>
           </p:cNvPr>
@@ -8945,7 +8860,7 @@
           <p:cNvPr id="109" name="3 Conector">
             <a:extLst>
               <a:ext uri="{FF2B5EF4-FFF2-40B4-BE49-F238E27FC236}">
-                <a16:creationId xmlns:a16="http://schemas.microsoft.com/office/drawing/2014/main" xmlns="" id="{94E44A85-E212-4606-81E3-8F9209E12EC3}"/>
+                <a16:creationId xmlns:a16="http://schemas.microsoft.com/office/drawing/2014/main" id="{94E44A85-E212-4606-81E3-8F9209E12EC3}"/>
               </a:ext>
             </a:extLst>
           </p:cNvPr>
@@ -9017,7 +8932,7 @@
           <p:cNvPr id="111" name="Conector recto de flecha 110">
             <a:extLst>
               <a:ext uri="{FF2B5EF4-FFF2-40B4-BE49-F238E27FC236}">
-                <a16:creationId xmlns:a16="http://schemas.microsoft.com/office/drawing/2014/main" xmlns="" id="{42517A66-EFAF-446E-8186-35D05850D618}"/>
+                <a16:creationId xmlns:a16="http://schemas.microsoft.com/office/drawing/2014/main" id="{42517A66-EFAF-446E-8186-35D05850D618}"/>
               </a:ext>
             </a:extLst>
           </p:cNvPr>
@@ -9060,7 +8975,7 @@
           <p:cNvPr id="113" name="Conector recto de flecha 112">
             <a:extLst>
               <a:ext uri="{FF2B5EF4-FFF2-40B4-BE49-F238E27FC236}">
-                <a16:creationId xmlns:a16="http://schemas.microsoft.com/office/drawing/2014/main" xmlns="" id="{5687BD0F-863B-4320-A3D7-345CE9845F53}"/>
+                <a16:creationId xmlns:a16="http://schemas.microsoft.com/office/drawing/2014/main" id="{5687BD0F-863B-4320-A3D7-345CE9845F53}"/>
               </a:ext>
             </a:extLst>
           </p:cNvPr>
@@ -9103,7 +9018,7 @@
           <p:cNvPr id="122" name="62 Rectángulo">
             <a:extLst>
               <a:ext uri="{FF2B5EF4-FFF2-40B4-BE49-F238E27FC236}">
-                <a16:creationId xmlns:a16="http://schemas.microsoft.com/office/drawing/2014/main" xmlns="" id="{EEB0C26C-1B5F-47FE-BCBB-7541BA7C7256}"/>
+                <a16:creationId xmlns:a16="http://schemas.microsoft.com/office/drawing/2014/main" id="{EEB0C26C-1B5F-47FE-BCBB-7541BA7C7256}"/>
               </a:ext>
             </a:extLst>
           </p:cNvPr>
@@ -10401,7 +10316,7 @@
           <p:cNvPr id="34" name="3 Conector">
             <a:extLst>
               <a:ext uri="{FF2B5EF4-FFF2-40B4-BE49-F238E27FC236}">
-                <a16:creationId xmlns:a16="http://schemas.microsoft.com/office/drawing/2014/main" xmlns="" id="{1D59F02B-6C80-4079-8377-759E4C7E6E57}"/>
+                <a16:creationId xmlns:a16="http://schemas.microsoft.com/office/drawing/2014/main" id="{1D59F02B-6C80-4079-8377-759E4C7E6E57}"/>
               </a:ext>
             </a:extLst>
           </p:cNvPr>
@@ -11501,7 +11416,6 @@
               <a:rPr lang="es-ES" sz="1200" dirty="0"/>
               <a:t>u hora &gt; 15 y &lt; 17</a:t>
             </a:r>
-            <a:endParaRPr lang="es-ES" sz="1200" dirty="0"/>
           </a:p>
         </p:txBody>
       </p:sp>
@@ -11553,7 +11467,6 @@
               <a:rPr lang="es-ES" sz="1200" dirty="0"/>
               <a:t>Minutos&gt;30</a:t>
             </a:r>
-            <a:endParaRPr lang="es-ES" sz="1200" dirty="0"/>
           </a:p>
         </p:txBody>
       </p:sp>
@@ -11605,7 +11518,6 @@
               <a:rPr lang="es-ES" sz="1200" dirty="0"/>
               <a:t>Minutos &lt; 30</a:t>
             </a:r>
-            <a:endParaRPr lang="es-ES" sz="1200" dirty="0"/>
           </a:p>
         </p:txBody>
       </p:sp>
@@ -11654,10 +11566,9 @@
           <a:p>
             <a:pPr algn="ctr"/>
             <a:r>
-              <a:rPr lang="es-ES" sz="1200" dirty="0" smtClean="0"/>
+              <a:rPr lang="es-ES" sz="1200" dirty="0"/>
               <a:t>Hora ==17</a:t>
             </a:r>
-            <a:endParaRPr lang="es-ES" sz="1200" dirty="0"/>
           </a:p>
         </p:txBody>
       </p:sp>
@@ -11709,7 +11620,6 @@
               <a:rPr lang="es-ES" sz="1200" dirty="0"/>
               <a:t>Hora ==14</a:t>
             </a:r>
-            <a:endParaRPr lang="es-ES" sz="1200" dirty="0"/>
           </a:p>
         </p:txBody>
       </p:sp>
@@ -11718,7 +11628,7 @@
           <p:cNvPr id="11" name="7 Proceso">
             <a:extLst>
               <a:ext uri="{FF2B5EF4-FFF2-40B4-BE49-F238E27FC236}">
-                <a16:creationId xmlns:a16="http://schemas.microsoft.com/office/drawing/2014/main" xmlns="" id="{531BEAA3-3C3E-4BF5-9113-6A39E592295B}"/>
+                <a16:creationId xmlns:a16="http://schemas.microsoft.com/office/drawing/2014/main" id="{531BEAA3-3C3E-4BF5-9113-6A39E592295B}"/>
               </a:ext>
             </a:extLst>
           </p:cNvPr>
@@ -11759,14 +11669,13 @@
           <a:p>
             <a:pPr algn="ctr"/>
             <a:r>
-              <a:rPr lang="es-ES" sz="1400" dirty="0" err="1" smtClean="0"/>
+              <a:rPr lang="es-ES" sz="1400" dirty="0" err="1"/>
               <a:t>Return</a:t>
             </a:r>
             <a:r>
-              <a:rPr lang="es-ES" sz="1400" dirty="0" smtClean="0"/>
+              <a:rPr lang="es-ES" sz="1400" dirty="0"/>
               <a:t> false</a:t>
             </a:r>
-            <a:endParaRPr lang="es-ES" sz="1400" dirty="0"/>
           </a:p>
         </p:txBody>
       </p:sp>
@@ -11775,7 +11684,7 @@
           <p:cNvPr id="12" name="7 Proceso">
             <a:extLst>
               <a:ext uri="{FF2B5EF4-FFF2-40B4-BE49-F238E27FC236}">
-                <a16:creationId xmlns:a16="http://schemas.microsoft.com/office/drawing/2014/main" xmlns="" id="{531BEAA3-3C3E-4BF5-9113-6A39E592295B}"/>
+                <a16:creationId xmlns:a16="http://schemas.microsoft.com/office/drawing/2014/main" id="{531BEAA3-3C3E-4BF5-9113-6A39E592295B}"/>
               </a:ext>
             </a:extLst>
           </p:cNvPr>
@@ -11816,14 +11725,13 @@
           <a:p>
             <a:pPr algn="ctr"/>
             <a:r>
-              <a:rPr lang="es-ES" sz="1400" dirty="0" err="1" smtClean="0"/>
+              <a:rPr lang="es-ES" sz="1400" dirty="0" err="1"/>
               <a:t>Return</a:t>
             </a:r>
             <a:r>
-              <a:rPr lang="es-ES" sz="1400" dirty="0" smtClean="0"/>
+              <a:rPr lang="es-ES" sz="1400" dirty="0"/>
               <a:t> true</a:t>
             </a:r>
-            <a:endParaRPr lang="es-ES" sz="1400" dirty="0"/>
           </a:p>
         </p:txBody>
       </p:sp>
@@ -11832,7 +11740,7 @@
           <p:cNvPr id="13" name="7 Proceso">
             <a:extLst>
               <a:ext uri="{FF2B5EF4-FFF2-40B4-BE49-F238E27FC236}">
-                <a16:creationId xmlns:a16="http://schemas.microsoft.com/office/drawing/2014/main" xmlns="" id="{531BEAA3-3C3E-4BF5-9113-6A39E592295B}"/>
+                <a16:creationId xmlns:a16="http://schemas.microsoft.com/office/drawing/2014/main" id="{531BEAA3-3C3E-4BF5-9113-6A39E592295B}"/>
               </a:ext>
             </a:extLst>
           </p:cNvPr>
@@ -11880,7 +11788,6 @@
               <a:rPr lang="es-ES" sz="1400" dirty="0"/>
               <a:t> false</a:t>
             </a:r>
-            <a:endParaRPr lang="es-ES" sz="1400" dirty="0"/>
           </a:p>
         </p:txBody>
       </p:sp>
@@ -11889,7 +11796,7 @@
           <p:cNvPr id="14" name="7 Proceso">
             <a:extLst>
               <a:ext uri="{FF2B5EF4-FFF2-40B4-BE49-F238E27FC236}">
-                <a16:creationId xmlns:a16="http://schemas.microsoft.com/office/drawing/2014/main" xmlns="" id="{531BEAA3-3C3E-4BF5-9113-6A39E592295B}"/>
+                <a16:creationId xmlns:a16="http://schemas.microsoft.com/office/drawing/2014/main" id="{531BEAA3-3C3E-4BF5-9113-6A39E592295B}"/>
               </a:ext>
             </a:extLst>
           </p:cNvPr>
@@ -11941,7 +11848,7 @@
           <p:cNvPr id="15" name="7 Proceso">
             <a:extLst>
               <a:ext uri="{FF2B5EF4-FFF2-40B4-BE49-F238E27FC236}">
-                <a16:creationId xmlns:a16="http://schemas.microsoft.com/office/drawing/2014/main" xmlns="" id="{531BEAA3-3C3E-4BF5-9113-6A39E592295B}"/>
+                <a16:creationId xmlns:a16="http://schemas.microsoft.com/office/drawing/2014/main" id="{531BEAA3-3C3E-4BF5-9113-6A39E592295B}"/>
               </a:ext>
             </a:extLst>
           </p:cNvPr>
@@ -11989,7 +11896,6 @@
               <a:rPr lang="es-ES" sz="1400" dirty="0"/>
               <a:t> false</a:t>
             </a:r>
-            <a:endParaRPr lang="es-ES" sz="1400" dirty="0"/>
           </a:p>
         </p:txBody>
       </p:sp>
@@ -11998,7 +11904,7 @@
           <p:cNvPr id="16" name="7 Proceso">
             <a:extLst>
               <a:ext uri="{FF2B5EF4-FFF2-40B4-BE49-F238E27FC236}">
-                <a16:creationId xmlns:a16="http://schemas.microsoft.com/office/drawing/2014/main" xmlns="" id="{531BEAA3-3C3E-4BF5-9113-6A39E592295B}"/>
+                <a16:creationId xmlns:a16="http://schemas.microsoft.com/office/drawing/2014/main" id="{531BEAA3-3C3E-4BF5-9113-6A39E592295B}"/>
               </a:ext>
             </a:extLst>
           </p:cNvPr>
@@ -12169,7 +12075,7 @@
           <a:p>
             <a:pPr algn="ctr"/>
             <a:r>
-              <a:rPr lang="es-ES" b="1" dirty="0" err="1" smtClean="0">
+              <a:rPr lang="es-ES" b="1" dirty="0" err="1">
                 <a:ln w="17780" cmpd="sng">
                   <a:solidFill>
                     <a:srgbClr val="FFFFFF"/>
@@ -13007,10 +12913,9 @@
           <a:lstStyle/>
           <a:p>
             <a:r>
-              <a:rPr lang="es-ES" dirty="0" smtClean="0"/>
+              <a:rPr lang="es-ES" dirty="0"/>
               <a:t>No</a:t>
             </a:r>
-            <a:endParaRPr lang="es-ES" dirty="0"/>
           </a:p>
         </p:txBody>
       </p:sp>
@@ -13037,10 +12942,9 @@
           <a:lstStyle/>
           <a:p>
             <a:r>
-              <a:rPr lang="es-ES" dirty="0" smtClean="0"/>
+              <a:rPr lang="es-ES" dirty="0"/>
               <a:t>No</a:t>
             </a:r>
-            <a:endParaRPr lang="es-ES" dirty="0"/>
           </a:p>
         </p:txBody>
       </p:sp>
@@ -13067,10 +12971,9 @@
           <a:lstStyle/>
           <a:p>
             <a:r>
-              <a:rPr lang="es-ES" dirty="0" smtClean="0"/>
+              <a:rPr lang="es-ES" dirty="0"/>
               <a:t>No</a:t>
             </a:r>
-            <a:endParaRPr lang="es-ES" dirty="0"/>
           </a:p>
         </p:txBody>
       </p:sp>
@@ -13097,10 +13000,9 @@
           <a:lstStyle/>
           <a:p>
             <a:r>
-              <a:rPr lang="es-ES" dirty="0" smtClean="0"/>
+              <a:rPr lang="es-ES" dirty="0"/>
               <a:t>No</a:t>
             </a:r>
-            <a:endParaRPr lang="es-ES" dirty="0"/>
           </a:p>
         </p:txBody>
       </p:sp>
@@ -13196,7 +13098,6 @@
               <a:rPr lang="es-ES" dirty="0"/>
               <a:t>; g++</a:t>
             </a:r>
-            <a:endParaRPr lang="es-ES" dirty="0"/>
           </a:p>
         </p:txBody>
       </p:sp>
@@ -13305,7 +13206,7 @@
           <p:cNvPr id="7" name="7 Proceso">
             <a:extLst>
               <a:ext uri="{FF2B5EF4-FFF2-40B4-BE49-F238E27FC236}">
-                <a16:creationId xmlns:a16="http://schemas.microsoft.com/office/drawing/2014/main" xmlns="" id="{D5095488-B6E4-42D1-8BDB-A6F77EDB308A}"/>
+                <a16:creationId xmlns:a16="http://schemas.microsoft.com/office/drawing/2014/main" id="{D5095488-B6E4-42D1-8BDB-A6F77EDB308A}"/>
               </a:ext>
             </a:extLst>
           </p:cNvPr>
@@ -13346,10 +13247,9 @@
           <a:p>
             <a:pPr algn="ctr"/>
             <a:r>
-              <a:rPr lang="es-ES" sz="1400" dirty="0" smtClean="0"/>
+              <a:rPr lang="es-ES" sz="1400" dirty="0"/>
               <a:t>Pregunta por tu género favorito y te da las opciones</a:t>
             </a:r>
-            <a:endParaRPr lang="es-ES" sz="1400" dirty="0"/>
           </a:p>
         </p:txBody>
       </p:sp>
@@ -13358,7 +13258,7 @@
           <p:cNvPr id="10" name="7 Proceso">
             <a:extLst>
               <a:ext uri="{FF2B5EF4-FFF2-40B4-BE49-F238E27FC236}">
-                <a16:creationId xmlns:a16="http://schemas.microsoft.com/office/drawing/2014/main" xmlns="" id="{D5095488-B6E4-42D1-8BDB-A6F77EDB308A}"/>
+                <a16:creationId xmlns:a16="http://schemas.microsoft.com/office/drawing/2014/main" id="{D5095488-B6E4-42D1-8BDB-A6F77EDB308A}"/>
               </a:ext>
             </a:extLst>
           </p:cNvPr>
@@ -13399,10 +13299,9 @@
           <a:p>
             <a:pPr algn="ctr"/>
             <a:r>
-              <a:rPr lang="es-ES" sz="1400" dirty="0" smtClean="0"/>
+              <a:rPr lang="es-ES" sz="1400" dirty="0"/>
               <a:t>Lee la opción elegida</a:t>
             </a:r>
-            <a:endParaRPr lang="es-ES" sz="1400" dirty="0"/>
           </a:p>
         </p:txBody>
       </p:sp>
@@ -13411,7 +13310,7 @@
           <p:cNvPr id="16" name="7 Proceso">
             <a:extLst>
               <a:ext uri="{FF2B5EF4-FFF2-40B4-BE49-F238E27FC236}">
-                <a16:creationId xmlns:a16="http://schemas.microsoft.com/office/drawing/2014/main" xmlns="" id="{D5095488-B6E4-42D1-8BDB-A6F77EDB308A}"/>
+                <a16:creationId xmlns:a16="http://schemas.microsoft.com/office/drawing/2014/main" id="{D5095488-B6E4-42D1-8BDB-A6F77EDB308A}"/>
               </a:ext>
             </a:extLst>
           </p:cNvPr>
@@ -13452,10 +13351,9 @@
           <a:p>
             <a:pPr algn="ctr"/>
             <a:r>
-              <a:rPr lang="es-ES" sz="1400" dirty="0" smtClean="0"/>
+              <a:rPr lang="es-ES" sz="1400" dirty="0"/>
               <a:t>Escribe por pantalla que no hay libros con esas características</a:t>
             </a:r>
-            <a:endParaRPr lang="es-ES" sz="1400" dirty="0"/>
           </a:p>
         </p:txBody>
       </p:sp>
@@ -13464,7 +13362,7 @@
           <p:cNvPr id="19" name="7 Proceso">
             <a:extLst>
               <a:ext uri="{FF2B5EF4-FFF2-40B4-BE49-F238E27FC236}">
-                <a16:creationId xmlns:a16="http://schemas.microsoft.com/office/drawing/2014/main" xmlns="" id="{D5095488-B6E4-42D1-8BDB-A6F77EDB308A}"/>
+                <a16:creationId xmlns:a16="http://schemas.microsoft.com/office/drawing/2014/main" id="{D5095488-B6E4-42D1-8BDB-A6F77EDB308A}"/>
               </a:ext>
             </a:extLst>
           </p:cNvPr>
@@ -13506,13 +13404,8 @@
             <a:pPr algn="ctr"/>
             <a:r>
               <a:rPr lang="es-ES" sz="1400" dirty="0"/>
-              <a:t>Muestra </a:t>
-            </a:r>
-            <a:r>
-              <a:rPr lang="es-ES" sz="1400" dirty="0" smtClean="0"/>
-              <a:t>el libro</a:t>
-            </a:r>
-            <a:endParaRPr lang="es-ES" sz="1400" dirty="0"/>
+              <a:t>Muestra el libro</a:t>
+            </a:r>
           </a:p>
         </p:txBody>
       </p:sp>
@@ -13560,10 +13453,9 @@
           <a:lstStyle/>
           <a:p>
             <a:r>
-              <a:rPr lang="es-ES" sz="1200" dirty="0" smtClean="0"/>
+              <a:rPr lang="es-ES" sz="1200" dirty="0"/>
               <a:t>Evalúa si el género elegido coincide con el del libro</a:t>
             </a:r>
-            <a:endParaRPr lang="es-ES" sz="1200" dirty="0"/>
           </a:p>
         </p:txBody>
       </p:sp>
@@ -13611,22 +13503,17 @@
           <a:lstStyle/>
           <a:p>
             <a:r>
-              <a:rPr lang="es-ES" sz="1200" dirty="0" smtClean="0"/>
-              <a:t>En el caso de que su valoraci</a:t>
-            </a:r>
-            <a:r>
-              <a:rPr lang="es-ES" sz="1200" dirty="0" smtClean="0"/>
-              <a:t>ón sea mayor que el </a:t>
-            </a:r>
-            <a:r>
-              <a:rPr lang="es-ES" sz="1200" dirty="0" err="1" smtClean="0"/>
+              <a:rPr lang="es-ES" sz="1200" dirty="0"/>
+              <a:t>En el caso de que su valoración sea mayor que el </a:t>
+            </a:r>
+            <a:r>
+              <a:rPr lang="es-ES" sz="1200" dirty="0" err="1"/>
               <a:t>máximoeste</a:t>
             </a:r>
             <a:r>
-              <a:rPr lang="es-ES" sz="1200" dirty="0" smtClean="0"/>
+              <a:rPr lang="es-ES" sz="1200" dirty="0"/>
               <a:t> se actualiza</a:t>
             </a:r>
-            <a:endParaRPr lang="es-ES" sz="1200" dirty="0"/>
           </a:p>
         </p:txBody>
       </p:sp>
@@ -13674,10 +13561,9 @@
           <a:lstStyle/>
           <a:p>
             <a:r>
-              <a:rPr lang="es-ES" sz="1200" dirty="0" smtClean="0"/>
+              <a:rPr lang="es-ES" sz="1200" dirty="0"/>
               <a:t>Algún libro satisface las características</a:t>
             </a:r>
-            <a:endParaRPr lang="es-ES" sz="1200" dirty="0"/>
           </a:p>
         </p:txBody>
       </p:sp>
@@ -13705,7 +13591,7 @@
           <a:p>
             <a:pPr algn="ctr"/>
             <a:r>
-              <a:rPr lang="es-ES" b="1" dirty="0" smtClean="0">
+              <a:rPr lang="es-ES" b="1" dirty="0">
                 <a:ln w="17780" cmpd="sng">
                   <a:solidFill>
                     <a:srgbClr val="FFFFFF"/>
@@ -13759,6 +13645,780 @@
               </a:rPr>
               <a:t>recomienda</a:t>
             </a:r>
+          </a:p>
+        </p:txBody>
+      </p:sp>
+      <p:sp>
+        <p:nvSpPr>
+          <p:cNvPr id="28" name="7 Proceso">
+            <a:extLst>
+              <a:ext uri="{FF2B5EF4-FFF2-40B4-BE49-F238E27FC236}">
+                <a16:creationId xmlns:a16="http://schemas.microsoft.com/office/drawing/2014/main" id="{D5095488-B6E4-42D1-8BDB-A6F77EDB308A}"/>
+              </a:ext>
+            </a:extLst>
+          </p:cNvPr>
+          <p:cNvSpPr/>
+          <p:nvPr/>
+        </p:nvSpPr>
+        <p:spPr>
+          <a:xfrm>
+            <a:off x="628638" y="1537794"/>
+            <a:ext cx="2144403" cy="356189"/>
+          </a:xfrm>
+          <a:prstGeom prst="flowChartProcess">
+            <a:avLst/>
+          </a:prstGeom>
+          <a:solidFill>
+            <a:srgbClr val="7CA1CE"/>
+          </a:solidFill>
+        </p:spPr>
+        <p:style>
+          <a:lnRef idx="2">
+            <a:schemeClr val="accent1">
+              <a:shade val="50000"/>
+            </a:schemeClr>
+          </a:lnRef>
+          <a:fillRef idx="1">
+            <a:schemeClr val="accent1"/>
+          </a:fillRef>
+          <a:effectRef idx="0">
+            <a:schemeClr val="accent1"/>
+          </a:effectRef>
+          <a:fontRef idx="minor">
+            <a:schemeClr val="lt1"/>
+          </a:fontRef>
+        </p:style>
+        <p:txBody>
+          <a:bodyPr rtlCol="0" anchor="ctr"/>
+          <a:lstStyle/>
+          <a:p>
+            <a:pPr algn="ctr"/>
+            <a:r>
+              <a:rPr lang="es-ES" sz="1400" dirty="0"/>
+              <a:t>Inicializa la variable </a:t>
+            </a:r>
+            <a:r>
+              <a:rPr lang="es-ES" sz="1400" dirty="0" err="1"/>
+              <a:t>maximaValoración</a:t>
+            </a:r>
+            <a:r>
+              <a:rPr lang="es-ES" sz="1400" dirty="0"/>
+              <a:t>=0</a:t>
+            </a:r>
+          </a:p>
+        </p:txBody>
+      </p:sp>
+      <p:cxnSp>
+        <p:nvCxnSpPr>
+          <p:cNvPr id="34" name="Conector recto 33"/>
+          <p:cNvCxnSpPr>
+            <a:stCxn id="23" idx="2"/>
+          </p:cNvCxnSpPr>
+          <p:nvPr/>
+        </p:nvCxnSpPr>
+        <p:spPr>
+          <a:xfrm>
+            <a:off x="2040012" y="5978734"/>
+            <a:ext cx="0" cy="497604"/>
+          </a:xfrm>
+          <a:prstGeom prst="line">
+            <a:avLst/>
+          </a:prstGeom>
+        </p:spPr>
+        <p:style>
+          <a:lnRef idx="1">
+            <a:schemeClr val="accent1"/>
+          </a:lnRef>
+          <a:fillRef idx="0">
+            <a:schemeClr val="accent1"/>
+          </a:fillRef>
+          <a:effectRef idx="0">
+            <a:schemeClr val="accent1"/>
+          </a:effectRef>
+          <a:fontRef idx="minor">
+            <a:schemeClr val="tx1"/>
+          </a:fontRef>
+        </p:style>
+      </p:cxnSp>
+      <p:cxnSp>
+        <p:nvCxnSpPr>
+          <p:cNvPr id="37" name="Conector recto 36"/>
+          <p:cNvCxnSpPr/>
+          <p:nvPr/>
+        </p:nvCxnSpPr>
+        <p:spPr>
+          <a:xfrm flipH="1">
+            <a:off x="253825" y="6476338"/>
+            <a:ext cx="1786187" cy="0"/>
+          </a:xfrm>
+          <a:prstGeom prst="line">
+            <a:avLst/>
+          </a:prstGeom>
+        </p:spPr>
+        <p:style>
+          <a:lnRef idx="1">
+            <a:schemeClr val="accent1"/>
+          </a:lnRef>
+          <a:fillRef idx="0">
+            <a:schemeClr val="accent1"/>
+          </a:fillRef>
+          <a:effectRef idx="0">
+            <a:schemeClr val="accent1"/>
+          </a:effectRef>
+          <a:fontRef idx="minor">
+            <a:schemeClr val="tx1"/>
+          </a:fontRef>
+        </p:style>
+      </p:cxnSp>
+      <p:cxnSp>
+        <p:nvCxnSpPr>
+          <p:cNvPr id="39" name="Conector recto 38"/>
+          <p:cNvCxnSpPr/>
+          <p:nvPr/>
+        </p:nvCxnSpPr>
+        <p:spPr>
+          <a:xfrm flipV="1">
+            <a:off x="253825" y="2799353"/>
+            <a:ext cx="0" cy="3676985"/>
+          </a:xfrm>
+          <a:prstGeom prst="line">
+            <a:avLst/>
+          </a:prstGeom>
+        </p:spPr>
+        <p:style>
+          <a:lnRef idx="1">
+            <a:schemeClr val="accent1"/>
+          </a:lnRef>
+          <a:fillRef idx="0">
+            <a:schemeClr val="accent1"/>
+          </a:fillRef>
+          <a:effectRef idx="0">
+            <a:schemeClr val="accent1"/>
+          </a:effectRef>
+          <a:fontRef idx="minor">
+            <a:schemeClr val="tx1"/>
+          </a:fontRef>
+        </p:style>
+      </p:cxnSp>
+      <p:cxnSp>
+        <p:nvCxnSpPr>
+          <p:cNvPr id="41" name="Conector recto 40"/>
+          <p:cNvCxnSpPr>
+            <a:endCxn id="4" idx="1"/>
+          </p:cNvCxnSpPr>
+          <p:nvPr/>
+        </p:nvCxnSpPr>
+        <p:spPr>
+          <a:xfrm>
+            <a:off x="253825" y="2799353"/>
+            <a:ext cx="180971" cy="1"/>
+          </a:xfrm>
+          <a:prstGeom prst="line">
+            <a:avLst/>
+          </a:prstGeom>
+        </p:spPr>
+        <p:style>
+          <a:lnRef idx="1">
+            <a:schemeClr val="accent1"/>
+          </a:lnRef>
+          <a:fillRef idx="0">
+            <a:schemeClr val="accent1"/>
+          </a:fillRef>
+          <a:effectRef idx="0">
+            <a:schemeClr val="accent1"/>
+          </a:effectRef>
+          <a:fontRef idx="minor">
+            <a:schemeClr val="tx1"/>
+          </a:fontRef>
+        </p:style>
+      </p:cxnSp>
+      <p:cxnSp>
+        <p:nvCxnSpPr>
+          <p:cNvPr id="43" name="Conector recto 42"/>
+          <p:cNvCxnSpPr>
+            <a:stCxn id="4" idx="2"/>
+            <a:endCxn id="22" idx="0"/>
+          </p:cNvCxnSpPr>
+          <p:nvPr/>
+        </p:nvCxnSpPr>
+        <p:spPr>
+          <a:xfrm>
+            <a:off x="2019650" y="2954517"/>
+            <a:ext cx="20362" cy="257925"/>
+          </a:xfrm>
+          <a:prstGeom prst="line">
+            <a:avLst/>
+          </a:prstGeom>
+        </p:spPr>
+        <p:style>
+          <a:lnRef idx="1">
+            <a:schemeClr val="accent1"/>
+          </a:lnRef>
+          <a:fillRef idx="0">
+            <a:schemeClr val="accent1"/>
+          </a:fillRef>
+          <a:effectRef idx="0">
+            <a:schemeClr val="accent1"/>
+          </a:effectRef>
+          <a:fontRef idx="minor">
+            <a:schemeClr val="tx1"/>
+          </a:fontRef>
+        </p:style>
+      </p:cxnSp>
+      <p:cxnSp>
+        <p:nvCxnSpPr>
+          <p:cNvPr id="45" name="Conector recto 44"/>
+          <p:cNvCxnSpPr>
+            <a:stCxn id="22" idx="2"/>
+            <a:endCxn id="23" idx="0"/>
+          </p:cNvCxnSpPr>
+          <p:nvPr/>
+        </p:nvCxnSpPr>
+        <p:spPr>
+          <a:xfrm>
+            <a:off x="2040012" y="4193880"/>
+            <a:ext cx="0" cy="151672"/>
+          </a:xfrm>
+          <a:prstGeom prst="line">
+            <a:avLst/>
+          </a:prstGeom>
+        </p:spPr>
+        <p:style>
+          <a:lnRef idx="1">
+            <a:schemeClr val="accent1"/>
+          </a:lnRef>
+          <a:fillRef idx="0">
+            <a:schemeClr val="accent1"/>
+          </a:fillRef>
+          <a:effectRef idx="0">
+            <a:schemeClr val="accent1"/>
+          </a:effectRef>
+          <a:fontRef idx="minor">
+            <a:schemeClr val="tx1"/>
+          </a:fontRef>
+        </p:style>
+      </p:cxnSp>
+      <p:cxnSp>
+        <p:nvCxnSpPr>
+          <p:cNvPr id="47" name="Conector recto 46"/>
+          <p:cNvCxnSpPr>
+            <a:stCxn id="5" idx="4"/>
+            <a:endCxn id="7" idx="0"/>
+          </p:cNvCxnSpPr>
+          <p:nvPr/>
+        </p:nvCxnSpPr>
+        <p:spPr>
+          <a:xfrm>
+            <a:off x="1711752" y="609820"/>
+            <a:ext cx="1" cy="162192"/>
+          </a:xfrm>
+          <a:prstGeom prst="line">
+            <a:avLst/>
+          </a:prstGeom>
+        </p:spPr>
+        <p:style>
+          <a:lnRef idx="1">
+            <a:schemeClr val="accent1"/>
+          </a:lnRef>
+          <a:fillRef idx="0">
+            <a:schemeClr val="accent1"/>
+          </a:fillRef>
+          <a:effectRef idx="0">
+            <a:schemeClr val="accent1"/>
+          </a:effectRef>
+          <a:fontRef idx="minor">
+            <a:schemeClr val="tx1"/>
+          </a:fontRef>
+        </p:style>
+      </p:cxnSp>
+      <p:cxnSp>
+        <p:nvCxnSpPr>
+          <p:cNvPr id="49" name="Conector recto 48"/>
+          <p:cNvCxnSpPr>
+            <a:stCxn id="7" idx="2"/>
+            <a:endCxn id="28" idx="0"/>
+          </p:cNvCxnSpPr>
+          <p:nvPr/>
+        </p:nvCxnSpPr>
+        <p:spPr>
+          <a:xfrm flipH="1">
+            <a:off x="1700840" y="1450559"/>
+            <a:ext cx="10913" cy="87235"/>
+          </a:xfrm>
+          <a:prstGeom prst="line">
+            <a:avLst/>
+          </a:prstGeom>
+        </p:spPr>
+        <p:style>
+          <a:lnRef idx="1">
+            <a:schemeClr val="accent1"/>
+          </a:lnRef>
+          <a:fillRef idx="0">
+            <a:schemeClr val="accent1"/>
+          </a:fillRef>
+          <a:effectRef idx="0">
+            <a:schemeClr val="accent1"/>
+          </a:effectRef>
+          <a:fontRef idx="minor">
+            <a:schemeClr val="tx1"/>
+          </a:fontRef>
+        </p:style>
+      </p:cxnSp>
+      <p:cxnSp>
+        <p:nvCxnSpPr>
+          <p:cNvPr id="51" name="Conector recto 50"/>
+          <p:cNvCxnSpPr>
+            <a:stCxn id="28" idx="2"/>
+            <a:endCxn id="10" idx="0"/>
+          </p:cNvCxnSpPr>
+          <p:nvPr/>
+        </p:nvCxnSpPr>
+        <p:spPr>
+          <a:xfrm flipH="1">
+            <a:off x="1700839" y="1893983"/>
+            <a:ext cx="1" cy="87235"/>
+          </a:xfrm>
+          <a:prstGeom prst="line">
+            <a:avLst/>
+          </a:prstGeom>
+        </p:spPr>
+        <p:style>
+          <a:lnRef idx="1">
+            <a:schemeClr val="accent1"/>
+          </a:lnRef>
+          <a:fillRef idx="0">
+            <a:schemeClr val="accent1"/>
+          </a:fillRef>
+          <a:effectRef idx="0">
+            <a:schemeClr val="accent1"/>
+          </a:effectRef>
+          <a:fontRef idx="minor">
+            <a:schemeClr val="tx1"/>
+          </a:fontRef>
+        </p:style>
+      </p:cxnSp>
+      <p:cxnSp>
+        <p:nvCxnSpPr>
+          <p:cNvPr id="53" name="Conector recto 52"/>
+          <p:cNvCxnSpPr>
+            <a:stCxn id="10" idx="2"/>
+            <a:endCxn id="4" idx="0"/>
+          </p:cNvCxnSpPr>
+          <p:nvPr/>
+        </p:nvCxnSpPr>
+        <p:spPr>
+          <a:xfrm>
+            <a:off x="1700839" y="2337407"/>
+            <a:ext cx="318811" cy="306783"/>
+          </a:xfrm>
+          <a:prstGeom prst="line">
+            <a:avLst/>
+          </a:prstGeom>
+        </p:spPr>
+        <p:style>
+          <a:lnRef idx="1">
+            <a:schemeClr val="accent1"/>
+          </a:lnRef>
+          <a:fillRef idx="0">
+            <a:schemeClr val="accent1"/>
+          </a:fillRef>
+          <a:effectRef idx="0">
+            <a:schemeClr val="accent1"/>
+          </a:effectRef>
+          <a:fontRef idx="minor">
+            <a:schemeClr val="tx1"/>
+          </a:fontRef>
+        </p:style>
+      </p:cxnSp>
+      <p:cxnSp>
+        <p:nvCxnSpPr>
+          <p:cNvPr id="55" name="Conector recto 54"/>
+          <p:cNvCxnSpPr>
+            <a:stCxn id="4" idx="3"/>
+            <a:endCxn id="24" idx="1"/>
+          </p:cNvCxnSpPr>
+          <p:nvPr/>
+        </p:nvCxnSpPr>
+        <p:spPr>
+          <a:xfrm flipV="1">
+            <a:off x="3759667" y="2787884"/>
+            <a:ext cx="378713" cy="11470"/>
+          </a:xfrm>
+          <a:prstGeom prst="line">
+            <a:avLst/>
+          </a:prstGeom>
+        </p:spPr>
+        <p:style>
+          <a:lnRef idx="1">
+            <a:schemeClr val="accent1"/>
+          </a:lnRef>
+          <a:fillRef idx="0">
+            <a:schemeClr val="accent1"/>
+          </a:fillRef>
+          <a:effectRef idx="0">
+            <a:schemeClr val="accent1"/>
+          </a:effectRef>
+          <a:fontRef idx="minor">
+            <a:schemeClr val="tx1"/>
+          </a:fontRef>
+        </p:style>
+      </p:cxnSp>
+      <p:cxnSp>
+        <p:nvCxnSpPr>
+          <p:cNvPr id="57" name="Conector recto 56"/>
+          <p:cNvCxnSpPr>
+            <a:stCxn id="24" idx="2"/>
+            <a:endCxn id="19" idx="0"/>
+          </p:cNvCxnSpPr>
+          <p:nvPr/>
+        </p:nvCxnSpPr>
+        <p:spPr>
+          <a:xfrm>
+            <a:off x="5273652" y="3238360"/>
+            <a:ext cx="0" cy="478801"/>
+          </a:xfrm>
+          <a:prstGeom prst="line">
+            <a:avLst/>
+          </a:prstGeom>
+        </p:spPr>
+        <p:style>
+          <a:lnRef idx="1">
+            <a:schemeClr val="accent1"/>
+          </a:lnRef>
+          <a:fillRef idx="0">
+            <a:schemeClr val="accent1"/>
+          </a:fillRef>
+          <a:effectRef idx="0">
+            <a:schemeClr val="accent1"/>
+          </a:effectRef>
+          <a:fontRef idx="minor">
+            <a:schemeClr val="tx1"/>
+          </a:fontRef>
+        </p:style>
+      </p:cxnSp>
+      <p:cxnSp>
+        <p:nvCxnSpPr>
+          <p:cNvPr id="61" name="Conector recto 60"/>
+          <p:cNvCxnSpPr>
+            <a:stCxn id="16" idx="2"/>
+            <a:endCxn id="6" idx="0"/>
+          </p:cNvCxnSpPr>
+          <p:nvPr/>
+        </p:nvCxnSpPr>
+        <p:spPr>
+          <a:xfrm flipH="1">
+            <a:off x="6598136" y="3127815"/>
+            <a:ext cx="1176128" cy="2584377"/>
+          </a:xfrm>
+          <a:prstGeom prst="line">
+            <a:avLst/>
+          </a:prstGeom>
+        </p:spPr>
+        <p:style>
+          <a:lnRef idx="1">
+            <a:schemeClr val="accent1"/>
+          </a:lnRef>
+          <a:fillRef idx="0">
+            <a:schemeClr val="accent1"/>
+          </a:fillRef>
+          <a:effectRef idx="0">
+            <a:schemeClr val="accent1"/>
+          </a:effectRef>
+          <a:fontRef idx="minor">
+            <a:schemeClr val="tx1"/>
+          </a:fontRef>
+        </p:style>
+      </p:cxnSp>
+      <p:sp>
+        <p:nvSpPr>
+          <p:cNvPr id="65" name="89 CuadroTexto"/>
+          <p:cNvSpPr txBox="1"/>
+          <p:nvPr/>
+        </p:nvSpPr>
+        <p:spPr>
+          <a:xfrm>
+            <a:off x="1442928" y="4073350"/>
+            <a:ext cx="360040" cy="369332"/>
+          </a:xfrm>
+          <a:prstGeom prst="rect">
+            <a:avLst/>
+          </a:prstGeom>
+          <a:noFill/>
+        </p:spPr>
+        <p:txBody>
+          <a:bodyPr wrap="square" rtlCol="0">
+            <a:spAutoFit/>
+          </a:bodyPr>
+          <a:lstStyle/>
+          <a:p>
+            <a:r>
+              <a:rPr lang="es-ES" dirty="0"/>
+              <a:t>Sí</a:t>
+            </a:r>
+          </a:p>
+        </p:txBody>
+      </p:sp>
+      <p:sp>
+        <p:nvSpPr>
+          <p:cNvPr id="66" name="89 CuadroTexto"/>
+          <p:cNvSpPr txBox="1"/>
+          <p:nvPr/>
+        </p:nvSpPr>
+        <p:spPr>
+          <a:xfrm>
+            <a:off x="1500204" y="5951842"/>
+            <a:ext cx="360040" cy="369332"/>
+          </a:xfrm>
+          <a:prstGeom prst="rect">
+            <a:avLst/>
+          </a:prstGeom>
+          <a:noFill/>
+        </p:spPr>
+        <p:txBody>
+          <a:bodyPr wrap="square" rtlCol="0">
+            <a:spAutoFit/>
+          </a:bodyPr>
+          <a:lstStyle/>
+          <a:p>
+            <a:r>
+              <a:rPr lang="es-ES" dirty="0"/>
+              <a:t>Sí</a:t>
+            </a:r>
+          </a:p>
+        </p:txBody>
+      </p:sp>
+      <p:sp>
+        <p:nvSpPr>
+          <p:cNvPr id="67" name="89 CuadroTexto"/>
+          <p:cNvSpPr txBox="1"/>
+          <p:nvPr/>
+        </p:nvSpPr>
+        <p:spPr>
+          <a:xfrm>
+            <a:off x="4880162" y="3223674"/>
+            <a:ext cx="360040" cy="369332"/>
+          </a:xfrm>
+          <a:prstGeom prst="rect">
+            <a:avLst/>
+          </a:prstGeom>
+          <a:noFill/>
+        </p:spPr>
+        <p:txBody>
+          <a:bodyPr wrap="square" rtlCol="0">
+            <a:spAutoFit/>
+          </a:bodyPr>
+          <a:lstStyle/>
+          <a:p>
+            <a:r>
+              <a:rPr lang="es-ES" dirty="0"/>
+              <a:t>Sí</a:t>
+            </a:r>
+          </a:p>
+        </p:txBody>
+      </p:sp>
+      <p:cxnSp>
+        <p:nvCxnSpPr>
+          <p:cNvPr id="82" name="Conector recto 81"/>
+          <p:cNvCxnSpPr>
+            <a:stCxn id="24" idx="3"/>
+            <a:endCxn id="16" idx="1"/>
+          </p:cNvCxnSpPr>
+          <p:nvPr/>
+        </p:nvCxnSpPr>
+        <p:spPr>
+          <a:xfrm flipV="1">
+            <a:off x="6408924" y="2787883"/>
+            <a:ext cx="293138" cy="1"/>
+          </a:xfrm>
+          <a:prstGeom prst="line">
+            <a:avLst/>
+          </a:prstGeom>
+        </p:spPr>
+        <p:style>
+          <a:lnRef idx="1">
+            <a:schemeClr val="accent1"/>
+          </a:lnRef>
+          <a:fillRef idx="0">
+            <a:schemeClr val="accent1"/>
+          </a:fillRef>
+          <a:effectRef idx="0">
+            <a:schemeClr val="accent1"/>
+          </a:effectRef>
+          <a:fontRef idx="minor">
+            <a:schemeClr val="tx1"/>
+          </a:fontRef>
+        </p:style>
+      </p:cxnSp>
+      <p:cxnSp>
+        <p:nvCxnSpPr>
+          <p:cNvPr id="84" name="Conector recto 83"/>
+          <p:cNvCxnSpPr>
+            <a:stCxn id="19" idx="2"/>
+            <a:endCxn id="6" idx="0"/>
+          </p:cNvCxnSpPr>
+          <p:nvPr/>
+        </p:nvCxnSpPr>
+        <p:spPr>
+          <a:xfrm>
+            <a:off x="5273652" y="4073350"/>
+            <a:ext cx="1324484" cy="1638842"/>
+          </a:xfrm>
+          <a:prstGeom prst="line">
+            <a:avLst/>
+          </a:prstGeom>
+        </p:spPr>
+        <p:style>
+          <a:lnRef idx="1">
+            <a:schemeClr val="accent1"/>
+          </a:lnRef>
+          <a:fillRef idx="0">
+            <a:schemeClr val="accent1"/>
+          </a:fillRef>
+          <a:effectRef idx="0">
+            <a:schemeClr val="accent1"/>
+          </a:effectRef>
+          <a:fontRef idx="minor">
+            <a:schemeClr val="tx1"/>
+          </a:fontRef>
+        </p:style>
+      </p:cxnSp>
+      <p:sp>
+        <p:nvSpPr>
+          <p:cNvPr id="85" name="89 CuadroTexto"/>
+          <p:cNvSpPr txBox="1"/>
+          <p:nvPr/>
+        </p:nvSpPr>
+        <p:spPr>
+          <a:xfrm>
+            <a:off x="6280867" y="2343742"/>
+            <a:ext cx="634538" cy="369332"/>
+          </a:xfrm>
+          <a:prstGeom prst="rect">
+            <a:avLst/>
+          </a:prstGeom>
+          <a:noFill/>
+        </p:spPr>
+        <p:txBody>
+          <a:bodyPr wrap="square" rtlCol="0">
+            <a:spAutoFit/>
+          </a:bodyPr>
+          <a:lstStyle/>
+          <a:p>
+            <a:r>
+              <a:rPr lang="es-ES" dirty="0"/>
+              <a:t>No</a:t>
+            </a:r>
+          </a:p>
+        </p:txBody>
+      </p:sp>
+    </p:spTree>
+    <p:extLst>
+      <p:ext uri="{BB962C8B-B14F-4D97-AF65-F5344CB8AC3E}">
+        <p14:creationId xmlns:p14="http://schemas.microsoft.com/office/powerpoint/2010/main" val="677011517"/>
+      </p:ext>
+    </p:extLst>
+  </p:cSld>
+  <p:clrMapOvr>
+    <a:masterClrMapping/>
+  </p:clrMapOvr>
+</p:sld>
+</file>
+
+<file path=ppt/slides/slide9.xml><?xml version="1.0" encoding="utf-8"?>
+<p:sld xmlns:a="http://schemas.openxmlformats.org/drawingml/2006/main" xmlns:r="http://schemas.openxmlformats.org/officeDocument/2006/relationships" xmlns:p="http://schemas.openxmlformats.org/presentationml/2006/main">
+  <p:cSld>
+    <p:spTree>
+      <p:nvGrpSpPr>
+        <p:cNvPr id="1" name=""/>
+        <p:cNvGrpSpPr/>
+        <p:nvPr/>
+      </p:nvGrpSpPr>
+      <p:grpSpPr>
+        <a:xfrm>
+          <a:off x="0" y="0"/>
+          <a:ext cx="0" cy="0"/>
+          <a:chOff x="0" y="0"/>
+          <a:chExt cx="0" cy="0"/>
+        </a:xfrm>
+      </p:grpSpPr>
+      <p:sp>
+        <p:nvSpPr>
+          <p:cNvPr id="4" name="CuadroTexto 3"/>
+          <p:cNvSpPr txBox="1"/>
+          <p:nvPr/>
+        </p:nvSpPr>
+        <p:spPr>
+          <a:xfrm>
+            <a:off x="239850" y="188640"/>
+            <a:ext cx="1276696" cy="369332"/>
+          </a:xfrm>
+          <a:prstGeom prst="rect">
+            <a:avLst/>
+          </a:prstGeom>
+          <a:noFill/>
+        </p:spPr>
+        <p:txBody>
+          <a:bodyPr wrap="none" rtlCol="0">
+            <a:spAutoFit/>
+          </a:bodyPr>
+          <a:lstStyle/>
+          <a:p>
+            <a:pPr algn="ctr"/>
+            <a:r>
+              <a:rPr lang="es-ES" b="1" dirty="0" err="1">
+                <a:ln w="17780" cmpd="sng">
+                  <a:solidFill>
+                    <a:srgbClr val="FFFFFF"/>
+                  </a:solidFill>
+                  <a:prstDash val="solid"/>
+                  <a:miter lim="800000"/>
+                </a:ln>
+                <a:gradFill rotWithShape="1">
+                  <a:gsLst>
+                    <a:gs pos="0">
+                      <a:srgbClr val="000000">
+                        <a:tint val="92000"/>
+                        <a:shade val="100000"/>
+                        <a:satMod val="150000"/>
+                      </a:srgbClr>
+                    </a:gs>
+                    <a:gs pos="49000">
+                      <a:srgbClr val="000000">
+                        <a:tint val="89000"/>
+                        <a:shade val="90000"/>
+                        <a:satMod val="150000"/>
+                      </a:srgbClr>
+                    </a:gs>
+                    <a:gs pos="50000">
+                      <a:srgbClr val="000000">
+                        <a:tint val="100000"/>
+                        <a:shade val="75000"/>
+                        <a:satMod val="150000"/>
+                      </a:srgbClr>
+                    </a:gs>
+                    <a:gs pos="95000">
+                      <a:srgbClr val="000000">
+                        <a:shade val="47000"/>
+                        <a:satMod val="150000"/>
+                      </a:srgbClr>
+                    </a:gs>
+                    <a:gs pos="100000">
+                      <a:srgbClr val="000000">
+                        <a:shade val="39000"/>
+                        <a:satMod val="150000"/>
+                      </a:srgbClr>
+                    </a:gs>
+                  </a:gsLst>
+                  <a:lin ang="5400000"/>
+                </a:gradFill>
+                <a:effectLst>
+                  <a:outerShdw blurRad="50800" algn="tl" rotWithShape="0">
+                    <a:srgbClr val="000000"/>
+                  </a:outerShdw>
+                </a:effectLst>
+              </a:rPr>
+              <a:t>anadirLibro</a:t>
+            </a:r>
             <a:endParaRPr lang="es-ES" b="1" dirty="0">
               <a:ln w="17780" cmpd="sng">
                 <a:solidFill>
@@ -13816,834 +14476,6 @@
       </p:sp>
       <p:sp>
         <p:nvSpPr>
-          <p:cNvPr id="28" name="7 Proceso">
-            <a:extLst>
-              <a:ext uri="{FF2B5EF4-FFF2-40B4-BE49-F238E27FC236}">
-                <a16:creationId xmlns:a16="http://schemas.microsoft.com/office/drawing/2014/main" xmlns="" id="{D5095488-B6E4-42D1-8BDB-A6F77EDB308A}"/>
-              </a:ext>
-            </a:extLst>
-          </p:cNvPr>
-          <p:cNvSpPr/>
-          <p:nvPr/>
-        </p:nvSpPr>
-        <p:spPr>
-          <a:xfrm>
-            <a:off x="628638" y="1537794"/>
-            <a:ext cx="2144403" cy="356189"/>
-          </a:xfrm>
-          <a:prstGeom prst="flowChartProcess">
-            <a:avLst/>
-          </a:prstGeom>
-          <a:solidFill>
-            <a:srgbClr val="7CA1CE"/>
-          </a:solidFill>
-        </p:spPr>
-        <p:style>
-          <a:lnRef idx="2">
-            <a:schemeClr val="accent1">
-              <a:shade val="50000"/>
-            </a:schemeClr>
-          </a:lnRef>
-          <a:fillRef idx="1">
-            <a:schemeClr val="accent1"/>
-          </a:fillRef>
-          <a:effectRef idx="0">
-            <a:schemeClr val="accent1"/>
-          </a:effectRef>
-          <a:fontRef idx="minor">
-            <a:schemeClr val="lt1"/>
-          </a:fontRef>
-        </p:style>
-        <p:txBody>
-          <a:bodyPr rtlCol="0" anchor="ctr"/>
-          <a:lstStyle/>
-          <a:p>
-            <a:pPr algn="ctr"/>
-            <a:r>
-              <a:rPr lang="es-ES" sz="1400" dirty="0" smtClean="0"/>
-              <a:t>Inicializa la variable </a:t>
-            </a:r>
-            <a:r>
-              <a:rPr lang="es-ES" sz="1400" dirty="0" err="1" smtClean="0"/>
-              <a:t>maximaValoración</a:t>
-            </a:r>
-            <a:r>
-              <a:rPr lang="es-ES" sz="1400" dirty="0" smtClean="0"/>
-              <a:t>=0</a:t>
-            </a:r>
-            <a:endParaRPr lang="es-ES" sz="1400" dirty="0"/>
-          </a:p>
-        </p:txBody>
-      </p:sp>
-      <p:cxnSp>
-        <p:nvCxnSpPr>
-          <p:cNvPr id="34" name="Conector recto 33"/>
-          <p:cNvCxnSpPr>
-            <a:stCxn id="23" idx="2"/>
-          </p:cNvCxnSpPr>
-          <p:nvPr/>
-        </p:nvCxnSpPr>
-        <p:spPr>
-          <a:xfrm>
-            <a:off x="2040012" y="5978734"/>
-            <a:ext cx="0" cy="497604"/>
-          </a:xfrm>
-          <a:prstGeom prst="line">
-            <a:avLst/>
-          </a:prstGeom>
-        </p:spPr>
-        <p:style>
-          <a:lnRef idx="1">
-            <a:schemeClr val="accent1"/>
-          </a:lnRef>
-          <a:fillRef idx="0">
-            <a:schemeClr val="accent1"/>
-          </a:fillRef>
-          <a:effectRef idx="0">
-            <a:schemeClr val="accent1"/>
-          </a:effectRef>
-          <a:fontRef idx="minor">
-            <a:schemeClr val="tx1"/>
-          </a:fontRef>
-        </p:style>
-      </p:cxnSp>
-      <p:cxnSp>
-        <p:nvCxnSpPr>
-          <p:cNvPr id="37" name="Conector recto 36"/>
-          <p:cNvCxnSpPr/>
-          <p:nvPr/>
-        </p:nvCxnSpPr>
-        <p:spPr>
-          <a:xfrm flipH="1">
-            <a:off x="253825" y="6476338"/>
-            <a:ext cx="1786187" cy="0"/>
-          </a:xfrm>
-          <a:prstGeom prst="line">
-            <a:avLst/>
-          </a:prstGeom>
-        </p:spPr>
-        <p:style>
-          <a:lnRef idx="1">
-            <a:schemeClr val="accent1"/>
-          </a:lnRef>
-          <a:fillRef idx="0">
-            <a:schemeClr val="accent1"/>
-          </a:fillRef>
-          <a:effectRef idx="0">
-            <a:schemeClr val="accent1"/>
-          </a:effectRef>
-          <a:fontRef idx="minor">
-            <a:schemeClr val="tx1"/>
-          </a:fontRef>
-        </p:style>
-      </p:cxnSp>
-      <p:cxnSp>
-        <p:nvCxnSpPr>
-          <p:cNvPr id="39" name="Conector recto 38"/>
-          <p:cNvCxnSpPr/>
-          <p:nvPr/>
-        </p:nvCxnSpPr>
-        <p:spPr>
-          <a:xfrm flipV="1">
-            <a:off x="253825" y="2799353"/>
-            <a:ext cx="0" cy="3676985"/>
-          </a:xfrm>
-          <a:prstGeom prst="line">
-            <a:avLst/>
-          </a:prstGeom>
-        </p:spPr>
-        <p:style>
-          <a:lnRef idx="1">
-            <a:schemeClr val="accent1"/>
-          </a:lnRef>
-          <a:fillRef idx="0">
-            <a:schemeClr val="accent1"/>
-          </a:fillRef>
-          <a:effectRef idx="0">
-            <a:schemeClr val="accent1"/>
-          </a:effectRef>
-          <a:fontRef idx="minor">
-            <a:schemeClr val="tx1"/>
-          </a:fontRef>
-        </p:style>
-      </p:cxnSp>
-      <p:cxnSp>
-        <p:nvCxnSpPr>
-          <p:cNvPr id="41" name="Conector recto 40"/>
-          <p:cNvCxnSpPr>
-            <a:endCxn id="4" idx="1"/>
-          </p:cNvCxnSpPr>
-          <p:nvPr/>
-        </p:nvCxnSpPr>
-        <p:spPr>
-          <a:xfrm>
-            <a:off x="253825" y="2799353"/>
-            <a:ext cx="180971" cy="1"/>
-          </a:xfrm>
-          <a:prstGeom prst="line">
-            <a:avLst/>
-          </a:prstGeom>
-        </p:spPr>
-        <p:style>
-          <a:lnRef idx="1">
-            <a:schemeClr val="accent1"/>
-          </a:lnRef>
-          <a:fillRef idx="0">
-            <a:schemeClr val="accent1"/>
-          </a:fillRef>
-          <a:effectRef idx="0">
-            <a:schemeClr val="accent1"/>
-          </a:effectRef>
-          <a:fontRef idx="minor">
-            <a:schemeClr val="tx1"/>
-          </a:fontRef>
-        </p:style>
-      </p:cxnSp>
-      <p:cxnSp>
-        <p:nvCxnSpPr>
-          <p:cNvPr id="43" name="Conector recto 42"/>
-          <p:cNvCxnSpPr>
-            <a:stCxn id="4" idx="2"/>
-            <a:endCxn id="22" idx="0"/>
-          </p:cNvCxnSpPr>
-          <p:nvPr/>
-        </p:nvCxnSpPr>
-        <p:spPr>
-          <a:xfrm>
-            <a:off x="2019650" y="2954517"/>
-            <a:ext cx="20362" cy="257925"/>
-          </a:xfrm>
-          <a:prstGeom prst="line">
-            <a:avLst/>
-          </a:prstGeom>
-        </p:spPr>
-        <p:style>
-          <a:lnRef idx="1">
-            <a:schemeClr val="accent1"/>
-          </a:lnRef>
-          <a:fillRef idx="0">
-            <a:schemeClr val="accent1"/>
-          </a:fillRef>
-          <a:effectRef idx="0">
-            <a:schemeClr val="accent1"/>
-          </a:effectRef>
-          <a:fontRef idx="minor">
-            <a:schemeClr val="tx1"/>
-          </a:fontRef>
-        </p:style>
-      </p:cxnSp>
-      <p:cxnSp>
-        <p:nvCxnSpPr>
-          <p:cNvPr id="45" name="Conector recto 44"/>
-          <p:cNvCxnSpPr>
-            <a:stCxn id="22" idx="2"/>
-            <a:endCxn id="23" idx="0"/>
-          </p:cNvCxnSpPr>
-          <p:nvPr/>
-        </p:nvCxnSpPr>
-        <p:spPr>
-          <a:xfrm>
-            <a:off x="2040012" y="4193880"/>
-            <a:ext cx="0" cy="151672"/>
-          </a:xfrm>
-          <a:prstGeom prst="line">
-            <a:avLst/>
-          </a:prstGeom>
-        </p:spPr>
-        <p:style>
-          <a:lnRef idx="1">
-            <a:schemeClr val="accent1"/>
-          </a:lnRef>
-          <a:fillRef idx="0">
-            <a:schemeClr val="accent1"/>
-          </a:fillRef>
-          <a:effectRef idx="0">
-            <a:schemeClr val="accent1"/>
-          </a:effectRef>
-          <a:fontRef idx="minor">
-            <a:schemeClr val="tx1"/>
-          </a:fontRef>
-        </p:style>
-      </p:cxnSp>
-      <p:cxnSp>
-        <p:nvCxnSpPr>
-          <p:cNvPr id="47" name="Conector recto 46"/>
-          <p:cNvCxnSpPr>
-            <a:stCxn id="5" idx="4"/>
-            <a:endCxn id="7" idx="0"/>
-          </p:cNvCxnSpPr>
-          <p:nvPr/>
-        </p:nvCxnSpPr>
-        <p:spPr>
-          <a:xfrm>
-            <a:off x="1711752" y="609820"/>
-            <a:ext cx="1" cy="162192"/>
-          </a:xfrm>
-          <a:prstGeom prst="line">
-            <a:avLst/>
-          </a:prstGeom>
-        </p:spPr>
-        <p:style>
-          <a:lnRef idx="1">
-            <a:schemeClr val="accent1"/>
-          </a:lnRef>
-          <a:fillRef idx="0">
-            <a:schemeClr val="accent1"/>
-          </a:fillRef>
-          <a:effectRef idx="0">
-            <a:schemeClr val="accent1"/>
-          </a:effectRef>
-          <a:fontRef idx="minor">
-            <a:schemeClr val="tx1"/>
-          </a:fontRef>
-        </p:style>
-      </p:cxnSp>
-      <p:cxnSp>
-        <p:nvCxnSpPr>
-          <p:cNvPr id="49" name="Conector recto 48"/>
-          <p:cNvCxnSpPr>
-            <a:stCxn id="7" idx="2"/>
-            <a:endCxn id="28" idx="0"/>
-          </p:cNvCxnSpPr>
-          <p:nvPr/>
-        </p:nvCxnSpPr>
-        <p:spPr>
-          <a:xfrm flipH="1">
-            <a:off x="1700840" y="1450559"/>
-            <a:ext cx="10913" cy="87235"/>
-          </a:xfrm>
-          <a:prstGeom prst="line">
-            <a:avLst/>
-          </a:prstGeom>
-        </p:spPr>
-        <p:style>
-          <a:lnRef idx="1">
-            <a:schemeClr val="accent1"/>
-          </a:lnRef>
-          <a:fillRef idx="0">
-            <a:schemeClr val="accent1"/>
-          </a:fillRef>
-          <a:effectRef idx="0">
-            <a:schemeClr val="accent1"/>
-          </a:effectRef>
-          <a:fontRef idx="minor">
-            <a:schemeClr val="tx1"/>
-          </a:fontRef>
-        </p:style>
-      </p:cxnSp>
-      <p:cxnSp>
-        <p:nvCxnSpPr>
-          <p:cNvPr id="51" name="Conector recto 50"/>
-          <p:cNvCxnSpPr>
-            <a:stCxn id="28" idx="2"/>
-            <a:endCxn id="10" idx="0"/>
-          </p:cNvCxnSpPr>
-          <p:nvPr/>
-        </p:nvCxnSpPr>
-        <p:spPr>
-          <a:xfrm flipH="1">
-            <a:off x="1700839" y="1893983"/>
-            <a:ext cx="1" cy="87235"/>
-          </a:xfrm>
-          <a:prstGeom prst="line">
-            <a:avLst/>
-          </a:prstGeom>
-        </p:spPr>
-        <p:style>
-          <a:lnRef idx="1">
-            <a:schemeClr val="accent1"/>
-          </a:lnRef>
-          <a:fillRef idx="0">
-            <a:schemeClr val="accent1"/>
-          </a:fillRef>
-          <a:effectRef idx="0">
-            <a:schemeClr val="accent1"/>
-          </a:effectRef>
-          <a:fontRef idx="minor">
-            <a:schemeClr val="tx1"/>
-          </a:fontRef>
-        </p:style>
-      </p:cxnSp>
-      <p:cxnSp>
-        <p:nvCxnSpPr>
-          <p:cNvPr id="53" name="Conector recto 52"/>
-          <p:cNvCxnSpPr>
-            <a:stCxn id="10" idx="2"/>
-            <a:endCxn id="4" idx="0"/>
-          </p:cNvCxnSpPr>
-          <p:nvPr/>
-        </p:nvCxnSpPr>
-        <p:spPr>
-          <a:xfrm>
-            <a:off x="1700839" y="2337407"/>
-            <a:ext cx="318811" cy="306783"/>
-          </a:xfrm>
-          <a:prstGeom prst="line">
-            <a:avLst/>
-          </a:prstGeom>
-        </p:spPr>
-        <p:style>
-          <a:lnRef idx="1">
-            <a:schemeClr val="accent1"/>
-          </a:lnRef>
-          <a:fillRef idx="0">
-            <a:schemeClr val="accent1"/>
-          </a:fillRef>
-          <a:effectRef idx="0">
-            <a:schemeClr val="accent1"/>
-          </a:effectRef>
-          <a:fontRef idx="minor">
-            <a:schemeClr val="tx1"/>
-          </a:fontRef>
-        </p:style>
-      </p:cxnSp>
-      <p:cxnSp>
-        <p:nvCxnSpPr>
-          <p:cNvPr id="55" name="Conector recto 54"/>
-          <p:cNvCxnSpPr>
-            <a:stCxn id="4" idx="3"/>
-            <a:endCxn id="24" idx="1"/>
-          </p:cNvCxnSpPr>
-          <p:nvPr/>
-        </p:nvCxnSpPr>
-        <p:spPr>
-          <a:xfrm flipV="1">
-            <a:off x="3759667" y="2787884"/>
-            <a:ext cx="378713" cy="11470"/>
-          </a:xfrm>
-          <a:prstGeom prst="line">
-            <a:avLst/>
-          </a:prstGeom>
-        </p:spPr>
-        <p:style>
-          <a:lnRef idx="1">
-            <a:schemeClr val="accent1"/>
-          </a:lnRef>
-          <a:fillRef idx="0">
-            <a:schemeClr val="accent1"/>
-          </a:fillRef>
-          <a:effectRef idx="0">
-            <a:schemeClr val="accent1"/>
-          </a:effectRef>
-          <a:fontRef idx="minor">
-            <a:schemeClr val="tx1"/>
-          </a:fontRef>
-        </p:style>
-      </p:cxnSp>
-      <p:cxnSp>
-        <p:nvCxnSpPr>
-          <p:cNvPr id="57" name="Conector recto 56"/>
-          <p:cNvCxnSpPr>
-            <a:stCxn id="24" idx="2"/>
-            <a:endCxn id="19" idx="0"/>
-          </p:cNvCxnSpPr>
-          <p:nvPr/>
-        </p:nvCxnSpPr>
-        <p:spPr>
-          <a:xfrm>
-            <a:off x="5273652" y="3238360"/>
-            <a:ext cx="0" cy="478801"/>
-          </a:xfrm>
-          <a:prstGeom prst="line">
-            <a:avLst/>
-          </a:prstGeom>
-        </p:spPr>
-        <p:style>
-          <a:lnRef idx="1">
-            <a:schemeClr val="accent1"/>
-          </a:lnRef>
-          <a:fillRef idx="0">
-            <a:schemeClr val="accent1"/>
-          </a:fillRef>
-          <a:effectRef idx="0">
-            <a:schemeClr val="accent1"/>
-          </a:effectRef>
-          <a:fontRef idx="minor">
-            <a:schemeClr val="tx1"/>
-          </a:fontRef>
-        </p:style>
-      </p:cxnSp>
-      <p:cxnSp>
-        <p:nvCxnSpPr>
-          <p:cNvPr id="61" name="Conector recto 60"/>
-          <p:cNvCxnSpPr>
-            <a:stCxn id="16" idx="2"/>
-            <a:endCxn id="6" idx="0"/>
-          </p:cNvCxnSpPr>
-          <p:nvPr/>
-        </p:nvCxnSpPr>
-        <p:spPr>
-          <a:xfrm flipH="1">
-            <a:off x="6598136" y="3127815"/>
-            <a:ext cx="1176128" cy="2584377"/>
-          </a:xfrm>
-          <a:prstGeom prst="line">
-            <a:avLst/>
-          </a:prstGeom>
-        </p:spPr>
-        <p:style>
-          <a:lnRef idx="1">
-            <a:schemeClr val="accent1"/>
-          </a:lnRef>
-          <a:fillRef idx="0">
-            <a:schemeClr val="accent1"/>
-          </a:fillRef>
-          <a:effectRef idx="0">
-            <a:schemeClr val="accent1"/>
-          </a:effectRef>
-          <a:fontRef idx="minor">
-            <a:schemeClr val="tx1"/>
-          </a:fontRef>
-        </p:style>
-      </p:cxnSp>
-      <p:sp>
-        <p:nvSpPr>
-          <p:cNvPr id="65" name="89 CuadroTexto"/>
-          <p:cNvSpPr txBox="1"/>
-          <p:nvPr/>
-        </p:nvSpPr>
-        <p:spPr>
-          <a:xfrm>
-            <a:off x="1442928" y="4073350"/>
-            <a:ext cx="360040" cy="369332"/>
-          </a:xfrm>
-          <a:prstGeom prst="rect">
-            <a:avLst/>
-          </a:prstGeom>
-          <a:noFill/>
-        </p:spPr>
-        <p:txBody>
-          <a:bodyPr wrap="square" rtlCol="0">
-            <a:spAutoFit/>
-          </a:bodyPr>
-          <a:lstStyle/>
-          <a:p>
-            <a:r>
-              <a:rPr lang="es-ES" dirty="0"/>
-              <a:t>Sí</a:t>
-            </a:r>
-          </a:p>
-        </p:txBody>
-      </p:sp>
-      <p:sp>
-        <p:nvSpPr>
-          <p:cNvPr id="66" name="89 CuadroTexto"/>
-          <p:cNvSpPr txBox="1"/>
-          <p:nvPr/>
-        </p:nvSpPr>
-        <p:spPr>
-          <a:xfrm>
-            <a:off x="1500204" y="5951842"/>
-            <a:ext cx="360040" cy="369332"/>
-          </a:xfrm>
-          <a:prstGeom prst="rect">
-            <a:avLst/>
-          </a:prstGeom>
-          <a:noFill/>
-        </p:spPr>
-        <p:txBody>
-          <a:bodyPr wrap="square" rtlCol="0">
-            <a:spAutoFit/>
-          </a:bodyPr>
-          <a:lstStyle/>
-          <a:p>
-            <a:r>
-              <a:rPr lang="es-ES" dirty="0"/>
-              <a:t>Sí</a:t>
-            </a:r>
-          </a:p>
-        </p:txBody>
-      </p:sp>
-      <p:sp>
-        <p:nvSpPr>
-          <p:cNvPr id="67" name="89 CuadroTexto"/>
-          <p:cNvSpPr txBox="1"/>
-          <p:nvPr/>
-        </p:nvSpPr>
-        <p:spPr>
-          <a:xfrm>
-            <a:off x="4880162" y="3223674"/>
-            <a:ext cx="360040" cy="369332"/>
-          </a:xfrm>
-          <a:prstGeom prst="rect">
-            <a:avLst/>
-          </a:prstGeom>
-          <a:noFill/>
-        </p:spPr>
-        <p:txBody>
-          <a:bodyPr wrap="square" rtlCol="0">
-            <a:spAutoFit/>
-          </a:bodyPr>
-          <a:lstStyle/>
-          <a:p>
-            <a:r>
-              <a:rPr lang="es-ES" dirty="0"/>
-              <a:t>Sí</a:t>
-            </a:r>
-          </a:p>
-        </p:txBody>
-      </p:sp>
-      <p:cxnSp>
-        <p:nvCxnSpPr>
-          <p:cNvPr id="82" name="Conector recto 81"/>
-          <p:cNvCxnSpPr>
-            <a:stCxn id="24" idx="3"/>
-            <a:endCxn id="16" idx="1"/>
-          </p:cNvCxnSpPr>
-          <p:nvPr/>
-        </p:nvCxnSpPr>
-        <p:spPr>
-          <a:xfrm flipV="1">
-            <a:off x="6408924" y="2787883"/>
-            <a:ext cx="293138" cy="1"/>
-          </a:xfrm>
-          <a:prstGeom prst="line">
-            <a:avLst/>
-          </a:prstGeom>
-        </p:spPr>
-        <p:style>
-          <a:lnRef idx="1">
-            <a:schemeClr val="accent1"/>
-          </a:lnRef>
-          <a:fillRef idx="0">
-            <a:schemeClr val="accent1"/>
-          </a:fillRef>
-          <a:effectRef idx="0">
-            <a:schemeClr val="accent1"/>
-          </a:effectRef>
-          <a:fontRef idx="minor">
-            <a:schemeClr val="tx1"/>
-          </a:fontRef>
-        </p:style>
-      </p:cxnSp>
-      <p:cxnSp>
-        <p:nvCxnSpPr>
-          <p:cNvPr id="84" name="Conector recto 83"/>
-          <p:cNvCxnSpPr>
-            <a:stCxn id="19" idx="2"/>
-            <a:endCxn id="6" idx="0"/>
-          </p:cNvCxnSpPr>
-          <p:nvPr/>
-        </p:nvCxnSpPr>
-        <p:spPr>
-          <a:xfrm>
-            <a:off x="5273652" y="4073350"/>
-            <a:ext cx="1324484" cy="1638842"/>
-          </a:xfrm>
-          <a:prstGeom prst="line">
-            <a:avLst/>
-          </a:prstGeom>
-        </p:spPr>
-        <p:style>
-          <a:lnRef idx="1">
-            <a:schemeClr val="accent1"/>
-          </a:lnRef>
-          <a:fillRef idx="0">
-            <a:schemeClr val="accent1"/>
-          </a:fillRef>
-          <a:effectRef idx="0">
-            <a:schemeClr val="accent1"/>
-          </a:effectRef>
-          <a:fontRef idx="minor">
-            <a:schemeClr val="tx1"/>
-          </a:fontRef>
-        </p:style>
-      </p:cxnSp>
-      <p:sp>
-        <p:nvSpPr>
-          <p:cNvPr id="85" name="89 CuadroTexto"/>
-          <p:cNvSpPr txBox="1"/>
-          <p:nvPr/>
-        </p:nvSpPr>
-        <p:spPr>
-          <a:xfrm>
-            <a:off x="6280867" y="2343742"/>
-            <a:ext cx="634538" cy="369332"/>
-          </a:xfrm>
-          <a:prstGeom prst="rect">
-            <a:avLst/>
-          </a:prstGeom>
-          <a:noFill/>
-        </p:spPr>
-        <p:txBody>
-          <a:bodyPr wrap="square" rtlCol="0">
-            <a:spAutoFit/>
-          </a:bodyPr>
-          <a:lstStyle/>
-          <a:p>
-            <a:r>
-              <a:rPr lang="es-ES" dirty="0" smtClean="0"/>
-              <a:t>No</a:t>
-            </a:r>
-            <a:endParaRPr lang="es-ES" dirty="0"/>
-          </a:p>
-        </p:txBody>
-      </p:sp>
-    </p:spTree>
-    <p:extLst>
-      <p:ext uri="{BB962C8B-B14F-4D97-AF65-F5344CB8AC3E}">
-        <p14:creationId xmlns:p14="http://schemas.microsoft.com/office/powerpoint/2010/main" val="677011517"/>
-      </p:ext>
-    </p:extLst>
-  </p:cSld>
-  <p:clrMapOvr>
-    <a:masterClrMapping/>
-  </p:clrMapOvr>
-</p:sld>
-</file>
-
-<file path=ppt/slides/slide9.xml><?xml version="1.0" encoding="utf-8"?>
-<p:sld xmlns:a="http://schemas.openxmlformats.org/drawingml/2006/main" xmlns:r="http://schemas.openxmlformats.org/officeDocument/2006/relationships" xmlns:p="http://schemas.openxmlformats.org/presentationml/2006/main">
-  <p:cSld>
-    <p:spTree>
-      <p:nvGrpSpPr>
-        <p:cNvPr id="1" name=""/>
-        <p:cNvGrpSpPr/>
-        <p:nvPr/>
-      </p:nvGrpSpPr>
-      <p:grpSpPr>
-        <a:xfrm>
-          <a:off x="0" y="0"/>
-          <a:ext cx="0" cy="0"/>
-          <a:chOff x="0" y="0"/>
-          <a:chExt cx="0" cy="0"/>
-        </a:xfrm>
-      </p:grpSpPr>
-      <p:sp>
-        <p:nvSpPr>
-          <p:cNvPr id="4" name="CuadroTexto 3"/>
-          <p:cNvSpPr txBox="1"/>
-          <p:nvPr/>
-        </p:nvSpPr>
-        <p:spPr>
-          <a:xfrm>
-            <a:off x="239850" y="188640"/>
-            <a:ext cx="1276696" cy="369332"/>
-          </a:xfrm>
-          <a:prstGeom prst="rect">
-            <a:avLst/>
-          </a:prstGeom>
-          <a:noFill/>
-        </p:spPr>
-        <p:txBody>
-          <a:bodyPr wrap="none" rtlCol="0">
-            <a:spAutoFit/>
-          </a:bodyPr>
-          <a:lstStyle/>
-          <a:p>
-            <a:pPr algn="ctr"/>
-            <a:r>
-              <a:rPr lang="es-ES" b="1" dirty="0" err="1" smtClean="0">
-                <a:ln w="17780" cmpd="sng">
-                  <a:solidFill>
-                    <a:srgbClr val="FFFFFF"/>
-                  </a:solidFill>
-                  <a:prstDash val="solid"/>
-                  <a:miter lim="800000"/>
-                </a:ln>
-                <a:gradFill rotWithShape="1">
-                  <a:gsLst>
-                    <a:gs pos="0">
-                      <a:srgbClr val="000000">
-                        <a:tint val="92000"/>
-                        <a:shade val="100000"/>
-                        <a:satMod val="150000"/>
-                      </a:srgbClr>
-                    </a:gs>
-                    <a:gs pos="49000">
-                      <a:srgbClr val="000000">
-                        <a:tint val="89000"/>
-                        <a:shade val="90000"/>
-                        <a:satMod val="150000"/>
-                      </a:srgbClr>
-                    </a:gs>
-                    <a:gs pos="50000">
-                      <a:srgbClr val="000000">
-                        <a:tint val="100000"/>
-                        <a:shade val="75000"/>
-                        <a:satMod val="150000"/>
-                      </a:srgbClr>
-                    </a:gs>
-                    <a:gs pos="95000">
-                      <a:srgbClr val="000000">
-                        <a:shade val="47000"/>
-                        <a:satMod val="150000"/>
-                      </a:srgbClr>
-                    </a:gs>
-                    <a:gs pos="100000">
-                      <a:srgbClr val="000000">
-                        <a:shade val="39000"/>
-                        <a:satMod val="150000"/>
-                      </a:srgbClr>
-                    </a:gs>
-                  </a:gsLst>
-                  <a:lin ang="5400000"/>
-                </a:gradFill>
-                <a:effectLst>
-                  <a:outerShdw blurRad="50800" algn="tl" rotWithShape="0">
-                    <a:srgbClr val="000000"/>
-                  </a:outerShdw>
-                </a:effectLst>
-              </a:rPr>
-              <a:t>anadirLibro</a:t>
-            </a:r>
-            <a:endParaRPr lang="es-ES" b="1" dirty="0">
-              <a:ln w="17780" cmpd="sng">
-                <a:solidFill>
-                  <a:srgbClr val="FFFFFF"/>
-                </a:solidFill>
-                <a:prstDash val="solid"/>
-                <a:miter lim="800000"/>
-              </a:ln>
-              <a:gradFill rotWithShape="1">
-                <a:gsLst>
-                  <a:gs pos="0">
-                    <a:srgbClr val="000000">
-                      <a:tint val="92000"/>
-                      <a:shade val="100000"/>
-                      <a:satMod val="150000"/>
-                    </a:srgbClr>
-                  </a:gs>
-                  <a:gs pos="49000">
-                    <a:srgbClr val="000000">
-                      <a:tint val="89000"/>
-                      <a:shade val="90000"/>
-                      <a:satMod val="150000"/>
-                    </a:srgbClr>
-                  </a:gs>
-                  <a:gs pos="50000">
-                    <a:srgbClr val="000000">
-                      <a:tint val="100000"/>
-                      <a:shade val="75000"/>
-                      <a:satMod val="150000"/>
-                    </a:srgbClr>
-                  </a:gs>
-                  <a:gs pos="95000">
-                    <a:srgbClr val="000000">
-                      <a:shade val="47000"/>
-                      <a:satMod val="150000"/>
-                    </a:srgbClr>
-                  </a:gs>
-                  <a:gs pos="100000">
-                    <a:srgbClr val="000000">
-                      <a:shade val="39000"/>
-                      <a:satMod val="150000"/>
-                    </a:srgbClr>
-                  </a:gs>
-                </a:gsLst>
-                <a:lin ang="5400000"/>
-              </a:gradFill>
-              <a:effectLst>
-                <a:outerShdw blurRad="50800" algn="tl" rotWithShape="0">
-                  <a:srgbClr val="000000"/>
-                </a:outerShdw>
-              </a:effectLst>
-            </a:endParaRPr>
-          </a:p>
-        </p:txBody>
-      </p:sp>
-      <p:sp>
-        <p:nvSpPr>
           <p:cNvPr id="5" name="66 Pentágono"/>
           <p:cNvSpPr/>
           <p:nvPr/>
@@ -14809,11 +14641,11 @@
           <a:p>
             <a:pPr algn="ctr"/>
             <a:r>
-              <a:rPr lang="es-ES" dirty="0" smtClean="0"/>
+              <a:rPr lang="es-ES" dirty="0"/>
               <a:t>Llama a </a:t>
             </a:r>
             <a:r>
-              <a:rPr lang="es-ES" dirty="0" err="1" smtClean="0"/>
+              <a:rPr lang="es-ES" dirty="0" err="1"/>
               <a:t>verLibrería</a:t>
             </a:r>
             <a:endParaRPr lang="es-ES" dirty="0"/>
@@ -14860,10 +14692,9 @@
           <a:p>
             <a:pPr algn="ctr"/>
             <a:r>
-              <a:rPr lang="es-ES" dirty="0" smtClean="0"/>
+              <a:rPr lang="es-ES" dirty="0"/>
               <a:t>Va pidiendo por teclado los datos del libro</a:t>
             </a:r>
-            <a:endParaRPr lang="es-ES" dirty="0"/>
           </a:p>
         </p:txBody>
       </p:sp>
@@ -14911,10 +14742,9 @@
           <a:lstStyle/>
           <a:p>
             <a:r>
-              <a:rPr lang="es-ES" sz="1200" dirty="0" smtClean="0"/>
+              <a:rPr lang="es-ES" sz="1200" dirty="0"/>
               <a:t>Comprueba si  ese lugar esta vacío</a:t>
             </a:r>
-            <a:endParaRPr lang="es-ES" sz="1200" dirty="0"/>
           </a:p>
         </p:txBody>
       </p:sp>

--- a/Flujograma (2).pptx
+++ b/Flujograma (2).pptx
@@ -13,7 +13,7 @@
     <p:sldId id="257" r:id="rId4"/>
     <p:sldId id="262" r:id="rId5"/>
     <p:sldId id="258" r:id="rId6"/>
-    <p:sldId id="259" r:id="rId7"/>
+    <p:sldId id="266" r:id="rId7"/>
     <p:sldId id="263" r:id="rId8"/>
     <p:sldId id="264" r:id="rId9"/>
     <p:sldId id="265" r:id="rId10"/>
@@ -117,7 +117,7 @@
   </p:defaultTextStyle>
   <p:extLst>
     <p:ext uri="{EFAFB233-063F-42B5-8137-9DF3F51BA10A}">
-      <p15:sldGuideLst xmlns:p15="http://schemas.microsoft.com/office/powerpoint/2012/main">
+      <p15:sldGuideLst xmlns:p15="http://schemas.microsoft.com/office/powerpoint/2012/main" xmlns="">
         <p15:guide id="1" orient="horz" pos="2160">
           <p15:clr>
             <a:srgbClr val="A4A3A4"/>
@@ -391,7 +391,7 @@
     </p:spTree>
     <p:extLst>
       <p:ext uri="{BB962C8B-B14F-4D97-AF65-F5344CB8AC3E}">
-        <p14:creationId xmlns:p14="http://schemas.microsoft.com/office/powerpoint/2010/main" val="3830592535"/>
+        <p14:creationId xmlns:p14="http://schemas.microsoft.com/office/powerpoint/2010/main" xmlns="" val="3830592535"/>
       </p:ext>
     </p:extLst>
   </p:cSld>
@@ -566,7 +566,7 @@
     </p:spTree>
     <p:extLst>
       <p:ext uri="{BB962C8B-B14F-4D97-AF65-F5344CB8AC3E}">
-        <p14:creationId xmlns:p14="http://schemas.microsoft.com/office/powerpoint/2010/main" val="3884037929"/>
+        <p14:creationId xmlns:p14="http://schemas.microsoft.com/office/powerpoint/2010/main" xmlns="" val="3884037929"/>
       </p:ext>
     </p:extLst>
   </p:cSld>
@@ -653,7 +653,7 @@
     </p:spTree>
     <p:extLst>
       <p:ext uri="{BB962C8B-B14F-4D97-AF65-F5344CB8AC3E}">
-        <p14:creationId xmlns:p14="http://schemas.microsoft.com/office/powerpoint/2010/main" val="3083127638"/>
+        <p14:creationId xmlns:p14="http://schemas.microsoft.com/office/powerpoint/2010/main" xmlns="" val="3083127638"/>
       </p:ext>
     </p:extLst>
   </p:cSld>
@@ -3599,7 +3599,7 @@
           <p:cNvPr id="205" name="Conector: angular 204">
             <a:extLst>
               <a:ext uri="{FF2B5EF4-FFF2-40B4-BE49-F238E27FC236}">
-                <a16:creationId xmlns:a16="http://schemas.microsoft.com/office/drawing/2014/main" id="{B59F39F5-9225-4D7F-A220-DAD9684BB731}"/>
+                <a16:creationId xmlns:a16="http://schemas.microsoft.com/office/drawing/2014/main" xmlns="" id="{B59F39F5-9225-4D7F-A220-DAD9684BB731}"/>
               </a:ext>
             </a:extLst>
           </p:cNvPr>
@@ -3813,7 +3813,7 @@
           <p:cNvPr id="32" name="7 Proceso">
             <a:extLst>
               <a:ext uri="{FF2B5EF4-FFF2-40B4-BE49-F238E27FC236}">
-                <a16:creationId xmlns:a16="http://schemas.microsoft.com/office/drawing/2014/main" id="{D5095488-B6E4-42D1-8BDB-A6F77EDB308A}"/>
+                <a16:creationId xmlns:a16="http://schemas.microsoft.com/office/drawing/2014/main" xmlns="" id="{D5095488-B6E4-42D1-8BDB-A6F77EDB308A}"/>
               </a:ext>
             </a:extLst>
           </p:cNvPr>
@@ -3865,7 +3865,7 @@
           <p:cNvPr id="18" name="Conector recto 17">
             <a:extLst>
               <a:ext uri="{FF2B5EF4-FFF2-40B4-BE49-F238E27FC236}">
-                <a16:creationId xmlns:a16="http://schemas.microsoft.com/office/drawing/2014/main" id="{9A8B42E2-795D-4CA2-9C17-4A5B76794D0D}"/>
+                <a16:creationId xmlns:a16="http://schemas.microsoft.com/office/drawing/2014/main" xmlns="" id="{9A8B42E2-795D-4CA2-9C17-4A5B76794D0D}"/>
               </a:ext>
             </a:extLst>
           </p:cNvPr>
@@ -3905,7 +3905,7 @@
           <p:cNvPr id="51" name="7 Proceso">
             <a:extLst>
               <a:ext uri="{FF2B5EF4-FFF2-40B4-BE49-F238E27FC236}">
-                <a16:creationId xmlns:a16="http://schemas.microsoft.com/office/drawing/2014/main" id="{B972719C-F61D-4153-9A55-1D4A080A2453}"/>
+                <a16:creationId xmlns:a16="http://schemas.microsoft.com/office/drawing/2014/main" xmlns="" id="{B972719C-F61D-4153-9A55-1D4A080A2453}"/>
               </a:ext>
             </a:extLst>
           </p:cNvPr>
@@ -3957,7 +3957,7 @@
           <p:cNvPr id="40" name="Conector recto 39">
             <a:extLst>
               <a:ext uri="{FF2B5EF4-FFF2-40B4-BE49-F238E27FC236}">
-                <a16:creationId xmlns:a16="http://schemas.microsoft.com/office/drawing/2014/main" id="{97C7A2B9-258F-4C33-95B5-4A3DA0E5A470}"/>
+                <a16:creationId xmlns:a16="http://schemas.microsoft.com/office/drawing/2014/main" xmlns="" id="{97C7A2B9-258F-4C33-95B5-4A3DA0E5A470}"/>
               </a:ext>
             </a:extLst>
           </p:cNvPr>
@@ -3997,7 +3997,7 @@
           <p:cNvPr id="62" name="32 Preparación">
             <a:extLst>
               <a:ext uri="{FF2B5EF4-FFF2-40B4-BE49-F238E27FC236}">
-                <a16:creationId xmlns:a16="http://schemas.microsoft.com/office/drawing/2014/main" id="{C3113788-5262-445A-A98C-F51FDFC00FE7}"/>
+                <a16:creationId xmlns:a16="http://schemas.microsoft.com/office/drawing/2014/main" xmlns="" id="{C3113788-5262-445A-A98C-F51FDFC00FE7}"/>
               </a:ext>
             </a:extLst>
           </p:cNvPr>
@@ -4056,7 +4056,7 @@
           <p:cNvPr id="71" name="7 Proceso">
             <a:extLst>
               <a:ext uri="{FF2B5EF4-FFF2-40B4-BE49-F238E27FC236}">
-                <a16:creationId xmlns:a16="http://schemas.microsoft.com/office/drawing/2014/main" id="{47E6F42A-D4D7-4BD1-8580-B585A0E86286}"/>
+                <a16:creationId xmlns:a16="http://schemas.microsoft.com/office/drawing/2014/main" xmlns="" id="{47E6F42A-D4D7-4BD1-8580-B585A0E86286}"/>
               </a:ext>
             </a:extLst>
           </p:cNvPr>
@@ -4108,7 +4108,7 @@
           <p:cNvPr id="54" name="Conector recto 53">
             <a:extLst>
               <a:ext uri="{FF2B5EF4-FFF2-40B4-BE49-F238E27FC236}">
-                <a16:creationId xmlns:a16="http://schemas.microsoft.com/office/drawing/2014/main" id="{5E93D98C-5854-461F-94F0-ABCA9C4BB813}"/>
+                <a16:creationId xmlns:a16="http://schemas.microsoft.com/office/drawing/2014/main" xmlns="" id="{5E93D98C-5854-461F-94F0-ABCA9C4BB813}"/>
               </a:ext>
             </a:extLst>
           </p:cNvPr>
@@ -4148,7 +4148,7 @@
           <p:cNvPr id="73" name="7 Proceso">
             <a:extLst>
               <a:ext uri="{FF2B5EF4-FFF2-40B4-BE49-F238E27FC236}">
-                <a16:creationId xmlns:a16="http://schemas.microsoft.com/office/drawing/2014/main" id="{8EF54440-4430-40AB-A469-A30BD6CE50DB}"/>
+                <a16:creationId xmlns:a16="http://schemas.microsoft.com/office/drawing/2014/main" xmlns="" id="{8EF54440-4430-40AB-A469-A30BD6CE50DB}"/>
               </a:ext>
             </a:extLst>
           </p:cNvPr>
@@ -4205,7 +4205,7 @@
           <p:cNvPr id="61" name="Conector: angular 60">
             <a:extLst>
               <a:ext uri="{FF2B5EF4-FFF2-40B4-BE49-F238E27FC236}">
-                <a16:creationId xmlns:a16="http://schemas.microsoft.com/office/drawing/2014/main" id="{16D80F8C-7AA7-446E-BCE0-DD61D1A33AD2}"/>
+                <a16:creationId xmlns:a16="http://schemas.microsoft.com/office/drawing/2014/main" xmlns="" id="{16D80F8C-7AA7-446E-BCE0-DD61D1A33AD2}"/>
               </a:ext>
             </a:extLst>
           </p:cNvPr>
@@ -4249,7 +4249,7 @@
           <p:cNvPr id="81" name="7 Proceso">
             <a:extLst>
               <a:ext uri="{FF2B5EF4-FFF2-40B4-BE49-F238E27FC236}">
-                <a16:creationId xmlns:a16="http://schemas.microsoft.com/office/drawing/2014/main" id="{19E20FE5-BC2C-4556-9FAB-D07D04A88C5F}"/>
+                <a16:creationId xmlns:a16="http://schemas.microsoft.com/office/drawing/2014/main" xmlns="" id="{19E20FE5-BC2C-4556-9FAB-D07D04A88C5F}"/>
               </a:ext>
             </a:extLst>
           </p:cNvPr>
@@ -4301,7 +4301,7 @@
           <p:cNvPr id="83" name="Conector recto 82">
             <a:extLst>
               <a:ext uri="{FF2B5EF4-FFF2-40B4-BE49-F238E27FC236}">
-                <a16:creationId xmlns:a16="http://schemas.microsoft.com/office/drawing/2014/main" id="{C576AC8D-4690-4132-9C1D-3E419DF3AB6F}"/>
+                <a16:creationId xmlns:a16="http://schemas.microsoft.com/office/drawing/2014/main" xmlns="" id="{C576AC8D-4690-4132-9C1D-3E419DF3AB6F}"/>
               </a:ext>
             </a:extLst>
           </p:cNvPr>
@@ -4341,7 +4341,7 @@
           <p:cNvPr id="86" name="7 Proceso">
             <a:extLst>
               <a:ext uri="{FF2B5EF4-FFF2-40B4-BE49-F238E27FC236}">
-                <a16:creationId xmlns:a16="http://schemas.microsoft.com/office/drawing/2014/main" id="{F16CF793-D820-4EB4-A7E4-A708453B839A}"/>
+                <a16:creationId xmlns:a16="http://schemas.microsoft.com/office/drawing/2014/main" xmlns="" id="{F16CF793-D820-4EB4-A7E4-A708453B839A}"/>
               </a:ext>
             </a:extLst>
           </p:cNvPr>
@@ -4393,7 +4393,7 @@
           <p:cNvPr id="88" name="Conector recto 87">
             <a:extLst>
               <a:ext uri="{FF2B5EF4-FFF2-40B4-BE49-F238E27FC236}">
-                <a16:creationId xmlns:a16="http://schemas.microsoft.com/office/drawing/2014/main" id="{166BFE9F-9416-41B7-B031-B17FA4948139}"/>
+                <a16:creationId xmlns:a16="http://schemas.microsoft.com/office/drawing/2014/main" xmlns="" id="{166BFE9F-9416-41B7-B031-B17FA4948139}"/>
               </a:ext>
             </a:extLst>
           </p:cNvPr>
@@ -4433,7 +4433,7 @@
           <p:cNvPr id="95" name="7 Proceso">
             <a:extLst>
               <a:ext uri="{FF2B5EF4-FFF2-40B4-BE49-F238E27FC236}">
-                <a16:creationId xmlns:a16="http://schemas.microsoft.com/office/drawing/2014/main" id="{BBA3A8DF-BA4D-4515-AE99-277FAABC5451}"/>
+                <a16:creationId xmlns:a16="http://schemas.microsoft.com/office/drawing/2014/main" xmlns="" id="{BBA3A8DF-BA4D-4515-AE99-277FAABC5451}"/>
               </a:ext>
             </a:extLst>
           </p:cNvPr>
@@ -4485,7 +4485,7 @@
           <p:cNvPr id="96" name="Conector recto 95">
             <a:extLst>
               <a:ext uri="{FF2B5EF4-FFF2-40B4-BE49-F238E27FC236}">
-                <a16:creationId xmlns:a16="http://schemas.microsoft.com/office/drawing/2014/main" id="{944497A4-D5DA-4BD1-923D-9F18A6CC1374}"/>
+                <a16:creationId xmlns:a16="http://schemas.microsoft.com/office/drawing/2014/main" xmlns="" id="{944497A4-D5DA-4BD1-923D-9F18A6CC1374}"/>
               </a:ext>
             </a:extLst>
           </p:cNvPr>
@@ -4525,7 +4525,7 @@
           <p:cNvPr id="98" name="7 Proceso">
             <a:extLst>
               <a:ext uri="{FF2B5EF4-FFF2-40B4-BE49-F238E27FC236}">
-                <a16:creationId xmlns:a16="http://schemas.microsoft.com/office/drawing/2014/main" id="{7C7F24A2-90E7-4975-80B6-8720FE4D6AE6}"/>
+                <a16:creationId xmlns:a16="http://schemas.microsoft.com/office/drawing/2014/main" xmlns="" id="{7C7F24A2-90E7-4975-80B6-8720FE4D6AE6}"/>
               </a:ext>
             </a:extLst>
           </p:cNvPr>
@@ -4577,7 +4577,7 @@
           <p:cNvPr id="99" name="Conector recto 98">
             <a:extLst>
               <a:ext uri="{FF2B5EF4-FFF2-40B4-BE49-F238E27FC236}">
-                <a16:creationId xmlns:a16="http://schemas.microsoft.com/office/drawing/2014/main" id="{C7A23614-BBC3-49F9-A945-815870F73A7A}"/>
+                <a16:creationId xmlns:a16="http://schemas.microsoft.com/office/drawing/2014/main" xmlns="" id="{C7A23614-BBC3-49F9-A945-815870F73A7A}"/>
               </a:ext>
             </a:extLst>
           </p:cNvPr>
@@ -4617,7 +4617,7 @@
           <p:cNvPr id="101" name="7 Proceso">
             <a:extLst>
               <a:ext uri="{FF2B5EF4-FFF2-40B4-BE49-F238E27FC236}">
-                <a16:creationId xmlns:a16="http://schemas.microsoft.com/office/drawing/2014/main" id="{60BA32C1-CE9E-46A0-9853-2B7285372D02}"/>
+                <a16:creationId xmlns:a16="http://schemas.microsoft.com/office/drawing/2014/main" xmlns="" id="{60BA32C1-CE9E-46A0-9853-2B7285372D02}"/>
               </a:ext>
             </a:extLst>
           </p:cNvPr>
@@ -4669,7 +4669,7 @@
           <p:cNvPr id="102" name="Conector recto 101">
             <a:extLst>
               <a:ext uri="{FF2B5EF4-FFF2-40B4-BE49-F238E27FC236}">
-                <a16:creationId xmlns:a16="http://schemas.microsoft.com/office/drawing/2014/main" id="{B0E0F316-8C0E-400F-9505-496D0411D907}"/>
+                <a16:creationId xmlns:a16="http://schemas.microsoft.com/office/drawing/2014/main" xmlns="" id="{B0E0F316-8C0E-400F-9505-496D0411D907}"/>
               </a:ext>
             </a:extLst>
           </p:cNvPr>
@@ -4708,7 +4708,7 @@
           <p:cNvPr id="104" name="7 Proceso">
             <a:extLst>
               <a:ext uri="{FF2B5EF4-FFF2-40B4-BE49-F238E27FC236}">
-                <a16:creationId xmlns:a16="http://schemas.microsoft.com/office/drawing/2014/main" id="{0A54572F-9574-40A3-B7B2-6C60815FE544}"/>
+                <a16:creationId xmlns:a16="http://schemas.microsoft.com/office/drawing/2014/main" xmlns="" id="{0A54572F-9574-40A3-B7B2-6C60815FE544}"/>
               </a:ext>
             </a:extLst>
           </p:cNvPr>
@@ -4760,7 +4760,7 @@
           <p:cNvPr id="105" name="Conector recto 104">
             <a:extLst>
               <a:ext uri="{FF2B5EF4-FFF2-40B4-BE49-F238E27FC236}">
-                <a16:creationId xmlns:a16="http://schemas.microsoft.com/office/drawing/2014/main" id="{746C5B51-5553-4B9B-A53A-CE3AAA1A78B8}"/>
+                <a16:creationId xmlns:a16="http://schemas.microsoft.com/office/drawing/2014/main" xmlns="" id="{746C5B51-5553-4B9B-A53A-CE3AAA1A78B8}"/>
               </a:ext>
             </a:extLst>
           </p:cNvPr>
@@ -4800,7 +4800,7 @@
           <p:cNvPr id="110" name="7 Proceso">
             <a:extLst>
               <a:ext uri="{FF2B5EF4-FFF2-40B4-BE49-F238E27FC236}">
-                <a16:creationId xmlns:a16="http://schemas.microsoft.com/office/drawing/2014/main" id="{921D195D-433F-4D80-93EC-499B11D7DDDE}"/>
+                <a16:creationId xmlns:a16="http://schemas.microsoft.com/office/drawing/2014/main" xmlns="" id="{921D195D-433F-4D80-93EC-499B11D7DDDE}"/>
               </a:ext>
             </a:extLst>
           </p:cNvPr>
@@ -4852,7 +4852,7 @@
           <p:cNvPr id="111" name="Conector recto 110">
             <a:extLst>
               <a:ext uri="{FF2B5EF4-FFF2-40B4-BE49-F238E27FC236}">
-                <a16:creationId xmlns:a16="http://schemas.microsoft.com/office/drawing/2014/main" id="{CC923BA5-AFC8-4EF8-97DA-2C6FE7B0C87E}"/>
+                <a16:creationId xmlns:a16="http://schemas.microsoft.com/office/drawing/2014/main" xmlns="" id="{CC923BA5-AFC8-4EF8-97DA-2C6FE7B0C87E}"/>
               </a:ext>
             </a:extLst>
           </p:cNvPr>
@@ -4892,7 +4892,7 @@
           <p:cNvPr id="118" name="175 CuadroTexto">
             <a:extLst>
               <a:ext uri="{FF2B5EF4-FFF2-40B4-BE49-F238E27FC236}">
-                <a16:creationId xmlns:a16="http://schemas.microsoft.com/office/drawing/2014/main" id="{CB075141-875B-4CC9-9728-80AC4FA1DD27}"/>
+                <a16:creationId xmlns:a16="http://schemas.microsoft.com/office/drawing/2014/main" xmlns="" id="{CB075141-875B-4CC9-9728-80AC4FA1DD27}"/>
               </a:ext>
             </a:extLst>
           </p:cNvPr>
@@ -4927,7 +4927,7 @@
           <p:cNvPr id="122" name="Conector: angular 121">
             <a:extLst>
               <a:ext uri="{FF2B5EF4-FFF2-40B4-BE49-F238E27FC236}">
-                <a16:creationId xmlns:a16="http://schemas.microsoft.com/office/drawing/2014/main" id="{A1CEE9AD-E408-4D38-B5CC-B4707678293F}"/>
+                <a16:creationId xmlns:a16="http://schemas.microsoft.com/office/drawing/2014/main" xmlns="" id="{A1CEE9AD-E408-4D38-B5CC-B4707678293F}"/>
               </a:ext>
             </a:extLst>
           </p:cNvPr>
@@ -4971,7 +4971,7 @@
           <p:cNvPr id="130" name="175 CuadroTexto">
             <a:extLst>
               <a:ext uri="{FF2B5EF4-FFF2-40B4-BE49-F238E27FC236}">
-                <a16:creationId xmlns:a16="http://schemas.microsoft.com/office/drawing/2014/main" id="{AB690B61-7C20-467F-845A-B1B37F98CC5A}"/>
+                <a16:creationId xmlns:a16="http://schemas.microsoft.com/office/drawing/2014/main" xmlns="" id="{AB690B61-7C20-467F-845A-B1B37F98CC5A}"/>
               </a:ext>
             </a:extLst>
           </p:cNvPr>
@@ -5006,7 +5006,7 @@
           <p:cNvPr id="134" name="Conector: angular 133">
             <a:extLst>
               <a:ext uri="{FF2B5EF4-FFF2-40B4-BE49-F238E27FC236}">
-                <a16:creationId xmlns:a16="http://schemas.microsoft.com/office/drawing/2014/main" id="{EC64A691-6582-4A26-934D-FC7AA66E697D}"/>
+                <a16:creationId xmlns:a16="http://schemas.microsoft.com/office/drawing/2014/main" xmlns="" id="{EC64A691-6582-4A26-934D-FC7AA66E697D}"/>
               </a:ext>
             </a:extLst>
           </p:cNvPr>
@@ -5050,7 +5050,7 @@
           <p:cNvPr id="137" name="Conector: angular 136">
             <a:extLst>
               <a:ext uri="{FF2B5EF4-FFF2-40B4-BE49-F238E27FC236}">
-                <a16:creationId xmlns:a16="http://schemas.microsoft.com/office/drawing/2014/main" id="{ED8CA726-DFBE-4B85-98B7-8229576AD6C2}"/>
+                <a16:creationId xmlns:a16="http://schemas.microsoft.com/office/drawing/2014/main" xmlns="" id="{ED8CA726-DFBE-4B85-98B7-8229576AD6C2}"/>
               </a:ext>
             </a:extLst>
           </p:cNvPr>
@@ -5095,7 +5095,7 @@
           <p:cNvPr id="144" name="175 CuadroTexto">
             <a:extLst>
               <a:ext uri="{FF2B5EF4-FFF2-40B4-BE49-F238E27FC236}">
-                <a16:creationId xmlns:a16="http://schemas.microsoft.com/office/drawing/2014/main" id="{31822DB5-8191-48AA-8429-9CE3DF2CDAD2}"/>
+                <a16:creationId xmlns:a16="http://schemas.microsoft.com/office/drawing/2014/main" xmlns="" id="{31822DB5-8191-48AA-8429-9CE3DF2CDAD2}"/>
               </a:ext>
             </a:extLst>
           </p:cNvPr>
@@ -5130,7 +5130,7 @@
           <p:cNvPr id="145" name="175 CuadroTexto">
             <a:extLst>
               <a:ext uri="{FF2B5EF4-FFF2-40B4-BE49-F238E27FC236}">
-                <a16:creationId xmlns:a16="http://schemas.microsoft.com/office/drawing/2014/main" id="{90A4D8B2-B06A-4247-B9AA-4F33655EF8E4}"/>
+                <a16:creationId xmlns:a16="http://schemas.microsoft.com/office/drawing/2014/main" xmlns="" id="{90A4D8B2-B06A-4247-B9AA-4F33655EF8E4}"/>
               </a:ext>
             </a:extLst>
           </p:cNvPr>
@@ -5165,7 +5165,7 @@
           <p:cNvPr id="153" name="Conector recto 152">
             <a:extLst>
               <a:ext uri="{FF2B5EF4-FFF2-40B4-BE49-F238E27FC236}">
-                <a16:creationId xmlns:a16="http://schemas.microsoft.com/office/drawing/2014/main" id="{BEDEA13A-E2FC-4348-A26E-B9C601C5FCE1}"/>
+                <a16:creationId xmlns:a16="http://schemas.microsoft.com/office/drawing/2014/main" xmlns="" id="{BEDEA13A-E2FC-4348-A26E-B9C601C5FCE1}"/>
               </a:ext>
             </a:extLst>
           </p:cNvPr>
@@ -5203,7 +5203,7 @@
           <p:cNvPr id="159" name="Conector recto 158">
             <a:extLst>
               <a:ext uri="{FF2B5EF4-FFF2-40B4-BE49-F238E27FC236}">
-                <a16:creationId xmlns:a16="http://schemas.microsoft.com/office/drawing/2014/main" id="{969FFE8B-B4FB-428C-9EC6-12578292CC9F}"/>
+                <a16:creationId xmlns:a16="http://schemas.microsoft.com/office/drawing/2014/main" xmlns="" id="{969FFE8B-B4FB-428C-9EC6-12578292CC9F}"/>
               </a:ext>
             </a:extLst>
           </p:cNvPr>
@@ -5242,7 +5242,7 @@
           <p:cNvPr id="161" name="Conector: angular 160">
             <a:extLst>
               <a:ext uri="{FF2B5EF4-FFF2-40B4-BE49-F238E27FC236}">
-                <a16:creationId xmlns:a16="http://schemas.microsoft.com/office/drawing/2014/main" id="{DD4801D1-047F-4091-8A78-89EC28289D75}"/>
+                <a16:creationId xmlns:a16="http://schemas.microsoft.com/office/drawing/2014/main" xmlns="" id="{DD4801D1-047F-4091-8A78-89EC28289D75}"/>
               </a:ext>
             </a:extLst>
           </p:cNvPr>
@@ -5283,7 +5283,7 @@
           <p:cNvPr id="163" name="Conector: angular 162">
             <a:extLst>
               <a:ext uri="{FF2B5EF4-FFF2-40B4-BE49-F238E27FC236}">
-                <a16:creationId xmlns:a16="http://schemas.microsoft.com/office/drawing/2014/main" id="{0367ABA7-F358-42A9-9E91-9B4D78E25D5C}"/>
+                <a16:creationId xmlns:a16="http://schemas.microsoft.com/office/drawing/2014/main" xmlns="" id="{0367ABA7-F358-42A9-9E91-9B4D78E25D5C}"/>
               </a:ext>
             </a:extLst>
           </p:cNvPr>
@@ -5325,7 +5325,7 @@
           <p:cNvPr id="165" name="Conector: angular 164">
             <a:extLst>
               <a:ext uri="{FF2B5EF4-FFF2-40B4-BE49-F238E27FC236}">
-                <a16:creationId xmlns:a16="http://schemas.microsoft.com/office/drawing/2014/main" id="{B0C85432-13E5-4A77-A9DA-0880B48968CB}"/>
+                <a16:creationId xmlns:a16="http://schemas.microsoft.com/office/drawing/2014/main" xmlns="" id="{B0C85432-13E5-4A77-A9DA-0880B48968CB}"/>
               </a:ext>
             </a:extLst>
           </p:cNvPr>
@@ -5366,7 +5366,7 @@
           <p:cNvPr id="174" name="Conector recto 173">
             <a:extLst>
               <a:ext uri="{FF2B5EF4-FFF2-40B4-BE49-F238E27FC236}">
-                <a16:creationId xmlns:a16="http://schemas.microsoft.com/office/drawing/2014/main" id="{929F73AF-486F-45E2-90CA-D013C574FBF3}"/>
+                <a16:creationId xmlns:a16="http://schemas.microsoft.com/office/drawing/2014/main" xmlns="" id="{929F73AF-486F-45E2-90CA-D013C574FBF3}"/>
               </a:ext>
             </a:extLst>
           </p:cNvPr>
@@ -5404,7 +5404,7 @@
           <p:cNvPr id="177" name="Conector: angular 176">
             <a:extLst>
               <a:ext uri="{FF2B5EF4-FFF2-40B4-BE49-F238E27FC236}">
-                <a16:creationId xmlns:a16="http://schemas.microsoft.com/office/drawing/2014/main" id="{E5923340-1A82-4F17-81E5-AFEF9D6C686D}"/>
+                <a16:creationId xmlns:a16="http://schemas.microsoft.com/office/drawing/2014/main" xmlns="" id="{E5923340-1A82-4F17-81E5-AFEF9D6C686D}"/>
               </a:ext>
             </a:extLst>
           </p:cNvPr>
@@ -5445,7 +5445,7 @@
           <p:cNvPr id="194" name="175 CuadroTexto">
             <a:extLst>
               <a:ext uri="{FF2B5EF4-FFF2-40B4-BE49-F238E27FC236}">
-                <a16:creationId xmlns:a16="http://schemas.microsoft.com/office/drawing/2014/main" id="{7EC97272-B27C-41F9-91FE-493062A9291E}"/>
+                <a16:creationId xmlns:a16="http://schemas.microsoft.com/office/drawing/2014/main" xmlns="" id="{7EC97272-B27C-41F9-91FE-493062A9291E}"/>
               </a:ext>
             </a:extLst>
           </p:cNvPr>
@@ -5480,7 +5480,7 @@
           <p:cNvPr id="195" name="175 CuadroTexto">
             <a:extLst>
               <a:ext uri="{FF2B5EF4-FFF2-40B4-BE49-F238E27FC236}">
-                <a16:creationId xmlns:a16="http://schemas.microsoft.com/office/drawing/2014/main" id="{9213B773-9210-437D-B2A2-1B37A954D31F}"/>
+                <a16:creationId xmlns:a16="http://schemas.microsoft.com/office/drawing/2014/main" xmlns="" id="{9213B773-9210-437D-B2A2-1B37A954D31F}"/>
               </a:ext>
             </a:extLst>
           </p:cNvPr>
@@ -5515,7 +5515,7 @@
           <p:cNvPr id="196" name="175 CuadroTexto">
             <a:extLst>
               <a:ext uri="{FF2B5EF4-FFF2-40B4-BE49-F238E27FC236}">
-                <a16:creationId xmlns:a16="http://schemas.microsoft.com/office/drawing/2014/main" id="{E2BEB07C-4BCA-4F78-BB09-53757AA3B13C}"/>
+                <a16:creationId xmlns:a16="http://schemas.microsoft.com/office/drawing/2014/main" xmlns="" id="{E2BEB07C-4BCA-4F78-BB09-53757AA3B13C}"/>
               </a:ext>
             </a:extLst>
           </p:cNvPr>
@@ -5550,7 +5550,7 @@
           <p:cNvPr id="197" name="175 CuadroTexto">
             <a:extLst>
               <a:ext uri="{FF2B5EF4-FFF2-40B4-BE49-F238E27FC236}">
-                <a16:creationId xmlns:a16="http://schemas.microsoft.com/office/drawing/2014/main" id="{C44F39B8-5149-42AF-82B3-7611B04BFF40}"/>
+                <a16:creationId xmlns:a16="http://schemas.microsoft.com/office/drawing/2014/main" xmlns="" id="{C44F39B8-5149-42AF-82B3-7611B04BFF40}"/>
               </a:ext>
             </a:extLst>
           </p:cNvPr>
@@ -5585,7 +5585,7 @@
           <p:cNvPr id="201" name="31 Decisión">
             <a:extLst>
               <a:ext uri="{FF2B5EF4-FFF2-40B4-BE49-F238E27FC236}">
-                <a16:creationId xmlns:a16="http://schemas.microsoft.com/office/drawing/2014/main" id="{60ABF8F6-8F62-41B1-BC0D-48D486AF3059}"/>
+                <a16:creationId xmlns:a16="http://schemas.microsoft.com/office/drawing/2014/main" xmlns="" id="{60ABF8F6-8F62-41B1-BC0D-48D486AF3059}"/>
               </a:ext>
             </a:extLst>
           </p:cNvPr>
@@ -5641,7 +5641,7 @@
           <p:cNvPr id="208" name="Conector: angular 207">
             <a:extLst>
               <a:ext uri="{FF2B5EF4-FFF2-40B4-BE49-F238E27FC236}">
-                <a16:creationId xmlns:a16="http://schemas.microsoft.com/office/drawing/2014/main" id="{3CCED7F7-0BE2-4735-823D-366C51321C0D}"/>
+                <a16:creationId xmlns:a16="http://schemas.microsoft.com/office/drawing/2014/main" xmlns="" id="{3CCED7F7-0BE2-4735-823D-366C51321C0D}"/>
               </a:ext>
             </a:extLst>
           </p:cNvPr>
@@ -5691,7 +5691,7 @@
           <p:cNvPr id="213" name="Conector: angular 212">
             <a:extLst>
               <a:ext uri="{FF2B5EF4-FFF2-40B4-BE49-F238E27FC236}">
-                <a16:creationId xmlns:a16="http://schemas.microsoft.com/office/drawing/2014/main" id="{3A1EEC49-9729-440D-AC8E-DC779DF16D36}"/>
+                <a16:creationId xmlns:a16="http://schemas.microsoft.com/office/drawing/2014/main" xmlns="" id="{3A1EEC49-9729-440D-AC8E-DC779DF16D36}"/>
               </a:ext>
             </a:extLst>
           </p:cNvPr>
@@ -5740,7 +5740,7 @@
           <p:cNvPr id="217" name="Conector: angular 216">
             <a:extLst>
               <a:ext uri="{FF2B5EF4-FFF2-40B4-BE49-F238E27FC236}">
-                <a16:creationId xmlns:a16="http://schemas.microsoft.com/office/drawing/2014/main" id="{EE913D21-F63D-4BFD-8E0C-38C76A1778C5}"/>
+                <a16:creationId xmlns:a16="http://schemas.microsoft.com/office/drawing/2014/main" xmlns="" id="{EE913D21-F63D-4BFD-8E0C-38C76A1778C5}"/>
               </a:ext>
             </a:extLst>
           </p:cNvPr>
@@ -5790,7 +5790,7 @@
           <p:cNvPr id="225" name="Conector: angular 224">
             <a:extLst>
               <a:ext uri="{FF2B5EF4-FFF2-40B4-BE49-F238E27FC236}">
-                <a16:creationId xmlns:a16="http://schemas.microsoft.com/office/drawing/2014/main" id="{26C94E2A-B364-4C3D-9FAB-423A671A6B52}"/>
+                <a16:creationId xmlns:a16="http://schemas.microsoft.com/office/drawing/2014/main" xmlns="" id="{26C94E2A-B364-4C3D-9FAB-423A671A6B52}"/>
               </a:ext>
             </a:extLst>
           </p:cNvPr>
@@ -5841,7 +5841,7 @@
           <p:cNvPr id="221" name="Conector: angular 220">
             <a:extLst>
               <a:ext uri="{FF2B5EF4-FFF2-40B4-BE49-F238E27FC236}">
-                <a16:creationId xmlns:a16="http://schemas.microsoft.com/office/drawing/2014/main" id="{2FDBD4DE-ADD6-4204-AD92-352107B849C3}"/>
+                <a16:creationId xmlns:a16="http://schemas.microsoft.com/office/drawing/2014/main" xmlns="" id="{2FDBD4DE-ADD6-4204-AD92-352107B849C3}"/>
               </a:ext>
             </a:extLst>
           </p:cNvPr>
@@ -5891,7 +5891,7 @@
           <p:cNvPr id="230" name="Conector: angular 229">
             <a:extLst>
               <a:ext uri="{FF2B5EF4-FFF2-40B4-BE49-F238E27FC236}">
-                <a16:creationId xmlns:a16="http://schemas.microsoft.com/office/drawing/2014/main" id="{834A7EF9-B883-4BB3-9439-22DE9070DF06}"/>
+                <a16:creationId xmlns:a16="http://schemas.microsoft.com/office/drawing/2014/main" xmlns="" id="{834A7EF9-B883-4BB3-9439-22DE9070DF06}"/>
               </a:ext>
             </a:extLst>
           </p:cNvPr>
@@ -5941,7 +5941,7 @@
           <p:cNvPr id="233" name="Conector: angular 232">
             <a:extLst>
               <a:ext uri="{FF2B5EF4-FFF2-40B4-BE49-F238E27FC236}">
-                <a16:creationId xmlns:a16="http://schemas.microsoft.com/office/drawing/2014/main" id="{CCEC9E3F-AF1C-45A1-89DA-96FDC46493EC}"/>
+                <a16:creationId xmlns:a16="http://schemas.microsoft.com/office/drawing/2014/main" xmlns="" id="{CCEC9E3F-AF1C-45A1-89DA-96FDC46493EC}"/>
               </a:ext>
             </a:extLst>
           </p:cNvPr>
@@ -5992,7 +5992,7 @@
           <p:cNvPr id="97" name="7 Proceso">
             <a:extLst>
               <a:ext uri="{FF2B5EF4-FFF2-40B4-BE49-F238E27FC236}">
-                <a16:creationId xmlns:a16="http://schemas.microsoft.com/office/drawing/2014/main" id="{D9C2C512-290D-4D78-9155-BA2AC87C0AEE}"/>
+                <a16:creationId xmlns:a16="http://schemas.microsoft.com/office/drawing/2014/main" xmlns="" id="{D9C2C512-290D-4D78-9155-BA2AC87C0AEE}"/>
               </a:ext>
             </a:extLst>
           </p:cNvPr>
@@ -6049,7 +6049,7 @@
           <p:cNvPr id="89" name="7 Proceso">
             <a:extLst>
               <a:ext uri="{FF2B5EF4-FFF2-40B4-BE49-F238E27FC236}">
-                <a16:creationId xmlns:a16="http://schemas.microsoft.com/office/drawing/2014/main" id="{6141AEA9-5D4F-4044-BDE3-AC85958E0B8F}"/>
+                <a16:creationId xmlns:a16="http://schemas.microsoft.com/office/drawing/2014/main" xmlns="" id="{6141AEA9-5D4F-4044-BDE3-AC85958E0B8F}"/>
               </a:ext>
             </a:extLst>
           </p:cNvPr>
@@ -6106,7 +6106,7 @@
           <p:cNvPr id="85" name="7 Proceso">
             <a:extLst>
               <a:ext uri="{FF2B5EF4-FFF2-40B4-BE49-F238E27FC236}">
-                <a16:creationId xmlns:a16="http://schemas.microsoft.com/office/drawing/2014/main" id="{165D7C7B-01EC-4985-885D-131C8A170832}"/>
+                <a16:creationId xmlns:a16="http://schemas.microsoft.com/office/drawing/2014/main" xmlns="" id="{165D7C7B-01EC-4985-885D-131C8A170832}"/>
               </a:ext>
             </a:extLst>
           </p:cNvPr>
@@ -6163,7 +6163,7 @@
           <p:cNvPr id="112" name="7 Proceso">
             <a:extLst>
               <a:ext uri="{FF2B5EF4-FFF2-40B4-BE49-F238E27FC236}">
-                <a16:creationId xmlns:a16="http://schemas.microsoft.com/office/drawing/2014/main" id="{0419C9B3-2D9A-424E-B857-49DAEF5AE7A4}"/>
+                <a16:creationId xmlns:a16="http://schemas.microsoft.com/office/drawing/2014/main" xmlns="" id="{0419C9B3-2D9A-424E-B857-49DAEF5AE7A4}"/>
               </a:ext>
             </a:extLst>
           </p:cNvPr>
@@ -6220,7 +6220,7 @@
           <p:cNvPr id="180" name="7 Proceso">
             <a:extLst>
               <a:ext uri="{FF2B5EF4-FFF2-40B4-BE49-F238E27FC236}">
-                <a16:creationId xmlns:a16="http://schemas.microsoft.com/office/drawing/2014/main" id="{531BEAA3-3C3E-4BF5-9113-6A39E592295B}"/>
+                <a16:creationId xmlns:a16="http://schemas.microsoft.com/office/drawing/2014/main" xmlns="" id="{531BEAA3-3C3E-4BF5-9113-6A39E592295B}"/>
               </a:ext>
             </a:extLst>
           </p:cNvPr>
@@ -6272,7 +6272,7 @@
           <p:cNvPr id="106" name="7 Proceso">
             <a:extLst>
               <a:ext uri="{FF2B5EF4-FFF2-40B4-BE49-F238E27FC236}">
-                <a16:creationId xmlns:a16="http://schemas.microsoft.com/office/drawing/2014/main" id="{41EB4011-33F4-452E-ABA0-6590081029DD}"/>
+                <a16:creationId xmlns:a16="http://schemas.microsoft.com/office/drawing/2014/main" xmlns="" id="{41EB4011-33F4-452E-ABA0-6590081029DD}"/>
               </a:ext>
             </a:extLst>
           </p:cNvPr>
@@ -6329,7 +6329,7 @@
           <p:cNvPr id="103" name="7 Proceso">
             <a:extLst>
               <a:ext uri="{FF2B5EF4-FFF2-40B4-BE49-F238E27FC236}">
-                <a16:creationId xmlns:a16="http://schemas.microsoft.com/office/drawing/2014/main" id="{94ED0AD6-104B-4116-9C12-FC84F9F8117B}"/>
+                <a16:creationId xmlns:a16="http://schemas.microsoft.com/office/drawing/2014/main" xmlns="" id="{94ED0AD6-104B-4116-9C12-FC84F9F8117B}"/>
               </a:ext>
             </a:extLst>
           </p:cNvPr>
@@ -6384,7 +6384,7 @@
     </p:spTree>
     <p:extLst>
       <p:ext uri="{BB962C8B-B14F-4D97-AF65-F5344CB8AC3E}">
-        <p14:creationId xmlns:p14="http://schemas.microsoft.com/office/powerpoint/2010/main" val="2834901707"/>
+        <p14:creationId xmlns:p14="http://schemas.microsoft.com/office/powerpoint/2010/main" xmlns="" val="2834901707"/>
       </p:ext>
     </p:extLst>
   </p:cSld>
@@ -6416,7 +6416,7 @@
           <p:cNvPr id="6" name="31 Decisión">
             <a:extLst>
               <a:ext uri="{FF2B5EF4-FFF2-40B4-BE49-F238E27FC236}">
-                <a16:creationId xmlns:a16="http://schemas.microsoft.com/office/drawing/2014/main" id="{B39432B3-D822-436D-995B-328980DA7E8E}"/>
+                <a16:creationId xmlns:a16="http://schemas.microsoft.com/office/drawing/2014/main" xmlns="" id="{B39432B3-D822-436D-995B-328980DA7E8E}"/>
               </a:ext>
             </a:extLst>
           </p:cNvPr>
@@ -6472,7 +6472,7 @@
           <p:cNvPr id="7" name="32 Preparación">
             <a:extLst>
               <a:ext uri="{FF2B5EF4-FFF2-40B4-BE49-F238E27FC236}">
-                <a16:creationId xmlns:a16="http://schemas.microsoft.com/office/drawing/2014/main" id="{F7165433-8FE5-4949-8C59-F6CC5B9E1D7F}"/>
+                <a16:creationId xmlns:a16="http://schemas.microsoft.com/office/drawing/2014/main" xmlns="" id="{F7165433-8FE5-4949-8C59-F6CC5B9E1D7F}"/>
               </a:ext>
             </a:extLst>
           </p:cNvPr>
@@ -6531,7 +6531,7 @@
           <p:cNvPr id="5" name="Imagen 4">
             <a:extLst>
               <a:ext uri="{FF2B5EF4-FFF2-40B4-BE49-F238E27FC236}">
-                <a16:creationId xmlns:a16="http://schemas.microsoft.com/office/drawing/2014/main" id="{C3061DD9-6080-4CAF-B4D2-C967C450D583}"/>
+                <a16:creationId xmlns:a16="http://schemas.microsoft.com/office/drawing/2014/main" xmlns="" id="{C3061DD9-6080-4CAF-B4D2-C967C450D583}"/>
               </a:ext>
             </a:extLst>
           </p:cNvPr>
@@ -6541,7 +6541,7 @@
           <p:nvPr/>
         </p:nvPicPr>
         <p:blipFill rotWithShape="1">
-          <a:blip r:embed="rId2"/>
+          <a:blip r:embed="rId2" cstate="print"/>
           <a:srcRect t="1252"/>
           <a:stretch/>
         </p:blipFill>
@@ -6560,7 +6560,7 @@
           <p:cNvPr id="12" name="3 Conector">
             <a:extLst>
               <a:ext uri="{FF2B5EF4-FFF2-40B4-BE49-F238E27FC236}">
-                <a16:creationId xmlns:a16="http://schemas.microsoft.com/office/drawing/2014/main" id="{80525C14-D4CA-42E5-8A39-D43F2D5CC5BB}"/>
+                <a16:creationId xmlns:a16="http://schemas.microsoft.com/office/drawing/2014/main" xmlns="" id="{80525C14-D4CA-42E5-8A39-D43F2D5CC5BB}"/>
               </a:ext>
             </a:extLst>
           </p:cNvPr>
@@ -6616,7 +6616,7 @@
           <p:cNvPr id="14" name="Conector recto de flecha 13">
             <a:extLst>
               <a:ext uri="{FF2B5EF4-FFF2-40B4-BE49-F238E27FC236}">
-                <a16:creationId xmlns:a16="http://schemas.microsoft.com/office/drawing/2014/main" id="{77F74748-C203-473A-96C6-A7FD9533BCB5}"/>
+                <a16:creationId xmlns:a16="http://schemas.microsoft.com/office/drawing/2014/main" xmlns="" id="{77F74748-C203-473A-96C6-A7FD9533BCB5}"/>
               </a:ext>
             </a:extLst>
           </p:cNvPr>
@@ -6658,7 +6658,7 @@
           <p:cNvPr id="9" name="Conector: angular 8">
             <a:extLst>
               <a:ext uri="{FF2B5EF4-FFF2-40B4-BE49-F238E27FC236}">
-                <a16:creationId xmlns:a16="http://schemas.microsoft.com/office/drawing/2014/main" id="{4CCBB884-A80C-45DD-9A38-BCA3CE440D95}"/>
+                <a16:creationId xmlns:a16="http://schemas.microsoft.com/office/drawing/2014/main" xmlns="" id="{4CCBB884-A80C-45DD-9A38-BCA3CE440D95}"/>
               </a:ext>
             </a:extLst>
           </p:cNvPr>
@@ -6703,7 +6703,7 @@
           <p:cNvPr id="17" name="175 CuadroTexto">
             <a:extLst>
               <a:ext uri="{FF2B5EF4-FFF2-40B4-BE49-F238E27FC236}">
-                <a16:creationId xmlns:a16="http://schemas.microsoft.com/office/drawing/2014/main" id="{EC925446-0228-46C8-8604-E0A11BF06C78}"/>
+                <a16:creationId xmlns:a16="http://schemas.microsoft.com/office/drawing/2014/main" xmlns="" id="{EC925446-0228-46C8-8604-E0A11BF06C78}"/>
               </a:ext>
             </a:extLst>
           </p:cNvPr>
@@ -6738,7 +6738,7 @@
           <p:cNvPr id="18" name="175 CuadroTexto">
             <a:extLst>
               <a:ext uri="{FF2B5EF4-FFF2-40B4-BE49-F238E27FC236}">
-                <a16:creationId xmlns:a16="http://schemas.microsoft.com/office/drawing/2014/main" id="{EECBDCF9-9EEE-44F4-8939-B4AFBFD7C1BF}"/>
+                <a16:creationId xmlns:a16="http://schemas.microsoft.com/office/drawing/2014/main" xmlns="" id="{EECBDCF9-9EEE-44F4-8939-B4AFBFD7C1BF}"/>
               </a:ext>
             </a:extLst>
           </p:cNvPr>
@@ -6773,7 +6773,7 @@
           <p:cNvPr id="19" name="62 Rectángulo">
             <a:extLst>
               <a:ext uri="{FF2B5EF4-FFF2-40B4-BE49-F238E27FC236}">
-                <a16:creationId xmlns:a16="http://schemas.microsoft.com/office/drawing/2014/main" id="{7020EBE3-4327-40D5-B243-D11F97E3F170}"/>
+                <a16:creationId xmlns:a16="http://schemas.microsoft.com/office/drawing/2014/main" xmlns="" id="{7020EBE3-4327-40D5-B243-D11F97E3F170}"/>
               </a:ext>
             </a:extLst>
           </p:cNvPr>
@@ -6912,7 +6912,7 @@
           <p:cNvPr id="13" name="7 Proceso">
             <a:extLst>
               <a:ext uri="{FF2B5EF4-FFF2-40B4-BE49-F238E27FC236}">
-                <a16:creationId xmlns:a16="http://schemas.microsoft.com/office/drawing/2014/main" id="{C73C06A8-6545-478A-887F-969067FDE7D8}"/>
+                <a16:creationId xmlns:a16="http://schemas.microsoft.com/office/drawing/2014/main" xmlns="" id="{C73C06A8-6545-478A-887F-969067FDE7D8}"/>
               </a:ext>
             </a:extLst>
           </p:cNvPr>
@@ -6967,7 +6967,7 @@
     </p:spTree>
     <p:extLst>
       <p:ext uri="{BB962C8B-B14F-4D97-AF65-F5344CB8AC3E}">
-        <p14:creationId xmlns:p14="http://schemas.microsoft.com/office/powerpoint/2010/main" val="4062949135"/>
+        <p14:creationId xmlns:p14="http://schemas.microsoft.com/office/powerpoint/2010/main" xmlns="" val="4062949135"/>
       </p:ext>
     </p:extLst>
   </p:cSld>
@@ -7709,7 +7709,7 @@
           <p:cNvPr id="4" name="3 Conector">
             <a:extLst>
               <a:ext uri="{FF2B5EF4-FFF2-40B4-BE49-F238E27FC236}">
-                <a16:creationId xmlns:a16="http://schemas.microsoft.com/office/drawing/2014/main" id="{8049DCD1-86D9-4082-89C4-92ADC3B6F010}"/>
+                <a16:creationId xmlns:a16="http://schemas.microsoft.com/office/drawing/2014/main" xmlns="" id="{8049DCD1-86D9-4082-89C4-92ADC3B6F010}"/>
               </a:ext>
             </a:extLst>
           </p:cNvPr>
@@ -7765,7 +7765,7 @@
           <p:cNvPr id="5" name="5 Proceso">
             <a:extLst>
               <a:ext uri="{FF2B5EF4-FFF2-40B4-BE49-F238E27FC236}">
-                <a16:creationId xmlns:a16="http://schemas.microsoft.com/office/drawing/2014/main" id="{2BBD12E4-18CC-40ED-B8D8-689468FB42C2}"/>
+                <a16:creationId xmlns:a16="http://schemas.microsoft.com/office/drawing/2014/main" xmlns="" id="{2BBD12E4-18CC-40ED-B8D8-689468FB42C2}"/>
               </a:ext>
             </a:extLst>
           </p:cNvPr>
@@ -7841,7 +7841,7 @@
           <p:cNvPr id="6" name="8 Conector recto">
             <a:extLst>
               <a:ext uri="{FF2B5EF4-FFF2-40B4-BE49-F238E27FC236}">
-                <a16:creationId xmlns:a16="http://schemas.microsoft.com/office/drawing/2014/main" id="{727C0365-1DB0-4CF1-9D5F-F77116958828}"/>
+                <a16:creationId xmlns:a16="http://schemas.microsoft.com/office/drawing/2014/main" xmlns="" id="{727C0365-1DB0-4CF1-9D5F-F77116958828}"/>
               </a:ext>
             </a:extLst>
           </p:cNvPr>
@@ -7881,7 +7881,7 @@
           <p:cNvPr id="13" name="18 Proceso">
             <a:extLst>
               <a:ext uri="{FF2B5EF4-FFF2-40B4-BE49-F238E27FC236}">
-                <a16:creationId xmlns:a16="http://schemas.microsoft.com/office/drawing/2014/main" id="{0D9AFC99-BD23-40FB-BC07-88C2F939EBD9}"/>
+                <a16:creationId xmlns:a16="http://schemas.microsoft.com/office/drawing/2014/main" xmlns="" id="{0D9AFC99-BD23-40FB-BC07-88C2F939EBD9}"/>
               </a:ext>
             </a:extLst>
           </p:cNvPr>
@@ -7937,7 +7937,7 @@
           <p:cNvPr id="15" name="18 Proceso">
             <a:extLst>
               <a:ext uri="{FF2B5EF4-FFF2-40B4-BE49-F238E27FC236}">
-                <a16:creationId xmlns:a16="http://schemas.microsoft.com/office/drawing/2014/main" id="{FC30BD99-85E6-4AB8-8921-21737CCAC8F2}"/>
+                <a16:creationId xmlns:a16="http://schemas.microsoft.com/office/drawing/2014/main" xmlns="" id="{FC30BD99-85E6-4AB8-8921-21737CCAC8F2}"/>
               </a:ext>
             </a:extLst>
           </p:cNvPr>
@@ -7989,7 +7989,7 @@
           <p:cNvPr id="17" name="Conector recto de flecha 16">
             <a:extLst>
               <a:ext uri="{FF2B5EF4-FFF2-40B4-BE49-F238E27FC236}">
-                <a16:creationId xmlns:a16="http://schemas.microsoft.com/office/drawing/2014/main" id="{869B742F-E233-4CF7-9427-ACD67B2C9625}"/>
+                <a16:creationId xmlns:a16="http://schemas.microsoft.com/office/drawing/2014/main" xmlns="" id="{869B742F-E233-4CF7-9427-ACD67B2C9625}"/>
               </a:ext>
             </a:extLst>
           </p:cNvPr>
@@ -8032,7 +8032,7 @@
           <p:cNvPr id="21" name="18 Proceso">
             <a:extLst>
               <a:ext uri="{FF2B5EF4-FFF2-40B4-BE49-F238E27FC236}">
-                <a16:creationId xmlns:a16="http://schemas.microsoft.com/office/drawing/2014/main" id="{1D7EA22B-DF71-43C4-8CBB-B146BCAD8F5D}"/>
+                <a16:creationId xmlns:a16="http://schemas.microsoft.com/office/drawing/2014/main" xmlns="" id="{1D7EA22B-DF71-43C4-8CBB-B146BCAD8F5D}"/>
               </a:ext>
             </a:extLst>
           </p:cNvPr>
@@ -8088,7 +8088,7 @@
           <p:cNvPr id="22" name="18 Proceso">
             <a:extLst>
               <a:ext uri="{FF2B5EF4-FFF2-40B4-BE49-F238E27FC236}">
-                <a16:creationId xmlns:a16="http://schemas.microsoft.com/office/drawing/2014/main" id="{95C7C69D-CCC4-45A9-93FD-5B50DB27A23D}"/>
+                <a16:creationId xmlns:a16="http://schemas.microsoft.com/office/drawing/2014/main" xmlns="" id="{95C7C69D-CCC4-45A9-93FD-5B50DB27A23D}"/>
               </a:ext>
             </a:extLst>
           </p:cNvPr>
@@ -8140,7 +8140,7 @@
           <p:cNvPr id="24" name="Conector recto 23">
             <a:extLst>
               <a:ext uri="{FF2B5EF4-FFF2-40B4-BE49-F238E27FC236}">
-                <a16:creationId xmlns:a16="http://schemas.microsoft.com/office/drawing/2014/main" id="{DFE5421C-5370-449A-ABD6-76DEF3ED39E2}"/>
+                <a16:creationId xmlns:a16="http://schemas.microsoft.com/office/drawing/2014/main" xmlns="" id="{DFE5421C-5370-449A-ABD6-76DEF3ED39E2}"/>
               </a:ext>
             </a:extLst>
           </p:cNvPr>
@@ -8180,7 +8180,7 @@
           <p:cNvPr id="26" name="Conector recto 25">
             <a:extLst>
               <a:ext uri="{FF2B5EF4-FFF2-40B4-BE49-F238E27FC236}">
-                <a16:creationId xmlns:a16="http://schemas.microsoft.com/office/drawing/2014/main" id="{E259EBD5-9196-473B-AABA-23DA0D7E187F}"/>
+                <a16:creationId xmlns:a16="http://schemas.microsoft.com/office/drawing/2014/main" xmlns="" id="{E259EBD5-9196-473B-AABA-23DA0D7E187F}"/>
               </a:ext>
             </a:extLst>
           </p:cNvPr>
@@ -8220,7 +8220,7 @@
           <p:cNvPr id="28" name="Conector recto 27">
             <a:extLst>
               <a:ext uri="{FF2B5EF4-FFF2-40B4-BE49-F238E27FC236}">
-                <a16:creationId xmlns:a16="http://schemas.microsoft.com/office/drawing/2014/main" id="{16AB5AC7-1B9C-4295-83F9-8DE8C24A5518}"/>
+                <a16:creationId xmlns:a16="http://schemas.microsoft.com/office/drawing/2014/main" xmlns="" id="{16AB5AC7-1B9C-4295-83F9-8DE8C24A5518}"/>
               </a:ext>
             </a:extLst>
           </p:cNvPr>
@@ -8260,7 +8260,7 @@
           <p:cNvPr id="47" name="31 Decisión">
             <a:extLst>
               <a:ext uri="{FF2B5EF4-FFF2-40B4-BE49-F238E27FC236}">
-                <a16:creationId xmlns:a16="http://schemas.microsoft.com/office/drawing/2014/main" id="{84D209CB-B32E-4707-B4A4-2FA9782EA58F}"/>
+                <a16:creationId xmlns:a16="http://schemas.microsoft.com/office/drawing/2014/main" xmlns="" id="{84D209CB-B32E-4707-B4A4-2FA9782EA58F}"/>
               </a:ext>
             </a:extLst>
           </p:cNvPr>
@@ -8332,7 +8332,7 @@
           <p:cNvPr id="49" name="Conector recto 48">
             <a:extLst>
               <a:ext uri="{FF2B5EF4-FFF2-40B4-BE49-F238E27FC236}">
-                <a16:creationId xmlns:a16="http://schemas.microsoft.com/office/drawing/2014/main" id="{3BCF3CC7-E684-4E99-9D1E-525AF1AFAAAC}"/>
+                <a16:creationId xmlns:a16="http://schemas.microsoft.com/office/drawing/2014/main" xmlns="" id="{3BCF3CC7-E684-4E99-9D1E-525AF1AFAAAC}"/>
               </a:ext>
             </a:extLst>
           </p:cNvPr>
@@ -8372,7 +8372,7 @@
           <p:cNvPr id="51" name="Conector: angular 50">
             <a:extLst>
               <a:ext uri="{FF2B5EF4-FFF2-40B4-BE49-F238E27FC236}">
-                <a16:creationId xmlns:a16="http://schemas.microsoft.com/office/drawing/2014/main" id="{FDEB2ED1-6A43-4AC5-85BF-95478641B8FA}"/>
+                <a16:creationId xmlns:a16="http://schemas.microsoft.com/office/drawing/2014/main" xmlns="" id="{FDEB2ED1-6A43-4AC5-85BF-95478641B8FA}"/>
               </a:ext>
             </a:extLst>
           </p:cNvPr>
@@ -8417,7 +8417,7 @@
           <p:cNvPr id="59" name="175 CuadroTexto">
             <a:extLst>
               <a:ext uri="{FF2B5EF4-FFF2-40B4-BE49-F238E27FC236}">
-                <a16:creationId xmlns:a16="http://schemas.microsoft.com/office/drawing/2014/main" id="{BC2594B3-3F59-49AD-AFD2-E62B011BD1A6}"/>
+                <a16:creationId xmlns:a16="http://schemas.microsoft.com/office/drawing/2014/main" xmlns="" id="{BC2594B3-3F59-49AD-AFD2-E62B011BD1A6}"/>
               </a:ext>
             </a:extLst>
           </p:cNvPr>
@@ -8452,7 +8452,7 @@
           <p:cNvPr id="60" name="3 Decisión">
             <a:extLst>
               <a:ext uri="{FF2B5EF4-FFF2-40B4-BE49-F238E27FC236}">
-                <a16:creationId xmlns:a16="http://schemas.microsoft.com/office/drawing/2014/main" id="{0D6AE52A-7768-4E3E-BF3C-8EAE68926978}"/>
+                <a16:creationId xmlns:a16="http://schemas.microsoft.com/office/drawing/2014/main" xmlns="" id="{0D6AE52A-7768-4E3E-BF3C-8EAE68926978}"/>
               </a:ext>
             </a:extLst>
           </p:cNvPr>
@@ -8525,7 +8525,7 @@
           <p:cNvPr id="62" name="Conector recto de flecha 61">
             <a:extLst>
               <a:ext uri="{FF2B5EF4-FFF2-40B4-BE49-F238E27FC236}">
-                <a16:creationId xmlns:a16="http://schemas.microsoft.com/office/drawing/2014/main" id="{9247AC1A-8D28-42F0-8743-B9D6438D4548}"/>
+                <a16:creationId xmlns:a16="http://schemas.microsoft.com/office/drawing/2014/main" xmlns="" id="{9247AC1A-8D28-42F0-8743-B9D6438D4548}"/>
               </a:ext>
             </a:extLst>
           </p:cNvPr>
@@ -8567,7 +8567,7 @@
           <p:cNvPr id="93" name="18 Proceso">
             <a:extLst>
               <a:ext uri="{FF2B5EF4-FFF2-40B4-BE49-F238E27FC236}">
-                <a16:creationId xmlns:a16="http://schemas.microsoft.com/office/drawing/2014/main" id="{3BE4695E-1724-46F9-9FD1-29252B02A361}"/>
+                <a16:creationId xmlns:a16="http://schemas.microsoft.com/office/drawing/2014/main" xmlns="" id="{3BE4695E-1724-46F9-9FD1-29252B02A361}"/>
               </a:ext>
             </a:extLst>
           </p:cNvPr>
@@ -8619,7 +8619,7 @@
           <p:cNvPr id="94" name="18 Proceso">
             <a:extLst>
               <a:ext uri="{FF2B5EF4-FFF2-40B4-BE49-F238E27FC236}">
-                <a16:creationId xmlns:a16="http://schemas.microsoft.com/office/drawing/2014/main" id="{39AAB048-B9D7-4BA2-BAF4-F66EFD655665}"/>
+                <a16:creationId xmlns:a16="http://schemas.microsoft.com/office/drawing/2014/main" xmlns="" id="{39AAB048-B9D7-4BA2-BAF4-F66EFD655665}"/>
               </a:ext>
             </a:extLst>
           </p:cNvPr>
@@ -8671,7 +8671,7 @@
           <p:cNvPr id="96" name="Conector recto de flecha 95">
             <a:extLst>
               <a:ext uri="{FF2B5EF4-FFF2-40B4-BE49-F238E27FC236}">
-                <a16:creationId xmlns:a16="http://schemas.microsoft.com/office/drawing/2014/main" id="{FEE1C5C9-7A95-46E6-8F97-F21E09C03793}"/>
+                <a16:creationId xmlns:a16="http://schemas.microsoft.com/office/drawing/2014/main" xmlns="" id="{FEE1C5C9-7A95-46E6-8F97-F21E09C03793}"/>
               </a:ext>
             </a:extLst>
           </p:cNvPr>
@@ -8713,7 +8713,7 @@
           <p:cNvPr id="98" name="Conector recto de flecha 97">
             <a:extLst>
               <a:ext uri="{FF2B5EF4-FFF2-40B4-BE49-F238E27FC236}">
-                <a16:creationId xmlns:a16="http://schemas.microsoft.com/office/drawing/2014/main" id="{3B3DC348-EFAA-4B36-8D9A-570457A408D5}"/>
+                <a16:creationId xmlns:a16="http://schemas.microsoft.com/office/drawing/2014/main" xmlns="" id="{3B3DC348-EFAA-4B36-8D9A-570457A408D5}"/>
               </a:ext>
             </a:extLst>
           </p:cNvPr>
@@ -8755,7 +8755,7 @@
           <p:cNvPr id="106" name="175 CuadroTexto">
             <a:extLst>
               <a:ext uri="{FF2B5EF4-FFF2-40B4-BE49-F238E27FC236}">
-                <a16:creationId xmlns:a16="http://schemas.microsoft.com/office/drawing/2014/main" id="{ACB66E92-82E6-442A-A085-15095B8FA640}"/>
+                <a16:creationId xmlns:a16="http://schemas.microsoft.com/office/drawing/2014/main" xmlns="" id="{ACB66E92-82E6-442A-A085-15095B8FA640}"/>
               </a:ext>
             </a:extLst>
           </p:cNvPr>
@@ -8790,7 +8790,7 @@
           <p:cNvPr id="107" name="175 CuadroTexto">
             <a:extLst>
               <a:ext uri="{FF2B5EF4-FFF2-40B4-BE49-F238E27FC236}">
-                <a16:creationId xmlns:a16="http://schemas.microsoft.com/office/drawing/2014/main" id="{B2A8759A-9C07-444B-992B-FD05014AEB03}"/>
+                <a16:creationId xmlns:a16="http://schemas.microsoft.com/office/drawing/2014/main" xmlns="" id="{B2A8759A-9C07-444B-992B-FD05014AEB03}"/>
               </a:ext>
             </a:extLst>
           </p:cNvPr>
@@ -8825,7 +8825,7 @@
           <p:cNvPr id="108" name="175 CuadroTexto">
             <a:extLst>
               <a:ext uri="{FF2B5EF4-FFF2-40B4-BE49-F238E27FC236}">
-                <a16:creationId xmlns:a16="http://schemas.microsoft.com/office/drawing/2014/main" id="{32FF6BE6-D1DF-46E5-9C79-1ED662C539CF}"/>
+                <a16:creationId xmlns:a16="http://schemas.microsoft.com/office/drawing/2014/main" xmlns="" id="{32FF6BE6-D1DF-46E5-9C79-1ED662C539CF}"/>
               </a:ext>
             </a:extLst>
           </p:cNvPr>
@@ -8860,7 +8860,7 @@
           <p:cNvPr id="109" name="3 Conector">
             <a:extLst>
               <a:ext uri="{FF2B5EF4-FFF2-40B4-BE49-F238E27FC236}">
-                <a16:creationId xmlns:a16="http://schemas.microsoft.com/office/drawing/2014/main" id="{94E44A85-E212-4606-81E3-8F9209E12EC3}"/>
+                <a16:creationId xmlns:a16="http://schemas.microsoft.com/office/drawing/2014/main" xmlns="" id="{94E44A85-E212-4606-81E3-8F9209E12EC3}"/>
               </a:ext>
             </a:extLst>
           </p:cNvPr>
@@ -8932,7 +8932,7 @@
           <p:cNvPr id="111" name="Conector recto de flecha 110">
             <a:extLst>
               <a:ext uri="{FF2B5EF4-FFF2-40B4-BE49-F238E27FC236}">
-                <a16:creationId xmlns:a16="http://schemas.microsoft.com/office/drawing/2014/main" id="{42517A66-EFAF-446E-8186-35D05850D618}"/>
+                <a16:creationId xmlns:a16="http://schemas.microsoft.com/office/drawing/2014/main" xmlns="" id="{42517A66-EFAF-446E-8186-35D05850D618}"/>
               </a:ext>
             </a:extLst>
           </p:cNvPr>
@@ -8975,7 +8975,7 @@
           <p:cNvPr id="113" name="Conector recto de flecha 112">
             <a:extLst>
               <a:ext uri="{FF2B5EF4-FFF2-40B4-BE49-F238E27FC236}">
-                <a16:creationId xmlns:a16="http://schemas.microsoft.com/office/drawing/2014/main" id="{5687BD0F-863B-4320-A3D7-345CE9845F53}"/>
+                <a16:creationId xmlns:a16="http://schemas.microsoft.com/office/drawing/2014/main" xmlns="" id="{5687BD0F-863B-4320-A3D7-345CE9845F53}"/>
               </a:ext>
             </a:extLst>
           </p:cNvPr>
@@ -9018,7 +9018,7 @@
           <p:cNvPr id="122" name="62 Rectángulo">
             <a:extLst>
               <a:ext uri="{FF2B5EF4-FFF2-40B4-BE49-F238E27FC236}">
-                <a16:creationId xmlns:a16="http://schemas.microsoft.com/office/drawing/2014/main" id="{EEB0C26C-1B5F-47FE-BCBB-7541BA7C7256}"/>
+                <a16:creationId xmlns:a16="http://schemas.microsoft.com/office/drawing/2014/main" xmlns="" id="{EEB0C26C-1B5F-47FE-BCBB-7541BA7C7256}"/>
               </a:ext>
             </a:extLst>
           </p:cNvPr>
@@ -9103,7 +9103,7 @@
     </p:spTree>
     <p:extLst>
       <p:ext uri="{BB962C8B-B14F-4D97-AF65-F5344CB8AC3E}">
-        <p14:creationId xmlns:p14="http://schemas.microsoft.com/office/powerpoint/2010/main" val="2880129296"/>
+        <p14:creationId xmlns:p14="http://schemas.microsoft.com/office/powerpoint/2010/main" xmlns="" val="2880129296"/>
       </p:ext>
     </p:extLst>
   </p:cSld>
@@ -10316,7 +10316,7 @@
           <p:cNvPr id="34" name="3 Conector">
             <a:extLst>
               <a:ext uri="{FF2B5EF4-FFF2-40B4-BE49-F238E27FC236}">
-                <a16:creationId xmlns:a16="http://schemas.microsoft.com/office/drawing/2014/main" id="{1D59F02B-6C80-4079-8377-759E4C7E6E57}"/>
+                <a16:creationId xmlns:a16="http://schemas.microsoft.com/office/drawing/2014/main" xmlns="" id="{1D59F02B-6C80-4079-8377-759E4C7E6E57}"/>
               </a:ext>
             </a:extLst>
           </p:cNvPr>
@@ -10466,7 +10466,7 @@
         </p:nvSpPr>
         <p:spPr>
           <a:xfrm>
-            <a:off x="3851920" y="2060848"/>
+            <a:off x="3851920" y="1988840"/>
             <a:ext cx="1872208" cy="432048"/>
           </a:xfrm>
           <a:prstGeom prst="flowChartProcess">
@@ -10498,13 +10498,14 @@
           <a:p>
             <a:pPr algn="ctr"/>
             <a:r>
-              <a:rPr lang="es-ES" dirty="0" err="1"/>
+              <a:rPr lang="es-ES" dirty="0" err="1" smtClean="0"/>
               <a:t>verTabla</a:t>
             </a:r>
             <a:r>
-              <a:rPr lang="es-ES" dirty="0"/>
+              <a:rPr lang="es-ES" dirty="0" smtClean="0"/>
               <a:t>= “”</a:t>
             </a:r>
+            <a:endParaRPr lang="es-ES" dirty="0"/>
           </a:p>
         </p:txBody>
       </p:sp>
@@ -10516,7 +10517,7 @@
         </p:nvSpPr>
         <p:spPr>
           <a:xfrm>
-            <a:off x="3131840" y="4005064"/>
+            <a:off x="3131840" y="3645024"/>
             <a:ext cx="3312368" cy="504056"/>
           </a:xfrm>
           <a:prstGeom prst="flowChartProcess">
@@ -10548,21 +10549,22 @@
           <a:p>
             <a:pPr algn="ctr"/>
             <a:r>
-              <a:rPr lang="es-ES" dirty="0" err="1"/>
+              <a:rPr lang="es-ES" dirty="0" err="1" smtClean="0"/>
               <a:t>verTabla</a:t>
             </a:r>
             <a:r>
-              <a:rPr lang="es-ES" dirty="0"/>
+              <a:rPr lang="es-ES" dirty="0" smtClean="0"/>
               <a:t>+= " "+</a:t>
             </a:r>
             <a:r>
-              <a:rPr lang="es-ES" dirty="0" err="1"/>
+              <a:rPr lang="es-ES" dirty="0" err="1" smtClean="0"/>
               <a:t>libreria</a:t>
             </a:r>
             <a:r>
-              <a:rPr lang="es-ES" dirty="0"/>
+              <a:rPr lang="es-ES" dirty="0" smtClean="0"/>
               <a:t>[i][j]</a:t>
             </a:r>
+            <a:endParaRPr lang="es-ES" dirty="0"/>
           </a:p>
         </p:txBody>
       </p:sp>
@@ -10574,7 +10576,7 @@
         </p:nvSpPr>
         <p:spPr>
           <a:xfrm>
-            <a:off x="3131840" y="5013176"/>
+            <a:off x="3131840" y="5085184"/>
             <a:ext cx="3312368" cy="504056"/>
           </a:xfrm>
           <a:prstGeom prst="flowChartProcess">
@@ -10606,11 +10608,11 @@
           <a:p>
             <a:pPr algn="ctr"/>
             <a:r>
-              <a:rPr lang="es-ES" dirty="0"/>
+              <a:rPr lang="es-ES" dirty="0" smtClean="0"/>
               <a:t>Escribir por pantalla </a:t>
             </a:r>
             <a:r>
-              <a:rPr lang="es-ES" dirty="0" err="1"/>
+              <a:rPr lang="es-ES" dirty="0" err="1" smtClean="0"/>
               <a:t>verTabla</a:t>
             </a:r>
             <a:endParaRPr lang="es-ES" dirty="0"/>
@@ -10625,7 +10627,7 @@
         </p:nvSpPr>
         <p:spPr>
           <a:xfrm>
-            <a:off x="4572000" y="6165304"/>
+            <a:off x="4572000" y="6381328"/>
             <a:ext cx="432048" cy="432048"/>
           </a:xfrm>
           <a:prstGeom prst="flowChartConnector">
@@ -10675,7 +10677,7 @@
         </p:nvSpPr>
         <p:spPr>
           <a:xfrm>
-            <a:off x="2843808" y="3635732"/>
+            <a:off x="4283968" y="4293096"/>
             <a:ext cx="360040" cy="369332"/>
           </a:xfrm>
           <a:prstGeom prst="rect">
@@ -10690,9 +10692,10 @@
           <a:lstStyle/>
           <a:p>
             <a:r>
-              <a:rPr lang="es-ES" dirty="0"/>
+              <a:rPr lang="es-ES" dirty="0" smtClean="0"/>
               <a:t>Sí</a:t>
             </a:r>
+            <a:endParaRPr lang="es-ES" dirty="0"/>
           </a:p>
         </p:txBody>
       </p:sp>
@@ -10704,7 +10707,7 @@
         </p:nvSpPr>
         <p:spPr>
           <a:xfrm>
-            <a:off x="2771800" y="4941168"/>
+            <a:off x="4283968" y="5661248"/>
             <a:ext cx="360040" cy="369332"/>
           </a:xfrm>
           <a:prstGeom prst="rect">
@@ -10719,9 +10722,10 @@
           <a:lstStyle/>
           <a:p>
             <a:r>
-              <a:rPr lang="es-ES" dirty="0"/>
+              <a:rPr lang="es-ES" dirty="0" smtClean="0"/>
               <a:t>Sí</a:t>
             </a:r>
+            <a:endParaRPr lang="es-ES" dirty="0"/>
           </a:p>
         </p:txBody>
       </p:sp>
@@ -10733,7 +10737,7 @@
         </p:nvSpPr>
         <p:spPr>
           <a:xfrm>
-            <a:off x="4788024" y="4581128"/>
+            <a:off x="4788024" y="4653136"/>
             <a:ext cx="504056" cy="369332"/>
           </a:xfrm>
           <a:prstGeom prst="rect">
@@ -10748,9 +10752,10 @@
           <a:lstStyle/>
           <a:p>
             <a:r>
-              <a:rPr lang="es-ES" dirty="0"/>
+              <a:rPr lang="es-ES" dirty="0" smtClean="0"/>
               <a:t>No</a:t>
             </a:r>
+            <a:endParaRPr lang="es-ES" dirty="0"/>
           </a:p>
         </p:txBody>
       </p:sp>
@@ -10762,7 +10767,7 @@
         </p:nvSpPr>
         <p:spPr>
           <a:xfrm>
-            <a:off x="4788024" y="5661248"/>
+            <a:off x="4788024" y="6021288"/>
             <a:ext cx="504056" cy="369332"/>
           </a:xfrm>
           <a:prstGeom prst="rect">
@@ -10777,9 +10782,10 @@
           <a:lstStyle/>
           <a:p>
             <a:r>
-              <a:rPr lang="es-ES" dirty="0"/>
+              <a:rPr lang="es-ES" dirty="0" smtClean="0"/>
               <a:t>No</a:t>
             </a:r>
+            <a:endParaRPr lang="es-ES" dirty="0"/>
           </a:p>
         </p:txBody>
       </p:sp>
@@ -10807,7 +10813,7 @@
           <a:p>
             <a:pPr algn="ctr"/>
             <a:r>
-              <a:rPr lang="es-ES" sz="4400" b="1" dirty="0" err="1">
+              <a:rPr lang="es-ES" sz="4400" b="1" dirty="0" err="1" smtClean="0">
                 <a:ln w="17780" cmpd="sng">
                   <a:solidFill>
                     <a:srgbClr val="FFFFFF"/>
@@ -10924,7 +10930,7 @@
         </p:nvSpPr>
         <p:spPr>
           <a:xfrm>
-            <a:off x="2987824" y="1052736"/>
+            <a:off x="2987824" y="980728"/>
             <a:ext cx="3960440" cy="720080"/>
           </a:xfrm>
           <a:prstGeom prst="homePlate">
@@ -10963,21 +10969,22 @@
           <a:p>
             <a:pPr algn="ctr"/>
             <a:r>
-              <a:rPr lang="es-ES" dirty="0" err="1"/>
+              <a:rPr lang="es-ES" dirty="0" err="1" smtClean="0"/>
               <a:t>int</a:t>
             </a:r>
             <a:r>
-              <a:rPr lang="es-ES" dirty="0"/>
+              <a:rPr lang="es-ES" dirty="0" smtClean="0"/>
               <a:t> i=0; i&lt;filas </a:t>
             </a:r>
             <a:r>
-              <a:rPr lang="es-ES" dirty="0" err="1"/>
+              <a:rPr lang="es-ES" dirty="0" err="1" smtClean="0"/>
               <a:t>array</a:t>
             </a:r>
             <a:r>
-              <a:rPr lang="es-ES" dirty="0"/>
+              <a:rPr lang="es-ES" dirty="0" smtClean="0"/>
               <a:t>; i++</a:t>
             </a:r>
+            <a:endParaRPr lang="es-ES" dirty="0"/>
           </a:p>
         </p:txBody>
       </p:sp>
@@ -10989,7 +10996,7 @@
         </p:nvSpPr>
         <p:spPr>
           <a:xfrm>
-            <a:off x="3131840" y="2852936"/>
+            <a:off x="3131840" y="2708920"/>
             <a:ext cx="3672408" cy="720080"/>
           </a:xfrm>
           <a:prstGeom prst="homePlate">
@@ -11028,23 +11035,23 @@
           <a:p>
             <a:pPr algn="ctr"/>
             <a:r>
-              <a:rPr lang="es-ES" dirty="0" err="1"/>
+              <a:rPr lang="es-ES" dirty="0" err="1" smtClean="0"/>
               <a:t>int</a:t>
             </a:r>
             <a:r>
-              <a:rPr lang="es-ES" dirty="0"/>
+              <a:rPr lang="es-ES" dirty="0" smtClean="0"/>
               <a:t> j=0; j&lt;columnas </a:t>
             </a:r>
             <a:r>
-              <a:rPr lang="es-ES" dirty="0" err="1"/>
+              <a:rPr lang="es-ES" dirty="0" err="1" smtClean="0"/>
               <a:t>array</a:t>
             </a:r>
             <a:r>
-              <a:rPr lang="es-ES" dirty="0"/>
+              <a:rPr lang="es-ES" dirty="0" smtClean="0"/>
               <a:t>; </a:t>
             </a:r>
             <a:r>
-              <a:rPr lang="es-ES" dirty="0" err="1"/>
+              <a:rPr lang="es-ES" dirty="0" err="1" smtClean="0"/>
               <a:t>j++</a:t>
             </a:r>
             <a:endParaRPr lang="es-ES" dirty="0"/>
@@ -11063,7 +11070,7 @@
         <p:spPr>
           <a:xfrm>
             <a:off x="4788024" y="692696"/>
-            <a:ext cx="0" cy="360040"/>
+            <a:ext cx="0" cy="288032"/>
           </a:xfrm>
           <a:prstGeom prst="line">
             <a:avLst/>
@@ -11095,7 +11102,7 @@
         </p:nvCxnSpPr>
         <p:spPr>
           <a:xfrm>
-            <a:off x="4788024" y="1772816"/>
+            <a:off x="4788024" y="1700808"/>
             <a:ext cx="0" cy="288032"/>
           </a:xfrm>
           <a:prstGeom prst="line">
@@ -11128,8 +11135,8 @@
         </p:nvCxnSpPr>
         <p:spPr>
           <a:xfrm>
-            <a:off x="4788024" y="2492896"/>
-            <a:ext cx="0" cy="360040"/>
+            <a:off x="4788024" y="2420888"/>
+            <a:ext cx="0" cy="288032"/>
           </a:xfrm>
           <a:prstGeom prst="line">
             <a:avLst/>
@@ -11161,8 +11168,8 @@
         </p:nvCxnSpPr>
         <p:spPr>
           <a:xfrm>
-            <a:off x="4788024" y="3573016"/>
-            <a:ext cx="0" cy="432048"/>
+            <a:off x="4788024" y="3429000"/>
+            <a:ext cx="0" cy="216024"/>
           </a:xfrm>
           <a:prstGeom prst="line">
             <a:avLst/>
@@ -11187,19 +11194,19 @@
         <p:nvCxnSpPr>
           <p:cNvPr id="80" name="79 Conector angular"/>
           <p:cNvCxnSpPr>
-            <a:stCxn id="10" idx="1"/>
+            <a:stCxn id="22" idx="2"/>
             <a:endCxn id="68" idx="1"/>
           </p:cNvCxnSpPr>
           <p:nvPr/>
         </p:nvCxnSpPr>
         <p:spPr>
           <a:xfrm rot="10800000">
-            <a:off x="3131840" y="3212976"/>
-            <a:ext cx="12700" cy="1044116"/>
+            <a:off x="3131840" y="3068960"/>
+            <a:ext cx="1512168" cy="1512168"/>
           </a:xfrm>
           <a:prstGeom prst="bentConnector3">
             <a:avLst>
-              <a:gd name="adj1" fmla="val 1800000"/>
+              <a:gd name="adj1" fmla="val 115117"/>
             </a:avLst>
           </a:prstGeom>
           <a:ln>
@@ -11232,8 +11239,8 @@
         </p:nvCxnSpPr>
         <p:spPr>
           <a:xfrm>
-            <a:off x="4788024" y="4509120"/>
-            <a:ext cx="0" cy="504056"/>
+            <a:off x="4788024" y="4149080"/>
+            <a:ext cx="0" cy="936104"/>
           </a:xfrm>
           <a:prstGeom prst="straightConnector1">
             <a:avLst/>
@@ -11261,19 +11268,19 @@
         <p:nvCxnSpPr>
           <p:cNvPr id="84" name="83 Conector angular"/>
           <p:cNvCxnSpPr>
-            <a:stCxn id="33" idx="1"/>
+            <a:stCxn id="24" idx="2"/>
             <a:endCxn id="67" idx="1"/>
           </p:cNvCxnSpPr>
           <p:nvPr/>
         </p:nvCxnSpPr>
         <p:spPr>
           <a:xfrm rot="10800000">
-            <a:off x="2987824" y="1412776"/>
-            <a:ext cx="144016" cy="3852428"/>
+            <a:off x="2987824" y="1340768"/>
+            <a:ext cx="1656184" cy="4608512"/>
           </a:xfrm>
           <a:prstGeom prst="bentConnector3">
             <a:avLst>
-              <a:gd name="adj1" fmla="val 258732"/>
+              <a:gd name="adj1" fmla="val 113803"/>
             </a:avLst>
           </a:prstGeom>
           <a:ln>
@@ -11299,7 +11306,6 @@
         <p:nvCxnSpPr>
           <p:cNvPr id="128" name="127 Conector recto de flecha"/>
           <p:cNvCxnSpPr>
-            <a:cxnSpLocks/>
             <a:stCxn id="33" idx="2"/>
             <a:endCxn id="87" idx="0"/>
           </p:cNvCxnSpPr>
@@ -11307,8 +11313,8 @@
         </p:nvCxnSpPr>
         <p:spPr>
           <a:xfrm>
-            <a:off x="4788024" y="5517232"/>
-            <a:ext cx="0" cy="648072"/>
+            <a:off x="4788024" y="5589240"/>
+            <a:ext cx="0" cy="792088"/>
           </a:xfrm>
           <a:prstGeom prst="straightConnector1">
             <a:avLst/>
@@ -11332,6 +11338,112 @@
           </a:fontRef>
         </p:style>
       </p:cxnSp>
+      <p:sp>
+        <p:nvSpPr>
+          <p:cNvPr id="22" name="21 Conector"/>
+          <p:cNvSpPr/>
+          <p:nvPr/>
+        </p:nvSpPr>
+        <p:spPr>
+          <a:xfrm>
+            <a:off x="4644008" y="4437112"/>
+            <a:ext cx="288032" cy="288032"/>
+          </a:xfrm>
+          <a:prstGeom prst="flowChartConnector">
+            <a:avLst/>
+          </a:prstGeom>
+          <a:solidFill>
+            <a:schemeClr val="accent6">
+              <a:lumMod val="40000"/>
+              <a:lumOff val="60000"/>
+            </a:schemeClr>
+          </a:solidFill>
+          <a:ln>
+            <a:solidFill>
+              <a:schemeClr val="accent6">
+                <a:lumMod val="50000"/>
+              </a:schemeClr>
+            </a:solidFill>
+          </a:ln>
+        </p:spPr>
+        <p:style>
+          <a:lnRef idx="2">
+            <a:schemeClr val="accent1">
+              <a:shade val="50000"/>
+            </a:schemeClr>
+          </a:lnRef>
+          <a:fillRef idx="1">
+            <a:schemeClr val="accent1"/>
+          </a:fillRef>
+          <a:effectRef idx="0">
+            <a:schemeClr val="accent1"/>
+          </a:effectRef>
+          <a:fontRef idx="minor">
+            <a:schemeClr val="lt1"/>
+          </a:fontRef>
+        </p:style>
+        <p:txBody>
+          <a:bodyPr rtlCol="0" anchor="ctr"/>
+          <a:lstStyle/>
+          <a:p>
+            <a:pPr algn="ctr"/>
+            <a:endParaRPr lang="es-ES"/>
+          </a:p>
+        </p:txBody>
+      </p:sp>
+      <p:sp>
+        <p:nvSpPr>
+          <p:cNvPr id="24" name="23 Conector"/>
+          <p:cNvSpPr/>
+          <p:nvPr/>
+        </p:nvSpPr>
+        <p:spPr>
+          <a:xfrm>
+            <a:off x="4644008" y="5805264"/>
+            <a:ext cx="288032" cy="288032"/>
+          </a:xfrm>
+          <a:prstGeom prst="flowChartConnector">
+            <a:avLst/>
+          </a:prstGeom>
+          <a:solidFill>
+            <a:schemeClr val="accent6">
+              <a:lumMod val="40000"/>
+              <a:lumOff val="60000"/>
+            </a:schemeClr>
+          </a:solidFill>
+          <a:ln>
+            <a:solidFill>
+              <a:schemeClr val="accent6">
+                <a:lumMod val="50000"/>
+              </a:schemeClr>
+            </a:solidFill>
+          </a:ln>
+        </p:spPr>
+        <p:style>
+          <a:lnRef idx="2">
+            <a:schemeClr val="accent1">
+              <a:shade val="50000"/>
+            </a:schemeClr>
+          </a:lnRef>
+          <a:fillRef idx="1">
+            <a:schemeClr val="accent1"/>
+          </a:fillRef>
+          <a:effectRef idx="0">
+            <a:schemeClr val="accent1"/>
+          </a:effectRef>
+          <a:fontRef idx="minor">
+            <a:schemeClr val="lt1"/>
+          </a:fontRef>
+        </p:style>
+        <p:txBody>
+          <a:bodyPr rtlCol="0" anchor="ctr"/>
+          <a:lstStyle/>
+          <a:p>
+            <a:pPr algn="ctr"/>
+            <a:endParaRPr lang="es-ES"/>
+          </a:p>
+        </p:txBody>
+      </p:sp>
     </p:spTree>
   </p:cSld>
   <p:clrMapOvr>
@@ -11628,7 +11740,7 @@
           <p:cNvPr id="11" name="7 Proceso">
             <a:extLst>
               <a:ext uri="{FF2B5EF4-FFF2-40B4-BE49-F238E27FC236}">
-                <a16:creationId xmlns:a16="http://schemas.microsoft.com/office/drawing/2014/main" id="{531BEAA3-3C3E-4BF5-9113-6A39E592295B}"/>
+                <a16:creationId xmlns:a16="http://schemas.microsoft.com/office/drawing/2014/main" xmlns="" id="{531BEAA3-3C3E-4BF5-9113-6A39E592295B}"/>
               </a:ext>
             </a:extLst>
           </p:cNvPr>
@@ -11684,7 +11796,7 @@
           <p:cNvPr id="12" name="7 Proceso">
             <a:extLst>
               <a:ext uri="{FF2B5EF4-FFF2-40B4-BE49-F238E27FC236}">
-                <a16:creationId xmlns:a16="http://schemas.microsoft.com/office/drawing/2014/main" id="{531BEAA3-3C3E-4BF5-9113-6A39E592295B}"/>
+                <a16:creationId xmlns:a16="http://schemas.microsoft.com/office/drawing/2014/main" xmlns="" id="{531BEAA3-3C3E-4BF5-9113-6A39E592295B}"/>
               </a:ext>
             </a:extLst>
           </p:cNvPr>
@@ -11740,7 +11852,7 @@
           <p:cNvPr id="13" name="7 Proceso">
             <a:extLst>
               <a:ext uri="{FF2B5EF4-FFF2-40B4-BE49-F238E27FC236}">
-                <a16:creationId xmlns:a16="http://schemas.microsoft.com/office/drawing/2014/main" id="{531BEAA3-3C3E-4BF5-9113-6A39E592295B}"/>
+                <a16:creationId xmlns:a16="http://schemas.microsoft.com/office/drawing/2014/main" xmlns="" id="{531BEAA3-3C3E-4BF5-9113-6A39E592295B}"/>
               </a:ext>
             </a:extLst>
           </p:cNvPr>
@@ -11796,7 +11908,7 @@
           <p:cNvPr id="14" name="7 Proceso">
             <a:extLst>
               <a:ext uri="{FF2B5EF4-FFF2-40B4-BE49-F238E27FC236}">
-                <a16:creationId xmlns:a16="http://schemas.microsoft.com/office/drawing/2014/main" id="{531BEAA3-3C3E-4BF5-9113-6A39E592295B}"/>
+                <a16:creationId xmlns:a16="http://schemas.microsoft.com/office/drawing/2014/main" xmlns="" id="{531BEAA3-3C3E-4BF5-9113-6A39E592295B}"/>
               </a:ext>
             </a:extLst>
           </p:cNvPr>
@@ -11848,7 +11960,7 @@
           <p:cNvPr id="15" name="7 Proceso">
             <a:extLst>
               <a:ext uri="{FF2B5EF4-FFF2-40B4-BE49-F238E27FC236}">
-                <a16:creationId xmlns:a16="http://schemas.microsoft.com/office/drawing/2014/main" id="{531BEAA3-3C3E-4BF5-9113-6A39E592295B}"/>
+                <a16:creationId xmlns:a16="http://schemas.microsoft.com/office/drawing/2014/main" xmlns="" id="{531BEAA3-3C3E-4BF5-9113-6A39E592295B}"/>
               </a:ext>
             </a:extLst>
           </p:cNvPr>
@@ -11904,7 +12016,7 @@
           <p:cNvPr id="16" name="7 Proceso">
             <a:extLst>
               <a:ext uri="{FF2B5EF4-FFF2-40B4-BE49-F238E27FC236}">
-                <a16:creationId xmlns:a16="http://schemas.microsoft.com/office/drawing/2014/main" id="{531BEAA3-3C3E-4BF5-9113-6A39E592295B}"/>
+                <a16:creationId xmlns:a16="http://schemas.microsoft.com/office/drawing/2014/main" xmlns="" id="{531BEAA3-3C3E-4BF5-9113-6A39E592295B}"/>
               </a:ext>
             </a:extLst>
           </p:cNvPr>
@@ -13009,7 +13121,7 @@
     </p:spTree>
     <p:extLst>
       <p:ext uri="{BB962C8B-B14F-4D97-AF65-F5344CB8AC3E}">
-        <p14:creationId xmlns:p14="http://schemas.microsoft.com/office/powerpoint/2010/main" val="501475288"/>
+        <p14:creationId xmlns:p14="http://schemas.microsoft.com/office/powerpoint/2010/main" xmlns="" val="501475288"/>
       </p:ext>
     </p:extLst>
   </p:cSld>
@@ -13206,7 +13318,7 @@
           <p:cNvPr id="7" name="7 Proceso">
             <a:extLst>
               <a:ext uri="{FF2B5EF4-FFF2-40B4-BE49-F238E27FC236}">
-                <a16:creationId xmlns:a16="http://schemas.microsoft.com/office/drawing/2014/main" id="{D5095488-B6E4-42D1-8BDB-A6F77EDB308A}"/>
+                <a16:creationId xmlns:a16="http://schemas.microsoft.com/office/drawing/2014/main" xmlns="" id="{D5095488-B6E4-42D1-8BDB-A6F77EDB308A}"/>
               </a:ext>
             </a:extLst>
           </p:cNvPr>
@@ -13258,7 +13370,7 @@
           <p:cNvPr id="10" name="7 Proceso">
             <a:extLst>
               <a:ext uri="{FF2B5EF4-FFF2-40B4-BE49-F238E27FC236}">
-                <a16:creationId xmlns:a16="http://schemas.microsoft.com/office/drawing/2014/main" id="{D5095488-B6E4-42D1-8BDB-A6F77EDB308A}"/>
+                <a16:creationId xmlns:a16="http://schemas.microsoft.com/office/drawing/2014/main" xmlns="" id="{D5095488-B6E4-42D1-8BDB-A6F77EDB308A}"/>
               </a:ext>
             </a:extLst>
           </p:cNvPr>
@@ -13310,7 +13422,7 @@
           <p:cNvPr id="16" name="7 Proceso">
             <a:extLst>
               <a:ext uri="{FF2B5EF4-FFF2-40B4-BE49-F238E27FC236}">
-                <a16:creationId xmlns:a16="http://schemas.microsoft.com/office/drawing/2014/main" id="{D5095488-B6E4-42D1-8BDB-A6F77EDB308A}"/>
+                <a16:creationId xmlns:a16="http://schemas.microsoft.com/office/drawing/2014/main" xmlns="" id="{D5095488-B6E4-42D1-8BDB-A6F77EDB308A}"/>
               </a:ext>
             </a:extLst>
           </p:cNvPr>
@@ -13362,7 +13474,7 @@
           <p:cNvPr id="19" name="7 Proceso">
             <a:extLst>
               <a:ext uri="{FF2B5EF4-FFF2-40B4-BE49-F238E27FC236}">
-                <a16:creationId xmlns:a16="http://schemas.microsoft.com/office/drawing/2014/main" id="{D5095488-B6E4-42D1-8BDB-A6F77EDB308A}"/>
+                <a16:creationId xmlns:a16="http://schemas.microsoft.com/office/drawing/2014/main" xmlns="" id="{D5095488-B6E4-42D1-8BDB-A6F77EDB308A}"/>
               </a:ext>
             </a:extLst>
           </p:cNvPr>
@@ -13653,7 +13765,7 @@
           <p:cNvPr id="28" name="7 Proceso">
             <a:extLst>
               <a:ext uri="{FF2B5EF4-FFF2-40B4-BE49-F238E27FC236}">
-                <a16:creationId xmlns:a16="http://schemas.microsoft.com/office/drawing/2014/main" id="{D5095488-B6E4-42D1-8BDB-A6F77EDB308A}"/>
+                <a16:creationId xmlns:a16="http://schemas.microsoft.com/office/drawing/2014/main" xmlns="" id="{D5095488-B6E4-42D1-8BDB-A6F77EDB308A}"/>
               </a:ext>
             </a:extLst>
           </p:cNvPr>
@@ -14314,7 +14426,7 @@
     </p:spTree>
     <p:extLst>
       <p:ext uri="{BB962C8B-B14F-4D97-AF65-F5344CB8AC3E}">
-        <p14:creationId xmlns:p14="http://schemas.microsoft.com/office/powerpoint/2010/main" val="677011517"/>
+        <p14:creationId xmlns:p14="http://schemas.microsoft.com/office/powerpoint/2010/main" xmlns="" val="677011517"/>
       </p:ext>
     </p:extLst>
   </p:cSld>
@@ -15036,7 +15148,7 @@
     </p:spTree>
     <p:extLst>
       <p:ext uri="{BB962C8B-B14F-4D97-AF65-F5344CB8AC3E}">
-        <p14:creationId xmlns:p14="http://schemas.microsoft.com/office/powerpoint/2010/main" val="1269651221"/>
+        <p14:creationId xmlns:p14="http://schemas.microsoft.com/office/powerpoint/2010/main" xmlns="" val="1269651221"/>
       </p:ext>
     </p:extLst>
   </p:cSld>
